--- a/MachineLearning_Supervised_AdeboyeBernard.pptx
+++ b/MachineLearning_Supervised_AdeboyeBernard.pptx
@@ -118,6 +118,11 @@
       </a:defRPr>
     </a:lvl9pPr>
   </p:defaultTextStyle>
+  <p:extLst>
+    <p:ext uri="{EFAFB233-063F-42B5-8137-9DF3F51BA10A}">
+      <p15:sldGuideLst xmlns:p15="http://schemas.microsoft.com/office/powerpoint/2012/main"/>
+    </p:ext>
+  </p:extLst>
 </p:presentation>
 </file>
 
@@ -1672,10 +1677,10 @@
         <a:lstStyle/>
         <a:p>
           <a:r>
-            <a:rPr lang="en-US" b="1"/>
+            <a:rPr lang="en-US" b="1" dirty="0"/>
             <a:t>After analyzing the histogram we can identify that there are some outliers in some columns.</a:t>
           </a:r>
-          <a:endParaRPr lang="en-US"/>
+          <a:endParaRPr lang="en-US" dirty="0"/>
         </a:p>
       </dgm:t>
     </dgm:pt>
@@ -1709,10 +1714,10 @@
         <a:lstStyle/>
         <a:p>
           <a:r>
-            <a:rPr lang="en-US" b="1"/>
+            <a:rPr lang="en-US" b="1" dirty="0"/>
             <a:t>For Example:-</a:t>
           </a:r>
-          <a:endParaRPr lang="en-US"/>
+          <a:endParaRPr lang="en-US" dirty="0"/>
         </a:p>
       </dgm:t>
     </dgm:pt>
@@ -1746,10 +1751,10 @@
         <a:lstStyle/>
         <a:p>
           <a:r>
-            <a:rPr lang="en-US" b="1"/>
+            <a:rPr lang="en-US" b="1" dirty="0"/>
             <a:t>Blood Pressure - A living person cannot have a diastolic blood pressure of zero.</a:t>
           </a:r>
-          <a:endParaRPr lang="en-US"/>
+          <a:endParaRPr lang="en-US" dirty="0"/>
         </a:p>
       </dgm:t>
     </dgm:pt>
@@ -1783,10 +1788,10 @@
         <a:lstStyle/>
         <a:p>
           <a:r>
-            <a:rPr lang="en-US" b="1"/>
+            <a:rPr lang="en-US" b="1" dirty="0"/>
             <a:t>Plasma glucose levels - Zero is invalid number as fasting glucose level would never be as low as zero.</a:t>
           </a:r>
-          <a:endParaRPr lang="en-US"/>
+          <a:endParaRPr lang="en-US" dirty="0"/>
         </a:p>
       </dgm:t>
     </dgm:pt>
@@ -1820,10 +1825,10 @@
         <a:lstStyle/>
         <a:p>
           <a:r>
-            <a:rPr lang="en-US" b="1"/>
+            <a:rPr lang="en-US" b="1" dirty="0"/>
             <a:t>Skin Fold Thickness - For normal people, skin fold thickness can’t be less than 10 mm better yet zero.</a:t>
           </a:r>
-          <a:endParaRPr lang="en-US"/>
+          <a:endParaRPr lang="en-US" dirty="0"/>
         </a:p>
       </dgm:t>
     </dgm:pt>
@@ -1857,10 +1862,10 @@
         <a:lstStyle/>
         <a:p>
           <a:r>
-            <a:rPr lang="en-US" b="1"/>
+            <a:rPr lang="en-US" b="1" dirty="0"/>
             <a:t>BMI: Should not be 0 or close to zero unless the person is really underweight which could be life-threatening.</a:t>
           </a:r>
-          <a:endParaRPr lang="en-US"/>
+          <a:endParaRPr lang="en-US" dirty="0"/>
         </a:p>
       </dgm:t>
     </dgm:pt>
@@ -1894,10 +1899,10 @@
         <a:lstStyle/>
         <a:p>
           <a:r>
-            <a:rPr lang="en-US" b="1"/>
+            <a:rPr lang="en-US" b="1" dirty="0"/>
             <a:t>Insulin: In a rare situation a person can have zero insulin but by observing</a:t>
           </a:r>
-          <a:endParaRPr lang="en-US"/>
+          <a:endParaRPr lang="en-US" dirty="0"/>
         </a:p>
       </dgm:t>
     </dgm:pt>
@@ -2134,10 +2139,10 @@
             </a:lnSpc>
           </a:pPr>
           <a:r>
-            <a:rPr lang="en-US" b="0"/>
+            <a:rPr lang="en-US" b="0" dirty="0"/>
             <a:t>Diabetic and non-diabetic groups shows similar distribution pattern.</a:t>
           </a:r>
-          <a:endParaRPr lang="en-US"/>
+          <a:endParaRPr lang="en-US" dirty="0"/>
         </a:p>
       </dgm:t>
     </dgm:pt>
@@ -2181,10 +2186,10 @@
             </a:lnSpc>
           </a:pPr>
           <a:r>
-            <a:rPr lang="en-US" b="0"/>
+            <a:rPr lang="en-US" b="0" dirty="0"/>
             <a:t>Most variables shows relative positive relationship between themselves.</a:t>
           </a:r>
-          <a:endParaRPr lang="en-US"/>
+          <a:endParaRPr lang="en-US" dirty="0"/>
         </a:p>
       </dgm:t>
     </dgm:pt>
@@ -2228,10 +2233,10 @@
             </a:lnSpc>
           </a:pPr>
           <a:r>
-            <a:rPr lang="en-US" b="0"/>
-            <a:t>Skin thickness and Insulin show alot of outliers due to the numbers of zeros.</a:t>
+            <a:rPr lang="en-US" b="0" dirty="0"/>
+            <a:t>Skin thickness and Insulin shows a lot of outliers due to the numbers of zeros.</a:t>
           </a:r>
-          <a:endParaRPr lang="en-US"/>
+          <a:endParaRPr lang="en-US" dirty="0"/>
         </a:p>
       </dgm:t>
     </dgm:pt>
@@ -2247,6 +2252,52 @@
       </dgm:t>
     </dgm:pt>
     <dgm:pt modelId="{E3A29176-F97D-42F1-97BE-973BE7540D18}" type="sibTrans" cxnId="{2CFC32BA-301F-45DB-92DE-FE88AAA1D772}">
+      <dgm:prSet/>
+      <dgm:spPr/>
+      <dgm:t>
+        <a:bodyPr/>
+        <a:lstStyle/>
+        <a:p>
+          <a:pPr>
+            <a:lnSpc>
+              <a:spcPct val="100000"/>
+            </a:lnSpc>
+          </a:pPr>
+          <a:endParaRPr lang="en-US"/>
+        </a:p>
+      </dgm:t>
+    </dgm:pt>
+    <dgm:pt modelId="{5EB2BAEF-5FC1-4220-85E2-7FE6698D6900}">
+      <dgm:prSet/>
+      <dgm:spPr/>
+      <dgm:t>
+        <a:bodyPr/>
+        <a:lstStyle/>
+        <a:p>
+          <a:pPr>
+            <a:lnSpc>
+              <a:spcPct val="100000"/>
+            </a:lnSpc>
+          </a:pPr>
+          <a:r>
+            <a:rPr lang="en-US" dirty="0"/>
+            <a:t>Pregnancies, glucose and BMI variables help to explain the outcome variables better.</a:t>
+          </a:r>
+        </a:p>
+      </dgm:t>
+    </dgm:pt>
+    <dgm:pt modelId="{3A7C57FB-C69B-4598-8FD4-6A3E995C0888}" type="parTrans" cxnId="{AE034642-60B0-40C0-B3E4-4FD394641072}">
+      <dgm:prSet/>
+      <dgm:spPr/>
+      <dgm:t>
+        <a:bodyPr/>
+        <a:lstStyle/>
+        <a:p>
+          <a:endParaRPr lang="en-US"/>
+        </a:p>
+      </dgm:t>
+    </dgm:pt>
+    <dgm:pt modelId="{9E6D0D37-1A0A-4461-8302-253D39380F39}" type="sibTrans" cxnId="{AE034642-60B0-40C0-B3E4-4FD394641072}">
       <dgm:prSet/>
       <dgm:spPr/>
       <dgm:t>
@@ -2280,11 +2331,11 @@
       <dgm:spPr/>
     </dgm:pt>
     <dgm:pt modelId="{72420E0B-9D17-44E5-869F-E3F41B7021F5}" type="pres">
-      <dgm:prSet presAssocID="{2509D182-0898-469D-A1D7-2A2A5A4B37AE}" presName="iconBgRect" presStyleLbl="bgShp" presStyleIdx="0" presStyleCnt="4"/>
+      <dgm:prSet presAssocID="{2509D182-0898-469D-A1D7-2A2A5A4B37AE}" presName="iconBgRect" presStyleLbl="bgShp" presStyleIdx="0" presStyleCnt="5"/>
       <dgm:spPr/>
     </dgm:pt>
     <dgm:pt modelId="{18A6916C-14FF-400D-A4B8-49207E7F7AEA}" type="pres">
-      <dgm:prSet presAssocID="{2509D182-0898-469D-A1D7-2A2A5A4B37AE}" presName="iconRect" presStyleLbl="node1" presStyleIdx="0" presStyleCnt="4"/>
+      <dgm:prSet presAssocID="{2509D182-0898-469D-A1D7-2A2A5A4B37AE}" presName="iconRect" presStyleLbl="node1" presStyleIdx="0" presStyleCnt="5"/>
       <dgm:spPr>
         <a:blipFill>
           <a:blip xmlns:r="http://schemas.openxmlformats.org/officeDocument/2006/relationships" r:embed="rId1">
@@ -2313,7 +2364,7 @@
       <dgm:spPr/>
     </dgm:pt>
     <dgm:pt modelId="{D6267C00-907E-4385-8DD1-AD17CDA38F21}" type="pres">
-      <dgm:prSet presAssocID="{2509D182-0898-469D-A1D7-2A2A5A4B37AE}" presName="textRect" presStyleLbl="revTx" presStyleIdx="0" presStyleCnt="4">
+      <dgm:prSet presAssocID="{2509D182-0898-469D-A1D7-2A2A5A4B37AE}" presName="textRect" presStyleLbl="revTx" presStyleIdx="0" presStyleCnt="5">
         <dgm:presLayoutVars>
           <dgm:chMax val="1"/>
           <dgm:chPref val="1"/>
@@ -2330,11 +2381,11 @@
       <dgm:spPr/>
     </dgm:pt>
     <dgm:pt modelId="{D091F137-F1D8-4EB4-ACC7-4530FCC202E0}" type="pres">
-      <dgm:prSet presAssocID="{68F9B315-0DBA-4641-AF5B-07D830EBFED6}" presName="iconBgRect" presStyleLbl="bgShp" presStyleIdx="1" presStyleCnt="4"/>
+      <dgm:prSet presAssocID="{68F9B315-0DBA-4641-AF5B-07D830EBFED6}" presName="iconBgRect" presStyleLbl="bgShp" presStyleIdx="1" presStyleCnt="5"/>
       <dgm:spPr/>
     </dgm:pt>
     <dgm:pt modelId="{AE994BA6-4927-4624-9321-A24493B62B93}" type="pres">
-      <dgm:prSet presAssocID="{68F9B315-0DBA-4641-AF5B-07D830EBFED6}" presName="iconRect" presStyleLbl="node1" presStyleIdx="1" presStyleCnt="4"/>
+      <dgm:prSet presAssocID="{68F9B315-0DBA-4641-AF5B-07D830EBFED6}" presName="iconRect" presStyleLbl="node1" presStyleIdx="1" presStyleCnt="5"/>
       <dgm:spPr>
         <a:blipFill>
           <a:blip xmlns:r="http://schemas.openxmlformats.org/officeDocument/2006/relationships" r:embed="rId3">
@@ -2363,7 +2414,7 @@
       <dgm:spPr/>
     </dgm:pt>
     <dgm:pt modelId="{E43C96E6-058B-42C2-9657-7C7754A24C7D}" type="pres">
-      <dgm:prSet presAssocID="{68F9B315-0DBA-4641-AF5B-07D830EBFED6}" presName="textRect" presStyleLbl="revTx" presStyleIdx="1" presStyleCnt="4">
+      <dgm:prSet presAssocID="{68F9B315-0DBA-4641-AF5B-07D830EBFED6}" presName="textRect" presStyleLbl="revTx" presStyleIdx="1" presStyleCnt="5">
         <dgm:presLayoutVars>
           <dgm:chMax val="1"/>
           <dgm:chPref val="1"/>
@@ -2380,11 +2431,11 @@
       <dgm:spPr/>
     </dgm:pt>
     <dgm:pt modelId="{FA055776-B8E4-49FD-BCF8-B3AC66FC55D0}" type="pres">
-      <dgm:prSet presAssocID="{47BDA2FF-79A9-46D2-8928-AE33378CB99A}" presName="iconBgRect" presStyleLbl="bgShp" presStyleIdx="2" presStyleCnt="4"/>
+      <dgm:prSet presAssocID="{47BDA2FF-79A9-46D2-8928-AE33378CB99A}" presName="iconBgRect" presStyleLbl="bgShp" presStyleIdx="2" presStyleCnt="5"/>
       <dgm:spPr/>
     </dgm:pt>
     <dgm:pt modelId="{A5248699-5B18-43C9-A1D7-AA1F97567503}" type="pres">
-      <dgm:prSet presAssocID="{47BDA2FF-79A9-46D2-8928-AE33378CB99A}" presName="iconRect" presStyleLbl="node1" presStyleIdx="2" presStyleCnt="4"/>
+      <dgm:prSet presAssocID="{47BDA2FF-79A9-46D2-8928-AE33378CB99A}" presName="iconRect" presStyleLbl="node1" presStyleIdx="2" presStyleCnt="5"/>
       <dgm:spPr>
         <a:blipFill>
           <a:blip xmlns:r="http://schemas.openxmlformats.org/officeDocument/2006/relationships" r:embed="rId5">
@@ -2413,7 +2464,7 @@
       <dgm:spPr/>
     </dgm:pt>
     <dgm:pt modelId="{EB2CEB65-A45A-4A34-BBBE-4B7BC208D235}" type="pres">
-      <dgm:prSet presAssocID="{47BDA2FF-79A9-46D2-8928-AE33378CB99A}" presName="textRect" presStyleLbl="revTx" presStyleIdx="2" presStyleCnt="4">
+      <dgm:prSet presAssocID="{47BDA2FF-79A9-46D2-8928-AE33378CB99A}" presName="textRect" presStyleLbl="revTx" presStyleIdx="2" presStyleCnt="5">
         <dgm:presLayoutVars>
           <dgm:chMax val="1"/>
           <dgm:chPref val="1"/>
@@ -2430,11 +2481,11 @@
       <dgm:spPr/>
     </dgm:pt>
     <dgm:pt modelId="{60DF7037-78CE-47C9-9A40-00C335CF3F2C}" type="pres">
-      <dgm:prSet presAssocID="{270B4372-0069-4678-B095-52A0305EC640}" presName="iconBgRect" presStyleLbl="bgShp" presStyleIdx="3" presStyleCnt="4"/>
+      <dgm:prSet presAssocID="{270B4372-0069-4678-B095-52A0305EC640}" presName="iconBgRect" presStyleLbl="bgShp" presStyleIdx="3" presStyleCnt="5"/>
       <dgm:spPr/>
     </dgm:pt>
     <dgm:pt modelId="{DD04EC43-0AB0-406B-8843-46C241F57F74}" type="pres">
-      <dgm:prSet presAssocID="{270B4372-0069-4678-B095-52A0305EC640}" presName="iconRect" presStyleLbl="node1" presStyleIdx="3" presStyleCnt="4"/>
+      <dgm:prSet presAssocID="{270B4372-0069-4678-B095-52A0305EC640}" presName="iconRect" presStyleLbl="node1" presStyleIdx="3" presStyleCnt="5"/>
       <dgm:spPr>
         <a:blipFill>
           <a:blip xmlns:r="http://schemas.openxmlformats.org/officeDocument/2006/relationships" r:embed="rId7">
@@ -2463,7 +2514,36 @@
       <dgm:spPr/>
     </dgm:pt>
     <dgm:pt modelId="{4122892A-83EF-4880-A71E-623CF6A7442E}" type="pres">
-      <dgm:prSet presAssocID="{270B4372-0069-4678-B095-52A0305EC640}" presName="textRect" presStyleLbl="revTx" presStyleIdx="3" presStyleCnt="4">
+      <dgm:prSet presAssocID="{270B4372-0069-4678-B095-52A0305EC640}" presName="textRect" presStyleLbl="revTx" presStyleIdx="3" presStyleCnt="5">
+        <dgm:presLayoutVars>
+          <dgm:chMax val="1"/>
+          <dgm:chPref val="1"/>
+        </dgm:presLayoutVars>
+      </dgm:prSet>
+      <dgm:spPr/>
+    </dgm:pt>
+    <dgm:pt modelId="{5A7088DB-5850-497B-8C66-B8A2FF15BB65}" type="pres">
+      <dgm:prSet presAssocID="{E3A29176-F97D-42F1-97BE-973BE7540D18}" presName="sibTrans" presStyleLbl="sibTrans2D1" presStyleIdx="0" presStyleCnt="0"/>
+      <dgm:spPr/>
+    </dgm:pt>
+    <dgm:pt modelId="{28AE32AC-4D13-4F4D-8835-C53CD37F725B}" type="pres">
+      <dgm:prSet presAssocID="{5EB2BAEF-5FC1-4220-85E2-7FE6698D6900}" presName="compNode" presStyleCnt="0"/>
+      <dgm:spPr/>
+    </dgm:pt>
+    <dgm:pt modelId="{24A7864A-B225-4D6B-9C12-D3EE11711308}" type="pres">
+      <dgm:prSet presAssocID="{5EB2BAEF-5FC1-4220-85E2-7FE6698D6900}" presName="iconBgRect" presStyleLbl="bgShp" presStyleIdx="4" presStyleCnt="5"/>
+      <dgm:spPr/>
+    </dgm:pt>
+    <dgm:pt modelId="{3D7FF13E-3D83-46B5-BABB-70C92B29ED40}" type="pres">
+      <dgm:prSet presAssocID="{5EB2BAEF-5FC1-4220-85E2-7FE6698D6900}" presName="iconRect" presStyleLbl="node1" presStyleIdx="4" presStyleCnt="5"/>
+      <dgm:spPr/>
+    </dgm:pt>
+    <dgm:pt modelId="{C2A48B9C-62F0-43F7-BA6C-EE26C5148650}" type="pres">
+      <dgm:prSet presAssocID="{5EB2BAEF-5FC1-4220-85E2-7FE6698D6900}" presName="spaceRect" presStyleCnt="0"/>
+      <dgm:spPr/>
+    </dgm:pt>
+    <dgm:pt modelId="{45A3B3EA-CB4C-4424-8DCB-415BA2AA1490}" type="pres">
+      <dgm:prSet presAssocID="{5EB2BAEF-5FC1-4220-85E2-7FE6698D6900}" presName="textRect" presStyleLbl="revTx" presStyleIdx="4" presStyleCnt="5" custScaleY="175983">
         <dgm:presLayoutVars>
           <dgm:chMax val="1"/>
           <dgm:chPref val="1"/>
@@ -2473,8 +2553,11 @@
     </dgm:pt>
   </dgm:ptLst>
   <dgm:cxnLst>
+    <dgm:cxn modelId="{6594A709-17ED-45FD-991B-0EB6DFDA927D}" type="presOf" srcId="{E3A29176-F97D-42F1-97BE-973BE7540D18}" destId="{5A7088DB-5850-497B-8C66-B8A2FF15BB65}" srcOrd="0" destOrd="0" presId="urn:microsoft.com/office/officeart/2018/2/layout/IconCircleList"/>
     <dgm:cxn modelId="{7E91D40A-74BA-4202-821C-4AD26D645008}" type="presOf" srcId="{47BDA2FF-79A9-46D2-8928-AE33378CB99A}" destId="{EB2CEB65-A45A-4A34-BBBE-4B7BC208D235}" srcOrd="0" destOrd="0" presId="urn:microsoft.com/office/officeart/2018/2/layout/IconCircleList"/>
+    <dgm:cxn modelId="{EFB7F515-1B90-4D05-B1BD-81F4673401B0}" type="presOf" srcId="{5EB2BAEF-5FC1-4220-85E2-7FE6698D6900}" destId="{45A3B3EA-CB4C-4424-8DCB-415BA2AA1490}" srcOrd="0" destOrd="0" presId="urn:microsoft.com/office/officeart/2018/2/layout/IconCircleList"/>
     <dgm:cxn modelId="{01307D3A-91C0-431F-96FD-D3B6D73C8716}" srcId="{AED738AE-5D8E-4B60-B031-82DF42B69008}" destId="{2509D182-0898-469D-A1D7-2A2A5A4B37AE}" srcOrd="0" destOrd="0" parTransId="{4046D82E-AD33-44DA-BDFA-14099D0499AA}" sibTransId="{9B8B9E94-655A-4DFE-87DE-51BDC6E64EDC}"/>
+    <dgm:cxn modelId="{AE034642-60B0-40C0-B3E4-4FD394641072}" srcId="{AED738AE-5D8E-4B60-B031-82DF42B69008}" destId="{5EB2BAEF-5FC1-4220-85E2-7FE6698D6900}" srcOrd="4" destOrd="0" parTransId="{3A7C57FB-C69B-4598-8FD4-6A3E995C0888}" sibTransId="{9E6D0D37-1A0A-4461-8302-253D39380F39}"/>
     <dgm:cxn modelId="{D6059E7D-E9C1-4809-B7CE-7F5C8372C0C2}" srcId="{AED738AE-5D8E-4B60-B031-82DF42B69008}" destId="{68F9B315-0DBA-4641-AF5B-07D830EBFED6}" srcOrd="1" destOrd="0" parTransId="{00A6DFF6-7CC0-49F6-8B92-7373AE206BA6}" sibTransId="{AAFC4D21-E301-4BCE-877B-E8F76787846A}"/>
     <dgm:cxn modelId="{6BC93283-0DDB-4900-8503-66CA99C4959D}" srcId="{AED738AE-5D8E-4B60-B031-82DF42B69008}" destId="{47BDA2FF-79A9-46D2-8928-AE33378CB99A}" srcOrd="2" destOrd="0" parTransId="{3C061636-C060-498C-95A3-74C324FC0443}" sibTransId="{78025706-0899-413A-9E69-C04F056B03EF}"/>
     <dgm:cxn modelId="{DBBDFCA4-1FFF-44FC-906C-26C66D1C32A2}" type="presOf" srcId="{AED738AE-5D8E-4B60-B031-82DF42B69008}" destId="{4CAE6F52-158B-487C-9660-A9480412D000}" srcOrd="0" destOrd="0" presId="urn:microsoft.com/office/officeart/2018/2/layout/IconCircleList"/>
@@ -2509,6 +2592,12 @@
     <dgm:cxn modelId="{D54D1A91-50B8-4DA0-83CC-BDF120DFD63D}" type="presParOf" srcId="{BF178ED7-26E6-45DA-A837-D4EB654E2AFA}" destId="{DD04EC43-0AB0-406B-8843-46C241F57F74}" srcOrd="1" destOrd="0" presId="urn:microsoft.com/office/officeart/2018/2/layout/IconCircleList"/>
     <dgm:cxn modelId="{6C6E8F77-FDCA-4E62-AE56-ED348C5C8BCF}" type="presParOf" srcId="{BF178ED7-26E6-45DA-A837-D4EB654E2AFA}" destId="{B079A8E2-A2BD-4695-B398-7DEBA7B691C5}" srcOrd="2" destOrd="0" presId="urn:microsoft.com/office/officeart/2018/2/layout/IconCircleList"/>
     <dgm:cxn modelId="{F4FBD3DE-C942-442D-AEC9-16FE3696D397}" type="presParOf" srcId="{BF178ED7-26E6-45DA-A837-D4EB654E2AFA}" destId="{4122892A-83EF-4880-A71E-623CF6A7442E}" srcOrd="3" destOrd="0" presId="urn:microsoft.com/office/officeart/2018/2/layout/IconCircleList"/>
+    <dgm:cxn modelId="{32CCF174-141C-493A-8FFC-DD49E0F50893}" type="presParOf" srcId="{0BC8180E-AE14-43E0-9CBE-427E285FFA0D}" destId="{5A7088DB-5850-497B-8C66-B8A2FF15BB65}" srcOrd="7" destOrd="0" presId="urn:microsoft.com/office/officeart/2018/2/layout/IconCircleList"/>
+    <dgm:cxn modelId="{6398A937-EF09-4C75-9F0C-27C04B88D52C}" type="presParOf" srcId="{0BC8180E-AE14-43E0-9CBE-427E285FFA0D}" destId="{28AE32AC-4D13-4F4D-8835-C53CD37F725B}" srcOrd="8" destOrd="0" presId="urn:microsoft.com/office/officeart/2018/2/layout/IconCircleList"/>
+    <dgm:cxn modelId="{254C82E0-5DE9-4DE4-AC93-65EFC0143CB8}" type="presParOf" srcId="{28AE32AC-4D13-4F4D-8835-C53CD37F725B}" destId="{24A7864A-B225-4D6B-9C12-D3EE11711308}" srcOrd="0" destOrd="0" presId="urn:microsoft.com/office/officeart/2018/2/layout/IconCircleList"/>
+    <dgm:cxn modelId="{08544222-D16B-4263-B5DF-086CDA2B6D28}" type="presParOf" srcId="{28AE32AC-4D13-4F4D-8835-C53CD37F725B}" destId="{3D7FF13E-3D83-46B5-BABB-70C92B29ED40}" srcOrd="1" destOrd="0" presId="urn:microsoft.com/office/officeart/2018/2/layout/IconCircleList"/>
+    <dgm:cxn modelId="{9B1D3D52-ED5D-4298-942C-E49CB0396427}" type="presParOf" srcId="{28AE32AC-4D13-4F4D-8835-C53CD37F725B}" destId="{C2A48B9C-62F0-43F7-BA6C-EE26C5148650}" srcOrd="2" destOrd="0" presId="urn:microsoft.com/office/officeart/2018/2/layout/IconCircleList"/>
+    <dgm:cxn modelId="{2C3FF0F9-FA04-41FC-ADA9-DAC1AB9DEDAA}" type="presParOf" srcId="{28AE32AC-4D13-4F4D-8835-C53CD37F725B}" destId="{45A3B3EA-CB4C-4424-8DCB-415BA2AA1490}" srcOrd="3" destOrd="0" presId="urn:microsoft.com/office/officeart/2018/2/layout/IconCircleList"/>
   </dgm:cxnLst>
   <dgm:bg/>
   <dgm:whole/>
@@ -2617,10 +2706,10 @@
             <a:buNone/>
           </a:pPr>
           <a:r>
-            <a:rPr lang="en-US" sz="1400" b="1" kern="1200"/>
+            <a:rPr lang="en-US" sz="1400" b="1" kern="1200" dirty="0"/>
             <a:t>After analyzing the histogram we can identify that there are some outliers in some columns.</a:t>
           </a:r>
-          <a:endParaRPr lang="en-US" sz="1400" kern="1200"/>
+          <a:endParaRPr lang="en-US" sz="1400" kern="1200" dirty="0"/>
         </a:p>
       </dsp:txBody>
       <dsp:txXfrm>
@@ -2717,10 +2806,10 @@
             <a:buNone/>
           </a:pPr>
           <a:r>
-            <a:rPr lang="en-US" sz="1400" b="1" kern="1200"/>
+            <a:rPr lang="en-US" sz="1400" b="1" kern="1200" dirty="0"/>
             <a:t>For Example:-</a:t>
           </a:r>
-          <a:endParaRPr lang="en-US" sz="1400" kern="1200"/>
+          <a:endParaRPr lang="en-US" sz="1400" kern="1200" dirty="0"/>
         </a:p>
       </dsp:txBody>
       <dsp:txXfrm>
@@ -2817,10 +2906,10 @@
             <a:buNone/>
           </a:pPr>
           <a:r>
-            <a:rPr lang="en-US" sz="1400" b="1" kern="1200"/>
+            <a:rPr lang="en-US" sz="1400" b="1" kern="1200" dirty="0"/>
             <a:t>Blood Pressure - A living person cannot have a diastolic blood pressure of zero.</a:t>
           </a:r>
-          <a:endParaRPr lang="en-US" sz="1400" kern="1200"/>
+          <a:endParaRPr lang="en-US" sz="1400" kern="1200" dirty="0"/>
         </a:p>
       </dsp:txBody>
       <dsp:txXfrm>
@@ -2917,10 +3006,10 @@
             <a:buNone/>
           </a:pPr>
           <a:r>
-            <a:rPr lang="en-US" sz="1400" b="1" kern="1200"/>
+            <a:rPr lang="en-US" sz="1400" b="1" kern="1200" dirty="0"/>
             <a:t>Plasma glucose levels - Zero is invalid number as fasting glucose level would never be as low as zero.</a:t>
           </a:r>
-          <a:endParaRPr lang="en-US" sz="1400" kern="1200"/>
+          <a:endParaRPr lang="en-US" sz="1400" kern="1200" dirty="0"/>
         </a:p>
       </dsp:txBody>
       <dsp:txXfrm>
@@ -3017,10 +3106,10 @@
             <a:buNone/>
           </a:pPr>
           <a:r>
-            <a:rPr lang="en-US" sz="1400" b="1" kern="1200"/>
+            <a:rPr lang="en-US" sz="1400" b="1" kern="1200" dirty="0"/>
             <a:t>Skin Fold Thickness - For normal people, skin fold thickness can’t be less than 10 mm better yet zero.</a:t>
           </a:r>
-          <a:endParaRPr lang="en-US" sz="1400" kern="1200"/>
+          <a:endParaRPr lang="en-US" sz="1400" kern="1200" dirty="0"/>
         </a:p>
       </dsp:txBody>
       <dsp:txXfrm>
@@ -3117,10 +3206,10 @@
             <a:buNone/>
           </a:pPr>
           <a:r>
-            <a:rPr lang="en-US" sz="1400" b="1" kern="1200"/>
+            <a:rPr lang="en-US" sz="1400" b="1" kern="1200" dirty="0"/>
             <a:t>BMI: Should not be 0 or close to zero unless the person is really underweight which could be life-threatening.</a:t>
           </a:r>
-          <a:endParaRPr lang="en-US" sz="1400" kern="1200"/>
+          <a:endParaRPr lang="en-US" sz="1400" kern="1200" dirty="0"/>
         </a:p>
       </dsp:txBody>
       <dsp:txXfrm>
@@ -3217,10 +3306,10 @@
             <a:buNone/>
           </a:pPr>
           <a:r>
-            <a:rPr lang="en-US" sz="1400" b="1" kern="1200"/>
+            <a:rPr lang="en-US" sz="1400" b="1" kern="1200" dirty="0"/>
             <a:t>Insulin: In a rare situation a person can have zero insulin but by observing</a:t>
           </a:r>
-          <a:endParaRPr lang="en-US" sz="1400" kern="1200"/>
+          <a:endParaRPr lang="en-US" sz="1400" kern="1200" dirty="0"/>
         </a:p>
       </dsp:txBody>
       <dsp:txXfrm>
@@ -3247,8 +3336,8 @@
       </dsp:nvSpPr>
       <dsp:spPr>
         <a:xfrm>
-          <a:off x="212335" y="726329"/>
-          <a:ext cx="1335915" cy="1335915"/>
+          <a:off x="82613" y="824121"/>
+          <a:ext cx="897246" cy="897246"/>
         </a:xfrm>
         <a:prstGeom prst="ellipse">
           <a:avLst/>
@@ -3287,8 +3376,8 @@
       </dsp:nvSpPr>
       <dsp:spPr>
         <a:xfrm>
-          <a:off x="492877" y="1006872"/>
-          <a:ext cx="774830" cy="774830"/>
+          <a:off x="271034" y="1012543"/>
+          <a:ext cx="520402" cy="520402"/>
         </a:xfrm>
         <a:prstGeom prst="rect">
           <a:avLst/>
@@ -3343,8 +3432,8 @@
       </dsp:nvSpPr>
       <dsp:spPr>
         <a:xfrm>
-          <a:off x="1834517" y="726329"/>
-          <a:ext cx="3148942" cy="1335915"/>
+          <a:off x="1172126" y="824121"/>
+          <a:ext cx="2114937" cy="897246"/>
         </a:xfrm>
         <a:prstGeom prst="rect">
           <a:avLst/>
@@ -3373,7 +3462,7 @@
         </a:bodyPr>
         <a:lstStyle/>
         <a:p>
-          <a:pPr marL="0" lvl="0" indent="0" algn="l" defTabSz="800100">
+          <a:pPr marL="0" lvl="0" indent="0" algn="l" defTabSz="533400">
             <a:lnSpc>
               <a:spcPct val="100000"/>
             </a:lnSpc>
@@ -3386,15 +3475,15 @@
             <a:buNone/>
           </a:pPr>
           <a:r>
-            <a:rPr lang="en-US" sz="1800" b="0" kern="1200" dirty="0"/>
+            <a:rPr lang="en-US" sz="1200" b="0" kern="1200" dirty="0"/>
             <a:t>We can see the Logistic Regression, Random Forest and Gradient Boosting have performed better than the rest. </a:t>
           </a:r>
-          <a:endParaRPr lang="en-US" sz="1800" kern="1200" dirty="0"/>
+          <a:endParaRPr lang="en-US" sz="1200" kern="1200" dirty="0"/>
         </a:p>
       </dsp:txBody>
       <dsp:txXfrm>
-        <a:off x="1834517" y="726329"/>
-        <a:ext cx="3148942" cy="1335915"/>
+        <a:off x="1172126" y="824121"/>
+        <a:ext cx="2114937" cy="897246"/>
       </dsp:txXfrm>
     </dsp:sp>
     <dsp:sp modelId="{D091F137-F1D8-4EB4-ACC7-4530FCC202E0}">
@@ -3404,8 +3493,8 @@
       </dsp:nvSpPr>
       <dsp:spPr>
         <a:xfrm>
-          <a:off x="5532139" y="726329"/>
-          <a:ext cx="1335915" cy="1335915"/>
+          <a:off x="3655575" y="824121"/>
+          <a:ext cx="897246" cy="897246"/>
         </a:xfrm>
         <a:prstGeom prst="ellipse">
           <a:avLst/>
@@ -3444,8 +3533,8 @@
       </dsp:nvSpPr>
       <dsp:spPr>
         <a:xfrm>
-          <a:off x="5812681" y="1006872"/>
-          <a:ext cx="774830" cy="774830"/>
+          <a:off x="3843996" y="1012543"/>
+          <a:ext cx="520402" cy="520402"/>
         </a:xfrm>
         <a:prstGeom prst="rect">
           <a:avLst/>
@@ -3500,8 +3589,8 @@
       </dsp:nvSpPr>
       <dsp:spPr>
         <a:xfrm>
-          <a:off x="7154322" y="726329"/>
-          <a:ext cx="3148942" cy="1335915"/>
+          <a:off x="4745088" y="824121"/>
+          <a:ext cx="2114937" cy="897246"/>
         </a:xfrm>
         <a:prstGeom prst="rect">
           <a:avLst/>
@@ -3530,7 +3619,7 @@
         </a:bodyPr>
         <a:lstStyle/>
         <a:p>
-          <a:pPr marL="0" lvl="0" indent="0" algn="l" defTabSz="800100">
+          <a:pPr marL="0" lvl="0" indent="0" algn="l" defTabSz="533400">
             <a:lnSpc>
               <a:spcPct val="100000"/>
             </a:lnSpc>
@@ -3543,15 +3632,15 @@
             <a:buNone/>
           </a:pPr>
           <a:r>
-            <a:rPr lang="en-US" sz="1800" b="0" kern="1200"/>
+            <a:rPr lang="en-US" sz="1200" b="0" kern="1200" dirty="0"/>
             <a:t>Diabetic and non-diabetic groups shows similar distribution pattern.</a:t>
           </a:r>
-          <a:endParaRPr lang="en-US" sz="1800" kern="1200"/>
+          <a:endParaRPr lang="en-US" sz="1200" kern="1200" dirty="0"/>
         </a:p>
       </dsp:txBody>
       <dsp:txXfrm>
-        <a:off x="7154322" y="726329"/>
-        <a:ext cx="3148942" cy="1335915"/>
+        <a:off x="4745088" y="824121"/>
+        <a:ext cx="2114937" cy="897246"/>
       </dsp:txXfrm>
     </dsp:sp>
     <dsp:sp modelId="{FA055776-B8E4-49FD-BCF8-B3AC66FC55D0}">
@@ -3561,8 +3650,8 @@
       </dsp:nvSpPr>
       <dsp:spPr>
         <a:xfrm>
-          <a:off x="212335" y="2907020"/>
-          <a:ext cx="1335915" cy="1335915"/>
+          <a:off x="7228536" y="824121"/>
+          <a:ext cx="897246" cy="897246"/>
         </a:xfrm>
         <a:prstGeom prst="ellipse">
           <a:avLst/>
@@ -3601,8 +3690,8 @@
       </dsp:nvSpPr>
       <dsp:spPr>
         <a:xfrm>
-          <a:off x="492877" y="3187562"/>
-          <a:ext cx="774830" cy="774830"/>
+          <a:off x="7416958" y="1012543"/>
+          <a:ext cx="520402" cy="520402"/>
         </a:xfrm>
         <a:prstGeom prst="rect">
           <a:avLst/>
@@ -3657,8 +3746,8 @@
       </dsp:nvSpPr>
       <dsp:spPr>
         <a:xfrm>
-          <a:off x="1834517" y="2907020"/>
-          <a:ext cx="3148942" cy="1335915"/>
+          <a:off x="8318049" y="824121"/>
+          <a:ext cx="2114937" cy="897246"/>
         </a:xfrm>
         <a:prstGeom prst="rect">
           <a:avLst/>
@@ -3687,7 +3776,7 @@
         </a:bodyPr>
         <a:lstStyle/>
         <a:p>
-          <a:pPr marL="0" lvl="0" indent="0" algn="l" defTabSz="800100">
+          <a:pPr marL="0" lvl="0" indent="0" algn="l" defTabSz="533400">
             <a:lnSpc>
               <a:spcPct val="100000"/>
             </a:lnSpc>
@@ -3700,15 +3789,15 @@
             <a:buNone/>
           </a:pPr>
           <a:r>
-            <a:rPr lang="en-US" sz="1800" b="0" kern="1200"/>
+            <a:rPr lang="en-US" sz="1200" b="0" kern="1200" dirty="0"/>
             <a:t>Most variables shows relative positive relationship between themselves.</a:t>
           </a:r>
-          <a:endParaRPr lang="en-US" sz="1800" kern="1200"/>
+          <a:endParaRPr lang="en-US" sz="1200" kern="1200" dirty="0"/>
         </a:p>
       </dsp:txBody>
       <dsp:txXfrm>
-        <a:off x="1834517" y="2907020"/>
-        <a:ext cx="3148942" cy="1335915"/>
+        <a:off x="8318049" y="824121"/>
+        <a:ext cx="2114937" cy="897246"/>
       </dsp:txXfrm>
     </dsp:sp>
     <dsp:sp modelId="{60DF7037-78CE-47C9-9A40-00C335CF3F2C}">
@@ -3718,8 +3807,8 @@
       </dsp:nvSpPr>
       <dsp:spPr>
         <a:xfrm>
-          <a:off x="5532139" y="2907020"/>
-          <a:ext cx="1335915" cy="1335915"/>
+          <a:off x="82613" y="2907020"/>
+          <a:ext cx="897246" cy="897246"/>
         </a:xfrm>
         <a:prstGeom prst="ellipse">
           <a:avLst/>
@@ -3758,8 +3847,8 @@
       </dsp:nvSpPr>
       <dsp:spPr>
         <a:xfrm>
-          <a:off x="5812681" y="3187562"/>
-          <a:ext cx="774830" cy="774830"/>
+          <a:off x="271034" y="3095441"/>
+          <a:ext cx="520402" cy="520402"/>
         </a:xfrm>
         <a:prstGeom prst="rect">
           <a:avLst/>
@@ -3814,8 +3903,8 @@
       </dsp:nvSpPr>
       <dsp:spPr>
         <a:xfrm>
-          <a:off x="7154322" y="2907020"/>
-          <a:ext cx="3148942" cy="1335915"/>
+          <a:off x="1172126" y="2907020"/>
+          <a:ext cx="2114937" cy="897246"/>
         </a:xfrm>
         <a:prstGeom prst="rect">
           <a:avLst/>
@@ -3844,7 +3933,7 @@
         </a:bodyPr>
         <a:lstStyle/>
         <a:p>
-          <a:pPr marL="0" lvl="0" indent="0" algn="l" defTabSz="800100">
+          <a:pPr marL="0" lvl="0" indent="0" algn="l" defTabSz="533400">
             <a:lnSpc>
               <a:spcPct val="100000"/>
             </a:lnSpc>
@@ -3857,15 +3946,164 @@
             <a:buNone/>
           </a:pPr>
           <a:r>
-            <a:rPr lang="en-US" sz="1800" b="0" kern="1200"/>
-            <a:t>Skin thickness and Insulin show alot of outliers due to the numbers of zeros.</a:t>
+            <a:rPr lang="en-US" sz="1200" b="0" kern="1200" dirty="0"/>
+            <a:t>Skin thickness and Insulin shows a lot of outliers due to the numbers of zeros.</a:t>
           </a:r>
-          <a:endParaRPr lang="en-US" sz="1800" kern="1200"/>
+          <a:endParaRPr lang="en-US" sz="1200" kern="1200" dirty="0"/>
         </a:p>
       </dsp:txBody>
       <dsp:txXfrm>
-        <a:off x="7154322" y="2907020"/>
-        <a:ext cx="3148942" cy="1335915"/>
+        <a:off x="1172126" y="2907020"/>
+        <a:ext cx="2114937" cy="897246"/>
+      </dsp:txXfrm>
+    </dsp:sp>
+    <dsp:sp modelId="{24A7864A-B225-4D6B-9C12-D3EE11711308}">
+      <dsp:nvSpPr>
+        <dsp:cNvPr id="0" name=""/>
+        <dsp:cNvSpPr/>
+      </dsp:nvSpPr>
+      <dsp:spPr>
+        <a:xfrm>
+          <a:off x="3655575" y="2907020"/>
+          <a:ext cx="897246" cy="897246"/>
+        </a:xfrm>
+        <a:prstGeom prst="ellipse">
+          <a:avLst/>
+        </a:prstGeom>
+        <a:solidFill>
+          <a:schemeClr val="accent1">
+            <a:tint val="40000"/>
+            <a:hueOff val="0"/>
+            <a:satOff val="0"/>
+            <a:lumOff val="0"/>
+            <a:alphaOff val="0"/>
+          </a:schemeClr>
+        </a:solidFill>
+        <a:ln>
+          <a:noFill/>
+        </a:ln>
+        <a:effectLst/>
+      </dsp:spPr>
+      <dsp:style>
+        <a:lnRef idx="0">
+          <a:scrgbClr r="0" g="0" b="0"/>
+        </a:lnRef>
+        <a:fillRef idx="1">
+          <a:scrgbClr r="0" g="0" b="0"/>
+        </a:fillRef>
+        <a:effectRef idx="0">
+          <a:scrgbClr r="0" g="0" b="0"/>
+        </a:effectRef>
+        <a:fontRef idx="minor"/>
+      </dsp:style>
+    </dsp:sp>
+    <dsp:sp modelId="{3D7FF13E-3D83-46B5-BABB-70C92B29ED40}">
+      <dsp:nvSpPr>
+        <dsp:cNvPr id="0" name=""/>
+        <dsp:cNvSpPr/>
+      </dsp:nvSpPr>
+      <dsp:spPr>
+        <a:xfrm>
+          <a:off x="3843996" y="3095441"/>
+          <a:ext cx="520402" cy="520402"/>
+        </a:xfrm>
+        <a:prstGeom prst="rect">
+          <a:avLst/>
+        </a:prstGeom>
+        <a:solidFill>
+          <a:schemeClr val="accent1">
+            <a:hueOff val="0"/>
+            <a:satOff val="0"/>
+            <a:lumOff val="0"/>
+            <a:alphaOff val="0"/>
+          </a:schemeClr>
+        </a:solidFill>
+        <a:ln w="15875" cap="flat" cmpd="sng" algn="ctr">
+          <a:solidFill>
+            <a:schemeClr val="lt1">
+              <a:hueOff val="0"/>
+              <a:satOff val="0"/>
+              <a:lumOff val="0"/>
+              <a:alphaOff val="0"/>
+            </a:schemeClr>
+          </a:solidFill>
+          <a:prstDash val="solid"/>
+        </a:ln>
+        <a:effectLst/>
+      </dsp:spPr>
+      <dsp:style>
+        <a:lnRef idx="2">
+          <a:scrgbClr r="0" g="0" b="0"/>
+        </a:lnRef>
+        <a:fillRef idx="1">
+          <a:scrgbClr r="0" g="0" b="0"/>
+        </a:fillRef>
+        <a:effectRef idx="0">
+          <a:scrgbClr r="0" g="0" b="0"/>
+        </a:effectRef>
+        <a:fontRef idx="minor">
+          <a:schemeClr val="lt1"/>
+        </a:fontRef>
+      </dsp:style>
+    </dsp:sp>
+    <dsp:sp modelId="{45A3B3EA-CB4C-4424-8DCB-415BA2AA1490}">
+      <dsp:nvSpPr>
+        <dsp:cNvPr id="0" name=""/>
+        <dsp:cNvSpPr/>
+      </dsp:nvSpPr>
+      <dsp:spPr>
+        <a:xfrm>
+          <a:off x="4745088" y="2566142"/>
+          <a:ext cx="2114937" cy="1579000"/>
+        </a:xfrm>
+        <a:prstGeom prst="rect">
+          <a:avLst/>
+        </a:prstGeom>
+        <a:noFill/>
+        <a:ln>
+          <a:noFill/>
+        </a:ln>
+        <a:effectLst/>
+      </dsp:spPr>
+      <dsp:style>
+        <a:lnRef idx="0">
+          <a:scrgbClr r="0" g="0" b="0"/>
+        </a:lnRef>
+        <a:fillRef idx="0">
+          <a:scrgbClr r="0" g="0" b="0"/>
+        </a:fillRef>
+        <a:effectRef idx="0">
+          <a:scrgbClr r="0" g="0" b="0"/>
+        </a:effectRef>
+        <a:fontRef idx="minor"/>
+      </dsp:style>
+      <dsp:txBody>
+        <a:bodyPr spcFirstLastPara="0" vert="horz" wrap="square" lIns="0" tIns="0" rIns="0" bIns="0" numCol="1" spcCol="1270" anchor="ctr" anchorCtr="0">
+          <a:noAutofit/>
+        </a:bodyPr>
+        <a:lstStyle/>
+        <a:p>
+          <a:pPr marL="0" lvl="0" indent="0" algn="l" defTabSz="533400">
+            <a:lnSpc>
+              <a:spcPct val="100000"/>
+            </a:lnSpc>
+            <a:spcBef>
+              <a:spcPct val="0"/>
+            </a:spcBef>
+            <a:spcAft>
+              <a:spcPct val="35000"/>
+            </a:spcAft>
+            <a:buNone/>
+          </a:pPr>
+          <a:r>
+            <a:rPr lang="en-US" sz="1200" kern="1200" dirty="0"/>
+            <a:t>Pregnancies, glucose and BMI variables help to explain the outcome variables better.</a:t>
+          </a:r>
+        </a:p>
+      </dsp:txBody>
+      <dsp:txXfrm>
+        <a:off x="4745088" y="2566142"/>
+        <a:ext cx="2114937" cy="1579000"/>
       </dsp:txXfrm>
     </dsp:sp>
   </dsp:spTree>
@@ -6458,7 +6696,7 @@
           <a:p>
             <a:fld id="{431AFC7F-919F-4831-B68C-A7CD4E13543B}" type="datetimeFigureOut">
               <a:rPr lang="en-US" smtClean="0"/>
-              <a:t>7/25/2023</a:t>
+              <a:t>7/26/2023</a:t>
             </a:fld>
             <a:endParaRPr lang="en-US"/>
           </a:p>
@@ -6675,7 +6913,7 @@
           <a:p>
             <a:fld id="{431AFC7F-919F-4831-B68C-A7CD4E13543B}" type="datetimeFigureOut">
               <a:rPr lang="en-US" smtClean="0"/>
-              <a:t>7/25/2023</a:t>
+              <a:t>7/26/2023</a:t>
             </a:fld>
             <a:endParaRPr lang="en-US"/>
           </a:p>
@@ -6896,7 +7134,7 @@
           <a:p>
             <a:fld id="{431AFC7F-919F-4831-B68C-A7CD4E13543B}" type="datetimeFigureOut">
               <a:rPr lang="en-US" smtClean="0"/>
-              <a:t>7/25/2023</a:t>
+              <a:t>7/26/2023</a:t>
             </a:fld>
             <a:endParaRPr lang="en-US"/>
           </a:p>
@@ -7103,7 +7341,7 @@
           <a:p>
             <a:fld id="{431AFC7F-919F-4831-B68C-A7CD4E13543B}" type="datetimeFigureOut">
               <a:rPr lang="en-US" smtClean="0"/>
-              <a:t>7/25/2023</a:t>
+              <a:t>7/26/2023</a:t>
             </a:fld>
             <a:endParaRPr lang="en-US"/>
           </a:p>
@@ -7388,7 +7626,7 @@
           <a:p>
             <a:fld id="{431AFC7F-919F-4831-B68C-A7CD4E13543B}" type="datetimeFigureOut">
               <a:rPr lang="en-US" smtClean="0"/>
-              <a:t>7/25/2023</a:t>
+              <a:t>7/26/2023</a:t>
             </a:fld>
             <a:endParaRPr lang="en-US"/>
           </a:p>
@@ -7662,7 +7900,7 @@
           <a:p>
             <a:fld id="{431AFC7F-919F-4831-B68C-A7CD4E13543B}" type="datetimeFigureOut">
               <a:rPr lang="en-US" smtClean="0"/>
-              <a:t>7/25/2023</a:t>
+              <a:t>7/26/2023</a:t>
             </a:fld>
             <a:endParaRPr lang="en-US"/>
           </a:p>
@@ -8084,7 +8322,7 @@
           <a:p>
             <a:fld id="{431AFC7F-919F-4831-B68C-A7CD4E13543B}" type="datetimeFigureOut">
               <a:rPr lang="en-US" smtClean="0"/>
-              <a:t>7/25/2023</a:t>
+              <a:t>7/26/2023</a:t>
             </a:fld>
             <a:endParaRPr lang="en-US"/>
           </a:p>
@@ -8239,7 +8477,7 @@
           <a:p>
             <a:fld id="{431AFC7F-919F-4831-B68C-A7CD4E13543B}" type="datetimeFigureOut">
               <a:rPr lang="en-US" smtClean="0"/>
-              <a:t>7/25/2023</a:t>
+              <a:t>7/26/2023</a:t>
             </a:fld>
             <a:endParaRPr lang="en-US"/>
           </a:p>
@@ -8371,7 +8609,7 @@
           <a:p>
             <a:fld id="{431AFC7F-919F-4831-B68C-A7CD4E13543B}" type="datetimeFigureOut">
               <a:rPr lang="en-US" smtClean="0"/>
-              <a:t>7/25/2023</a:t>
+              <a:t>7/26/2023</a:t>
             </a:fld>
             <a:endParaRPr lang="en-US"/>
           </a:p>
@@ -8622,7 +8860,7 @@
           <a:p>
             <a:fld id="{431AFC7F-919F-4831-B68C-A7CD4E13543B}" type="datetimeFigureOut">
               <a:rPr lang="en-US" smtClean="0"/>
-              <a:t>7/25/2023</a:t>
+              <a:t>7/26/2023</a:t>
             </a:fld>
             <a:endParaRPr lang="en-US"/>
           </a:p>
@@ -9077,7 +9315,7 @@
           <a:p>
             <a:fld id="{431AFC7F-919F-4831-B68C-A7CD4E13543B}" type="datetimeFigureOut">
               <a:rPr lang="en-US" smtClean="0"/>
-              <a:t>7/25/2023</a:t>
+              <a:t>7/26/2023</a:t>
             </a:fld>
             <a:endParaRPr lang="en-US"/>
           </a:p>
@@ -9404,7 +9642,7 @@
           <a:p>
             <a:fld id="{431AFC7F-919F-4831-B68C-A7CD4E13543B}" type="datetimeFigureOut">
               <a:rPr lang="en-US" smtClean="0"/>
-              <a:t>7/25/2023</a:t>
+              <a:t>7/26/2023</a:t>
             </a:fld>
             <a:endParaRPr lang="en-US"/>
           </a:p>
@@ -10046,6 +10284,30 @@
 <file path=ppt/slides/slide10.xml><?xml version="1.0" encoding="utf-8"?>
 <p:sld xmlns:a="http://schemas.openxmlformats.org/drawingml/2006/main" xmlns:r="http://schemas.openxmlformats.org/officeDocument/2006/relationships" xmlns:p="http://schemas.openxmlformats.org/presentationml/2006/main">
   <p:cSld>
+    <p:bg>
+      <p:bgPr>
+        <a:gradFill rotWithShape="1">
+          <a:gsLst>
+            <a:gs pos="0">
+              <a:schemeClr val="bg2">
+                <a:tint val="94000"/>
+                <a:satMod val="80000"/>
+                <a:lumMod val="106000"/>
+              </a:schemeClr>
+            </a:gs>
+            <a:gs pos="100000">
+              <a:schemeClr val="bg2">
+                <a:shade val="80000"/>
+              </a:schemeClr>
+            </a:gs>
+          </a:gsLst>
+          <a:path path="circle">
+            <a:fillToRect l="43000" r="43000" b="100000"/>
+          </a:path>
+        </a:gradFill>
+        <a:effectLst/>
+      </p:bgPr>
+    </p:bg>
     <p:spTree>
       <p:nvGrpSpPr>
         <p:cNvPr id="1" name=""/>
@@ -10062,6 +10324,359 @@
       </p:grpSpPr>
       <p:sp>
         <p:nvSpPr>
+          <p:cNvPr id="6" name="Rectangle 8">
+            <a:extLst>
+              <a:ext uri="{FF2B5EF4-FFF2-40B4-BE49-F238E27FC236}">
+                <a16:creationId xmlns:a16="http://schemas.microsoft.com/office/drawing/2014/main" id="{1034510A-DB30-456D-9F45-F70101243FCB}"/>
+              </a:ext>
+              <a:ext uri="{C183D7F6-B498-43B3-948B-1728B52AA6E4}">
+                <adec:decorative xmlns:adec="http://schemas.microsoft.com/office/drawing/2017/decorative" val="1"/>
+              </a:ext>
+            </a:extLst>
+          </p:cNvPr>
+          <p:cNvSpPr>
+            <a:spLocks noGrp="1" noRot="1" noChangeAspect="1" noMove="1" noResize="1" noEditPoints="1" noAdjustHandles="1" noChangeArrowheads="1" noChangeShapeType="1" noTextEdit="1"/>
+          </p:cNvSpPr>
+          <p:nvPr>
+            <p:extLst>
+              <p:ext uri="{386F3935-93C4-4BCD-93E2-E3B085C9AB24}">
+                <p16:designElem xmlns:p16="http://schemas.microsoft.com/office/powerpoint/2015/main" val="1"/>
+              </p:ext>
+            </p:extLst>
+          </p:nvPr>
+        </p:nvSpPr>
+        <p:spPr>
+          <a:xfrm>
+            <a:off x="0" y="2015732"/>
+            <a:ext cx="12192000" cy="4118829"/>
+          </a:xfrm>
+          <a:prstGeom prst="rect">
+            <a:avLst/>
+          </a:prstGeom>
+          <a:gradFill flip="none" rotWithShape="1">
+            <a:gsLst>
+              <a:gs pos="0">
+                <a:schemeClr val="bg2">
+                  <a:alpha val="0"/>
+                </a:schemeClr>
+              </a:gs>
+              <a:gs pos="100000">
+                <a:schemeClr val="bg2"/>
+              </a:gs>
+            </a:gsLst>
+            <a:lin ang="5400000" scaled="0"/>
+            <a:tileRect/>
+          </a:gradFill>
+          <a:ln>
+            <a:noFill/>
+          </a:ln>
+        </p:spPr>
+        <p:style>
+          <a:lnRef idx="2">
+            <a:schemeClr val="accent1">
+              <a:shade val="50000"/>
+            </a:schemeClr>
+          </a:lnRef>
+          <a:fillRef idx="1">
+            <a:schemeClr val="accent1"/>
+          </a:fillRef>
+          <a:effectRef idx="0">
+            <a:schemeClr val="accent1"/>
+          </a:effectRef>
+          <a:fontRef idx="minor">
+            <a:schemeClr val="lt1"/>
+          </a:fontRef>
+        </p:style>
+        <p:txBody>
+          <a:bodyPr/>
+          <a:lstStyle/>
+          <a:p>
+            <a:endParaRPr lang="en-US"/>
+          </a:p>
+        </p:txBody>
+      </p:sp>
+      <p:pic>
+        <p:nvPicPr>
+          <p:cNvPr id="11" name="Picture 10">
+            <a:extLst>
+              <a:ext uri="{FF2B5EF4-FFF2-40B4-BE49-F238E27FC236}">
+                <a16:creationId xmlns:a16="http://schemas.microsoft.com/office/drawing/2014/main" id="{D9E3E4AB-D495-4E09-86D0-3C3F1CD33C2A}"/>
+              </a:ext>
+              <a:ext uri="{C183D7F6-B498-43B3-948B-1728B52AA6E4}">
+                <adec:decorative xmlns:adec="http://schemas.microsoft.com/office/drawing/2017/decorative" val="1"/>
+              </a:ext>
+            </a:extLst>
+          </p:cNvPr>
+          <p:cNvPicPr>
+            <a:picLocks noGrp="1" noRot="1" noChangeAspect="1" noMove="1" noResize="1" noEditPoints="1" noAdjustHandles="1" noChangeArrowheads="1" noChangeShapeType="1" noCrop="1"/>
+          </p:cNvPicPr>
+          <p:nvPr>
+            <p:extLst>
+              <p:ext uri="{386F3935-93C4-4BCD-93E2-E3B085C9AB24}">
+                <p16:designElem xmlns:p16="http://schemas.microsoft.com/office/powerpoint/2015/main" val="1"/>
+              </p:ext>
+            </p:extLst>
+          </p:nvPr>
+        </p:nvPicPr>
+        <p:blipFill rotWithShape="1">
+          <a:blip r:embed="rId2"/>
+          <a:srcRect t="2769" b="-2769"/>
+          <a:stretch/>
+        </p:blipFill>
+        <p:spPr>
+          <a:xfrm>
+            <a:off x="0" y="6135624"/>
+            <a:ext cx="12192000" cy="742950"/>
+          </a:xfrm>
+          <a:prstGeom prst="rect">
+            <a:avLst/>
+          </a:prstGeom>
+        </p:spPr>
+      </p:pic>
+      <p:cxnSp>
+        <p:nvCxnSpPr>
+          <p:cNvPr id="13" name="Straight Connector 12">
+            <a:extLst>
+              <a:ext uri="{FF2B5EF4-FFF2-40B4-BE49-F238E27FC236}">
+                <a16:creationId xmlns:a16="http://schemas.microsoft.com/office/drawing/2014/main" id="{59D48945-BEE9-473E-9443-A1CE317E2D69}"/>
+              </a:ext>
+              <a:ext uri="{C183D7F6-B498-43B3-948B-1728B52AA6E4}">
+                <adec:decorative xmlns:adec="http://schemas.microsoft.com/office/drawing/2017/decorative" val="1"/>
+              </a:ext>
+            </a:extLst>
+          </p:cNvPr>
+          <p:cNvCxnSpPr>
+            <a:cxnSpLocks noGrp="1" noRot="1" noChangeAspect="1" noMove="1" noResize="1" noEditPoints="1" noAdjustHandles="1" noChangeArrowheads="1" noChangeShapeType="1"/>
+          </p:cNvCxnSpPr>
+          <p:nvPr>
+            <p:extLst>
+              <p:ext uri="{386F3935-93C4-4BCD-93E2-E3B085C9AB24}">
+                <p16:designElem xmlns:p16="http://schemas.microsoft.com/office/powerpoint/2015/main" val="1"/>
+              </p:ext>
+            </p:extLst>
+          </p:nvPr>
+        </p:nvCxnSpPr>
+        <p:spPr>
+          <a:xfrm>
+            <a:off x="0" y="6141705"/>
+            <a:ext cx="12192000" cy="0"/>
+          </a:xfrm>
+          <a:prstGeom prst="line">
+            <a:avLst/>
+          </a:prstGeom>
+          <a:ln w="12700">
+            <a:solidFill>
+              <a:srgbClr val="000001">
+                <a:alpha val="20000"/>
+              </a:srgbClr>
+            </a:solidFill>
+          </a:ln>
+        </p:spPr>
+        <p:style>
+          <a:lnRef idx="1">
+            <a:schemeClr val="accent1"/>
+          </a:lnRef>
+          <a:fillRef idx="0">
+            <a:schemeClr val="accent1"/>
+          </a:fillRef>
+          <a:effectRef idx="0">
+            <a:schemeClr val="accent1"/>
+          </a:effectRef>
+          <a:fontRef idx="minor">
+            <a:schemeClr val="tx1"/>
+          </a:fontRef>
+        </p:style>
+      </p:cxnSp>
+      <p:cxnSp>
+        <p:nvCxnSpPr>
+          <p:cNvPr id="15" name="Straight Connector 14">
+            <a:extLst>
+              <a:ext uri="{FF2B5EF4-FFF2-40B4-BE49-F238E27FC236}">
+                <a16:creationId xmlns:a16="http://schemas.microsoft.com/office/drawing/2014/main" id="{2DD6752A-2411-44BF-8C92-DF55B95F3ACA}"/>
+              </a:ext>
+              <a:ext uri="{C183D7F6-B498-43B3-948B-1728B52AA6E4}">
+                <adec:decorative xmlns:adec="http://schemas.microsoft.com/office/drawing/2017/decorative" val="1"/>
+              </a:ext>
+            </a:extLst>
+          </p:cNvPr>
+          <p:cNvCxnSpPr>
+            <a:cxnSpLocks noGrp="1" noRot="1" noChangeAspect="1" noMove="1" noResize="1" noEditPoints="1" noAdjustHandles="1" noChangeArrowheads="1" noChangeShapeType="1"/>
+          </p:cNvCxnSpPr>
+          <p:nvPr>
+            <p:extLst>
+              <p:ext uri="{386F3935-93C4-4BCD-93E2-E3B085C9AB24}">
+                <p16:designElem xmlns:p16="http://schemas.microsoft.com/office/powerpoint/2015/main" val="1"/>
+              </p:ext>
+            </p:extLst>
+          </p:nvPr>
+        </p:nvCxnSpPr>
+        <p:spPr>
+          <a:xfrm>
+            <a:off x="2334637" y="798973"/>
+            <a:ext cx="0" cy="2544756"/>
+          </a:xfrm>
+          <a:prstGeom prst="line">
+            <a:avLst/>
+          </a:prstGeom>
+          <a:ln w="38100" cmpd="sng">
+            <a:solidFill>
+              <a:schemeClr val="accent1"/>
+            </a:solidFill>
+            <a:prstDash val="solid"/>
+            <a:tailEnd type="none"/>
+          </a:ln>
+        </p:spPr>
+        <p:style>
+          <a:lnRef idx="3">
+            <a:schemeClr val="accent1"/>
+          </a:lnRef>
+          <a:fillRef idx="0">
+            <a:schemeClr val="accent1"/>
+          </a:fillRef>
+          <a:effectRef idx="2">
+            <a:schemeClr val="accent1"/>
+          </a:effectRef>
+          <a:fontRef idx="minor">
+            <a:schemeClr val="tx1"/>
+          </a:fontRef>
+        </p:style>
+      </p:cxnSp>
+      <p:sp useBgFill="1">
+        <p:nvSpPr>
+          <p:cNvPr id="17" name="Rectangle 16">
+            <a:extLst>
+              <a:ext uri="{FF2B5EF4-FFF2-40B4-BE49-F238E27FC236}">
+                <a16:creationId xmlns:a16="http://schemas.microsoft.com/office/drawing/2014/main" id="{B73AC2FE-07C1-46A1-BB32-2364A2ED7879}"/>
+              </a:ext>
+              <a:ext uri="{C183D7F6-B498-43B3-948B-1728B52AA6E4}">
+                <adec:decorative xmlns:adec="http://schemas.microsoft.com/office/drawing/2017/decorative" val="1"/>
+              </a:ext>
+            </a:extLst>
+          </p:cNvPr>
+          <p:cNvSpPr>
+            <a:spLocks noGrp="1" noRot="1" noChangeAspect="1" noMove="1" noResize="1" noEditPoints="1" noAdjustHandles="1" noChangeArrowheads="1" noChangeShapeType="1" noTextEdit="1"/>
+          </p:cNvSpPr>
+          <p:nvPr>
+            <p:extLst>
+              <p:ext uri="{386F3935-93C4-4BCD-93E2-E3B085C9AB24}">
+                <p16:designElem xmlns:p16="http://schemas.microsoft.com/office/powerpoint/2015/main" val="1"/>
+              </p:ext>
+            </p:extLst>
+          </p:nvPr>
+        </p:nvSpPr>
+        <p:spPr>
+          <a:xfrm>
+            <a:off x="2" y="0"/>
+            <a:ext cx="12191695" cy="6858000"/>
+          </a:xfrm>
+          <a:prstGeom prst="rect">
+            <a:avLst/>
+          </a:prstGeom>
+          <a:ln>
+            <a:noFill/>
+          </a:ln>
+        </p:spPr>
+        <p:style>
+          <a:lnRef idx="2">
+            <a:schemeClr val="accent1">
+              <a:shade val="50000"/>
+            </a:schemeClr>
+          </a:lnRef>
+          <a:fillRef idx="1">
+            <a:schemeClr val="accent1"/>
+          </a:fillRef>
+          <a:effectRef idx="0">
+            <a:schemeClr val="accent1"/>
+          </a:effectRef>
+          <a:fontRef idx="minor">
+            <a:schemeClr val="lt1"/>
+          </a:fontRef>
+        </p:style>
+        <p:txBody>
+          <a:bodyPr rtlCol="0" anchor="ctr"/>
+          <a:lstStyle/>
+          <a:p>
+            <a:pPr algn="ctr"/>
+            <a:endParaRPr lang="en-US"/>
+          </a:p>
+        </p:txBody>
+      </p:sp>
+      <p:sp>
+        <p:nvSpPr>
+          <p:cNvPr id="19" name="Rectangle 18">
+            <a:extLst>
+              <a:ext uri="{FF2B5EF4-FFF2-40B4-BE49-F238E27FC236}">
+                <a16:creationId xmlns:a16="http://schemas.microsoft.com/office/drawing/2014/main" id="{C9520B73-57CF-4733-8E69-379E600E8B53}"/>
+              </a:ext>
+              <a:ext uri="{C183D7F6-B498-43B3-948B-1728B52AA6E4}">
+                <adec:decorative xmlns:adec="http://schemas.microsoft.com/office/drawing/2017/decorative" val="1"/>
+              </a:ext>
+            </a:extLst>
+          </p:cNvPr>
+          <p:cNvSpPr>
+            <a:spLocks noGrp="1" noRot="1" noChangeAspect="1" noMove="1" noResize="1" noEditPoints="1" noAdjustHandles="1" noChangeArrowheads="1" noChangeShapeType="1" noTextEdit="1"/>
+          </p:cNvSpPr>
+          <p:nvPr>
+            <p:extLst>
+              <p:ext uri="{386F3935-93C4-4BCD-93E2-E3B085C9AB24}">
+                <p16:designElem xmlns:p16="http://schemas.microsoft.com/office/powerpoint/2015/main" val="1"/>
+              </p:ext>
+            </p:extLst>
+          </p:nvPr>
+        </p:nvSpPr>
+        <p:spPr>
+          <a:xfrm>
+            <a:off x="0" y="2015732"/>
+            <a:ext cx="12192000" cy="4118829"/>
+          </a:xfrm>
+          <a:prstGeom prst="rect">
+            <a:avLst/>
+          </a:prstGeom>
+          <a:gradFill flip="none" rotWithShape="1">
+            <a:gsLst>
+              <a:gs pos="0">
+                <a:schemeClr val="bg2">
+                  <a:alpha val="0"/>
+                </a:schemeClr>
+              </a:gs>
+              <a:gs pos="100000">
+                <a:schemeClr val="bg2"/>
+              </a:gs>
+            </a:gsLst>
+            <a:lin ang="5400000" scaled="0"/>
+            <a:tileRect/>
+          </a:gradFill>
+          <a:ln>
+            <a:noFill/>
+          </a:ln>
+        </p:spPr>
+        <p:style>
+          <a:lnRef idx="2">
+            <a:schemeClr val="accent1">
+              <a:shade val="50000"/>
+            </a:schemeClr>
+          </a:lnRef>
+          <a:fillRef idx="1">
+            <a:schemeClr val="accent1"/>
+          </a:fillRef>
+          <a:effectRef idx="0">
+            <a:schemeClr val="accent1"/>
+          </a:effectRef>
+          <a:fontRef idx="minor">
+            <a:schemeClr val="lt1"/>
+          </a:fontRef>
+        </p:style>
+        <p:txBody>
+          <a:bodyPr rtlCol="0" anchor="ctr"/>
+          <a:lstStyle/>
+          <a:p>
+            <a:pPr lvl="0" algn="ctr"/>
+            <a:endParaRPr lang="en-US"/>
+          </a:p>
+        </p:txBody>
+      </p:sp>
+      <p:sp>
+        <p:nvSpPr>
           <p:cNvPr id="2" name="Title 1">
             <a:extLst>
               <a:ext uri="{FF2B5EF4-FFF2-40B4-BE49-F238E27FC236}">
@@ -10078,35 +10693,284 @@
         </p:nvSpPr>
         <p:spPr>
           <a:xfrm>
-            <a:off x="838200" y="365126"/>
-            <a:ext cx="10515600" cy="937202"/>
+            <a:off x="659301" y="1474969"/>
+            <a:ext cx="2823919" cy="1868760"/>
           </a:xfrm>
         </p:spPr>
         <p:txBody>
-          <a:bodyPr/>
+          <a:bodyPr vert="horz" lIns="91440" tIns="45720" rIns="91440" bIns="0" rtlCol="0" anchor="b">
+            <a:normAutofit/>
+          </a:bodyPr>
           <a:lstStyle/>
           <a:p>
             <a:r>
-              <a:rPr lang="en-US" dirty="0"/>
-              <a:t>Model performance – </a:t>
-            </a:r>
-            <a:r>
-              <a:rPr lang="en-US" dirty="0" err="1"/>
-              <a:t>Kfold</a:t>
-            </a:r>
-            <a:r>
-              <a:rPr lang="en-US" dirty="0"/>
-              <a:t> Cross validation</a:t>
+              <a:rPr lang="en-US" sz="3300"/>
+              <a:t>Model performance – Kfold Cross validation</a:t>
             </a:r>
           </a:p>
         </p:txBody>
       </p:sp>
+      <p:cxnSp>
+        <p:nvCxnSpPr>
+          <p:cNvPr id="21" name="Straight Connector 20">
+            <a:extLst>
+              <a:ext uri="{FF2B5EF4-FFF2-40B4-BE49-F238E27FC236}">
+                <a16:creationId xmlns:a16="http://schemas.microsoft.com/office/drawing/2014/main" id="{6B51175B-2BEE-4C31-A61D-53448C067FC7}"/>
+              </a:ext>
+              <a:ext uri="{C183D7F6-B498-43B3-948B-1728B52AA6E4}">
+                <adec:decorative xmlns:adec="http://schemas.microsoft.com/office/drawing/2017/decorative" val="1"/>
+              </a:ext>
+            </a:extLst>
+          </p:cNvPr>
+          <p:cNvCxnSpPr>
+            <a:cxnSpLocks noGrp="1" noRot="1" noChangeAspect="1" noMove="1" noResize="1" noEditPoints="1" noAdjustHandles="1" noChangeArrowheads="1" noChangeShapeType="1"/>
+          </p:cNvCxnSpPr>
+          <p:nvPr>
+            <p:extLst>
+              <p:ext uri="{386F3935-93C4-4BCD-93E2-E3B085C9AB24}">
+                <p16:designElem xmlns:p16="http://schemas.microsoft.com/office/powerpoint/2015/main" val="1"/>
+              </p:ext>
+            </p:extLst>
+          </p:nvPr>
+        </p:nvCxnSpPr>
+        <p:spPr>
+          <a:xfrm>
+            <a:off x="490988" y="807259"/>
+            <a:ext cx="0" cy="2544756"/>
+          </a:xfrm>
+          <a:prstGeom prst="line">
+            <a:avLst/>
+          </a:prstGeom>
+          <a:ln w="38100" cmpd="sng">
+            <a:solidFill>
+              <a:schemeClr val="accent1"/>
+            </a:solidFill>
+            <a:prstDash val="solid"/>
+            <a:tailEnd type="none"/>
+          </a:ln>
+        </p:spPr>
+        <p:style>
+          <a:lnRef idx="3">
+            <a:schemeClr val="accent1"/>
+          </a:lnRef>
+          <a:fillRef idx="0">
+            <a:schemeClr val="accent1"/>
+          </a:fillRef>
+          <a:effectRef idx="2">
+            <a:schemeClr val="accent1"/>
+          </a:effectRef>
+          <a:fontRef idx="minor">
+            <a:schemeClr val="tx1"/>
+          </a:fontRef>
+        </p:style>
+      </p:cxnSp>
+      <p:grpSp>
+        <p:nvGrpSpPr>
+          <p:cNvPr id="23" name="Group 22">
+            <a:extLst>
+              <a:ext uri="{FF2B5EF4-FFF2-40B4-BE49-F238E27FC236}">
+                <a16:creationId xmlns:a16="http://schemas.microsoft.com/office/drawing/2014/main" id="{43CD49F1-982C-4FBE-AF42-13E6BABE844A}"/>
+              </a:ext>
+              <a:ext uri="{C183D7F6-B498-43B3-948B-1728B52AA6E4}">
+                <adec:decorative xmlns:adec="http://schemas.microsoft.com/office/drawing/2017/decorative" val="1"/>
+              </a:ext>
+            </a:extLst>
+          </p:cNvPr>
+          <p:cNvGrpSpPr>
+            <a:grpSpLocks noGrp="1" noUngrp="1" noRot="1" noChangeAspect="1" noMove="1" noResize="1"/>
+          </p:cNvGrpSpPr>
+          <p:nvPr>
+            <p:extLst>
+              <p:ext uri="{386F3935-93C4-4BCD-93E2-E3B085C9AB24}">
+                <p16:designElem xmlns:p16="http://schemas.microsoft.com/office/powerpoint/2015/main" val="1"/>
+              </p:ext>
+            </p:extLst>
+          </p:nvPr>
+        </p:nvGrpSpPr>
+        <p:grpSpPr>
+          <a:xfrm>
+            <a:off x="3979389" y="482171"/>
+            <a:ext cx="7560115" cy="5149101"/>
+            <a:chOff x="3979389" y="482171"/>
+            <a:chExt cx="7560115" cy="5149101"/>
+          </a:xfrm>
+        </p:grpSpPr>
+        <p:sp>
+          <p:nvSpPr>
+            <p:cNvPr id="24" name="Rectangle 23">
+              <a:extLst>
+                <a:ext uri="{FF2B5EF4-FFF2-40B4-BE49-F238E27FC236}">
+                  <a16:creationId xmlns:a16="http://schemas.microsoft.com/office/drawing/2014/main" id="{C00DF66B-601A-4C57-AC68-A80B294EAA2D}"/>
+                </a:ext>
+                <a:ext uri="{C183D7F6-B498-43B3-948B-1728B52AA6E4}">
+                  <adec:decorative xmlns:adec="http://schemas.microsoft.com/office/drawing/2017/decorative" val="1"/>
+                </a:ext>
+              </a:extLst>
+            </p:cNvPr>
+            <p:cNvSpPr/>
+            <p:nvPr>
+              <p:extLst>
+                <p:ext uri="{386F3935-93C4-4BCD-93E2-E3B085C9AB24}">
+                  <p16:designElem xmlns:p16="http://schemas.microsoft.com/office/powerpoint/2015/main" val="1"/>
+                </p:ext>
+              </p:extLst>
+            </p:nvPr>
+          </p:nvSpPr>
+          <p:spPr>
+            <a:xfrm>
+              <a:off x="3979389" y="482171"/>
+              <a:ext cx="7560115" cy="5149101"/>
+            </a:xfrm>
+            <a:prstGeom prst="rect">
+              <a:avLst/>
+            </a:prstGeom>
+            <a:gradFill>
+              <a:gsLst>
+                <a:gs pos="0">
+                  <a:schemeClr val="bg2">
+                    <a:lumMod val="10000"/>
+                  </a:schemeClr>
+                </a:gs>
+                <a:gs pos="100000">
+                  <a:schemeClr val="bg2">
+                    <a:lumMod val="10000"/>
+                  </a:schemeClr>
+                </a:gs>
+              </a:gsLst>
+            </a:gradFill>
+            <a:ln w="76200" cmpd="sng">
+              <a:noFill/>
+              <a:miter lim="800000"/>
+            </a:ln>
+            <a:effectLst>
+              <a:outerShdw blurRad="127000" dist="228600" dir="4740000" sx="98000" sy="98000" algn="tl" rotWithShape="0">
+                <a:srgbClr val="000000">
+                  <a:alpha val="34000"/>
+                </a:srgbClr>
+              </a:outerShdw>
+            </a:effectLst>
+            <a:scene3d>
+              <a:camera prst="orthographicFront"/>
+              <a:lightRig rig="threePt" dir="t"/>
+            </a:scene3d>
+            <a:sp3d prstMaterial="matte">
+              <a:bevelT w="133350" h="50800" prst="divot"/>
+            </a:sp3d>
+          </p:spPr>
+          <p:style>
+            <a:lnRef idx="1">
+              <a:schemeClr val="accent1"/>
+            </a:lnRef>
+            <a:fillRef idx="3">
+              <a:schemeClr val="accent1"/>
+            </a:fillRef>
+            <a:effectRef idx="2">
+              <a:schemeClr val="accent1"/>
+            </a:effectRef>
+            <a:fontRef idx="minor">
+              <a:schemeClr val="lt1"/>
+            </a:fontRef>
+          </p:style>
+          <p:txBody>
+            <a:bodyPr rtlCol="0" anchor="ctr"/>
+            <a:lstStyle/>
+            <a:p>
+              <a:pPr algn="ctr"/>
+              <a:endParaRPr lang="en-US"/>
+            </a:p>
+          </p:txBody>
+        </p:sp>
+        <p:sp>
+          <p:nvSpPr>
+            <p:cNvPr id="25" name="Rectangle 24">
+              <a:extLst>
+                <a:ext uri="{FF2B5EF4-FFF2-40B4-BE49-F238E27FC236}">
+                  <a16:creationId xmlns:a16="http://schemas.microsoft.com/office/drawing/2014/main" id="{2A2E9392-7805-4CAB-8B44-675786FBCAA3}"/>
+                </a:ext>
+                <a:ext uri="{C183D7F6-B498-43B3-948B-1728B52AA6E4}">
+                  <adec:decorative xmlns:adec="http://schemas.microsoft.com/office/drawing/2017/decorative" val="1"/>
+                </a:ext>
+              </a:extLst>
+            </p:cNvPr>
+            <p:cNvSpPr/>
+            <p:nvPr>
+              <p:extLst>
+                <p:ext uri="{386F3935-93C4-4BCD-93E2-E3B085C9AB24}">
+                  <p16:designElem xmlns:p16="http://schemas.microsoft.com/office/powerpoint/2015/main" val="1"/>
+                </p:ext>
+              </p:extLst>
+            </p:nvPr>
+          </p:nvSpPr>
+          <p:spPr>
+            <a:xfrm>
+              <a:off x="4292448" y="812507"/>
+              <a:ext cx="6928279" cy="4466452"/>
+            </a:xfrm>
+            <a:prstGeom prst="rect">
+              <a:avLst/>
+            </a:prstGeom>
+            <a:gradFill>
+              <a:gsLst>
+                <a:gs pos="0">
+                  <a:srgbClr val="DADADA"/>
+                </a:gs>
+                <a:gs pos="100000">
+                  <a:srgbClr val="FFFFFE"/>
+                </a:gs>
+              </a:gsLst>
+              <a:lin ang="16200000" scaled="0"/>
+            </a:gradFill>
+            <a:ln w="50800" cmpd="sng">
+              <a:solidFill>
+                <a:srgbClr val="191919"/>
+              </a:solidFill>
+              <a:miter lim="800000"/>
+            </a:ln>
+            <a:effectLst>
+              <a:innerShdw blurRad="63500" dist="88900" dir="14100000">
+                <a:srgbClr val="000000">
+                  <a:alpha val="30000"/>
+                </a:srgbClr>
+              </a:innerShdw>
+            </a:effectLst>
+            <a:scene3d>
+              <a:camera prst="orthographicFront"/>
+              <a:lightRig rig="threePt" dir="t"/>
+            </a:scene3d>
+            <a:sp3d>
+              <a:bevelT prst="relaxedInset"/>
+            </a:sp3d>
+          </p:spPr>
+          <p:style>
+            <a:lnRef idx="1">
+              <a:schemeClr val="accent1"/>
+            </a:lnRef>
+            <a:fillRef idx="3">
+              <a:schemeClr val="accent1"/>
+            </a:fillRef>
+            <a:effectRef idx="2">
+              <a:schemeClr val="accent1"/>
+            </a:effectRef>
+            <a:fontRef idx="minor">
+              <a:schemeClr val="lt1"/>
+            </a:fontRef>
+          </p:style>
+          <p:txBody>
+            <a:bodyPr rtlCol="0" anchor="ctr"/>
+            <a:lstStyle/>
+            <a:p>
+              <a:pPr algn="ctr"/>
+              <a:endParaRPr lang="en-US"/>
+            </a:p>
+          </p:txBody>
+        </p:sp>
+      </p:grpSp>
       <p:pic>
         <p:nvPicPr>
-          <p:cNvPr id="9" name="Picture 8">
+          <p:cNvPr id="4" name="Picture 3">
             <a:extLst>
               <a:ext uri="{FF2B5EF4-FFF2-40B4-BE49-F238E27FC236}">
-                <a16:creationId xmlns:a16="http://schemas.microsoft.com/office/drawing/2014/main" id="{698F3829-EA05-2933-FA9A-41487C06DDEB}"/>
+                <a16:creationId xmlns:a16="http://schemas.microsoft.com/office/drawing/2014/main" id="{373C3F69-6997-084D-966F-CEC637ADEBC5}"/>
               </a:ext>
             </a:extLst>
           </p:cNvPr>
@@ -10115,22 +10979,113 @@
           </p:cNvPicPr>
           <p:nvPr/>
         </p:nvPicPr>
-        <p:blipFill>
-          <a:blip r:embed="rId2"/>
-          <a:stretch>
-            <a:fillRect/>
-          </a:stretch>
+        <p:blipFill rotWithShape="1">
+          <a:blip r:embed="rId3"/>
+          <a:srcRect t="5006" r="-2" b="4500"/>
+          <a:stretch/>
         </p:blipFill>
         <p:spPr>
           <a:xfrm>
-            <a:off x="1309687" y="1302329"/>
-            <a:ext cx="9572625" cy="4701308"/>
+            <a:off x="4618374" y="1116345"/>
+            <a:ext cx="6282919" cy="3866172"/>
           </a:xfrm>
           <a:prstGeom prst="rect">
             <a:avLst/>
           </a:prstGeom>
         </p:spPr>
       </p:pic>
+      <p:pic>
+        <p:nvPicPr>
+          <p:cNvPr id="27" name="Picture 26">
+            <a:extLst>
+              <a:ext uri="{FF2B5EF4-FFF2-40B4-BE49-F238E27FC236}">
+                <a16:creationId xmlns:a16="http://schemas.microsoft.com/office/drawing/2014/main" id="{960E8265-B467-4C88-B9B5-9350EB092DA2}"/>
+              </a:ext>
+              <a:ext uri="{C183D7F6-B498-43B3-948B-1728B52AA6E4}">
+                <adec:decorative xmlns:adec="http://schemas.microsoft.com/office/drawing/2017/decorative" val="1"/>
+              </a:ext>
+            </a:extLst>
+          </p:cNvPr>
+          <p:cNvPicPr>
+            <a:picLocks noGrp="1" noRot="1" noChangeAspect="1" noMove="1" noResize="1" noEditPoints="1" noAdjustHandles="1" noChangeArrowheads="1" noChangeShapeType="1" noCrop="1"/>
+          </p:cNvPicPr>
+          <p:nvPr>
+            <p:extLst>
+              <p:ext uri="{386F3935-93C4-4BCD-93E2-E3B085C9AB24}">
+                <p16:designElem xmlns:p16="http://schemas.microsoft.com/office/powerpoint/2015/main" val="1"/>
+              </p:ext>
+            </p:extLst>
+          </p:nvPr>
+        </p:nvPicPr>
+        <p:blipFill rotWithShape="1">
+          <a:blip r:embed="rId2"/>
+          <a:srcRect t="2769" b="-2769"/>
+          <a:stretch/>
+        </p:blipFill>
+        <p:spPr>
+          <a:xfrm>
+            <a:off x="0" y="6135624"/>
+            <a:ext cx="12192000" cy="742950"/>
+          </a:xfrm>
+          <a:prstGeom prst="rect">
+            <a:avLst/>
+          </a:prstGeom>
+        </p:spPr>
+      </p:pic>
+      <p:cxnSp>
+        <p:nvCxnSpPr>
+          <p:cNvPr id="29" name="Straight Connector 28">
+            <a:extLst>
+              <a:ext uri="{FF2B5EF4-FFF2-40B4-BE49-F238E27FC236}">
+                <a16:creationId xmlns:a16="http://schemas.microsoft.com/office/drawing/2014/main" id="{DD4A6FD5-17DF-46E5-9EDA-2AAC70F24DF8}"/>
+              </a:ext>
+              <a:ext uri="{C183D7F6-B498-43B3-948B-1728B52AA6E4}">
+                <adec:decorative xmlns:adec="http://schemas.microsoft.com/office/drawing/2017/decorative" val="1"/>
+              </a:ext>
+            </a:extLst>
+          </p:cNvPr>
+          <p:cNvCxnSpPr>
+            <a:cxnSpLocks noGrp="1" noRot="1" noChangeAspect="1" noMove="1" noResize="1" noEditPoints="1" noAdjustHandles="1" noChangeArrowheads="1" noChangeShapeType="1"/>
+          </p:cNvCxnSpPr>
+          <p:nvPr>
+            <p:extLst>
+              <p:ext uri="{386F3935-93C4-4BCD-93E2-E3B085C9AB24}">
+                <p16:designElem xmlns:p16="http://schemas.microsoft.com/office/powerpoint/2015/main" val="1"/>
+              </p:ext>
+            </p:extLst>
+          </p:nvPr>
+        </p:nvCxnSpPr>
+        <p:spPr>
+          <a:xfrm>
+            <a:off x="0" y="6141705"/>
+            <a:ext cx="12192000" cy="0"/>
+          </a:xfrm>
+          <a:prstGeom prst="line">
+            <a:avLst/>
+          </a:prstGeom>
+          <a:ln w="12700">
+            <a:solidFill>
+              <a:srgbClr val="000001">
+                <a:alpha val="20000"/>
+              </a:srgbClr>
+            </a:solidFill>
+          </a:ln>
+        </p:spPr>
+        <p:style>
+          <a:lnRef idx="1">
+            <a:schemeClr val="accent1"/>
+          </a:lnRef>
+          <a:fillRef idx="0">
+            <a:schemeClr val="accent1"/>
+          </a:fillRef>
+          <a:effectRef idx="0">
+            <a:schemeClr val="accent1"/>
+          </a:effectRef>
+          <a:fontRef idx="minor">
+            <a:schemeClr val="tx1"/>
+          </a:fontRef>
+        </p:style>
+      </p:cxnSp>
     </p:spTree>
     <p:extLst>
       <p:ext uri="{BB962C8B-B14F-4D97-AF65-F5344CB8AC3E}">
@@ -10141,6 +11096,98 @@
   <p:clrMapOvr>
     <a:masterClrMapping/>
   </p:clrMapOvr>
+  <p:timing>
+    <p:tnLst>
+      <p:par>
+        <p:cTn id="1" dur="indefinite" restart="never" nodeType="tmRoot">
+          <p:childTnLst>
+            <p:seq concurrent="1" nextAc="seek">
+              <p:cTn id="2" dur="indefinite" nodeType="mainSeq">
+                <p:childTnLst>
+                  <p:par>
+                    <p:cTn id="3" fill="hold">
+                      <p:stCondLst>
+                        <p:cond delay="indefinite"/>
+                        <p:cond evt="onBegin" delay="0">
+                          <p:tn val="2"/>
+                        </p:cond>
+                      </p:stCondLst>
+                      <p:childTnLst>
+                        <p:par>
+                          <p:cTn id="4" fill="hold">
+                            <p:stCondLst>
+                              <p:cond delay="0"/>
+                            </p:stCondLst>
+                            <p:childTnLst>
+                              <p:par>
+                                <p:cTn id="5" presetID="10" presetClass="entr" presetSubtype="0" fill="hold" grpId="0" nodeType="withEffect">
+                                  <p:stCondLst>
+                                    <p:cond delay="1000"/>
+                                  </p:stCondLst>
+                                  <p:iterate>
+                                    <p:tmPct val="10000"/>
+                                  </p:iterate>
+                                  <p:childTnLst>
+                                    <p:set>
+                                      <p:cBhvr>
+                                        <p:cTn id="6" dur="1" fill="hold">
+                                          <p:stCondLst>
+                                            <p:cond delay="0"/>
+                                          </p:stCondLst>
+                                        </p:cTn>
+                                        <p:tgtEl>
+                                          <p:spTgt spid="2"/>
+                                        </p:tgtEl>
+                                        <p:attrNameLst>
+                                          <p:attrName>style.visibility</p:attrName>
+                                        </p:attrNameLst>
+                                      </p:cBhvr>
+                                      <p:to>
+                                        <p:strVal val="visible"/>
+                                      </p:to>
+                                    </p:set>
+                                    <p:animEffect transition="in" filter="fade">
+                                      <p:cBhvr>
+                                        <p:cTn id="7" dur="700"/>
+                                        <p:tgtEl>
+                                          <p:spTgt spid="2"/>
+                                        </p:tgtEl>
+                                      </p:cBhvr>
+                                    </p:animEffect>
+                                  </p:childTnLst>
+                                </p:cTn>
+                              </p:par>
+                            </p:childTnLst>
+                          </p:cTn>
+                        </p:par>
+                      </p:childTnLst>
+                    </p:cTn>
+                  </p:par>
+                </p:childTnLst>
+              </p:cTn>
+              <p:prevCondLst>
+                <p:cond evt="onPrev" delay="0">
+                  <p:tgtEl>
+                    <p:sldTgt/>
+                  </p:tgtEl>
+                </p:cond>
+              </p:prevCondLst>
+              <p:nextCondLst>
+                <p:cond evt="onNext" delay="0">
+                  <p:tgtEl>
+                    <p:sldTgt/>
+                  </p:tgtEl>
+                </p:cond>
+              </p:nextCondLst>
+            </p:seq>
+          </p:childTnLst>
+        </p:cTn>
+      </p:par>
+    </p:tnLst>
+    <p:bldLst>
+      <p:bldP spid="2" grpId="0"/>
+    </p:bldLst>
+  </p:timing>
 </p:sld>
 </file>
 
@@ -10242,6 +11289,30 @@
 <file path=ppt/slides/slide12.xml><?xml version="1.0" encoding="utf-8"?>
 <p:sld xmlns:a="http://schemas.openxmlformats.org/drawingml/2006/main" xmlns:r="http://schemas.openxmlformats.org/officeDocument/2006/relationships" xmlns:p="http://schemas.openxmlformats.org/presentationml/2006/main">
   <p:cSld>
+    <p:bg>
+      <p:bgPr>
+        <a:gradFill rotWithShape="1">
+          <a:gsLst>
+            <a:gs pos="0">
+              <a:schemeClr val="bg2">
+                <a:tint val="94000"/>
+                <a:satMod val="80000"/>
+                <a:lumMod val="106000"/>
+              </a:schemeClr>
+            </a:gs>
+            <a:gs pos="100000">
+              <a:schemeClr val="bg2">
+                <a:shade val="80000"/>
+              </a:schemeClr>
+            </a:gs>
+          </a:gsLst>
+          <a:path path="circle">
+            <a:fillToRect l="43000" r="43000" b="100000"/>
+          </a:path>
+        </a:gradFill>
+        <a:effectLst/>
+      </p:bgPr>
+    </p:bg>
     <p:spTree>
       <p:nvGrpSpPr>
         <p:cNvPr id="1" name=""/>
@@ -10258,6 +11329,359 @@
       </p:grpSpPr>
       <p:sp>
         <p:nvSpPr>
+          <p:cNvPr id="9" name="Rectangle 8">
+            <a:extLst>
+              <a:ext uri="{FF2B5EF4-FFF2-40B4-BE49-F238E27FC236}">
+                <a16:creationId xmlns:a16="http://schemas.microsoft.com/office/drawing/2014/main" id="{DB56CED6-ACD4-43B1-BE53-1B579E8C6EFB}"/>
+              </a:ext>
+              <a:ext uri="{C183D7F6-B498-43B3-948B-1728B52AA6E4}">
+                <adec:decorative xmlns:adec="http://schemas.microsoft.com/office/drawing/2017/decorative" val="1"/>
+              </a:ext>
+            </a:extLst>
+          </p:cNvPr>
+          <p:cNvSpPr>
+            <a:spLocks noGrp="1" noRot="1" noChangeAspect="1" noMove="1" noResize="1" noEditPoints="1" noAdjustHandles="1" noChangeArrowheads="1" noChangeShapeType="1" noTextEdit="1"/>
+          </p:cNvSpPr>
+          <p:nvPr>
+            <p:extLst>
+              <p:ext uri="{386F3935-93C4-4BCD-93E2-E3B085C9AB24}">
+                <p16:designElem xmlns:p16="http://schemas.microsoft.com/office/powerpoint/2015/main" val="1"/>
+              </p:ext>
+            </p:extLst>
+          </p:nvPr>
+        </p:nvSpPr>
+        <p:spPr>
+          <a:xfrm>
+            <a:off x="0" y="2015732"/>
+            <a:ext cx="12192000" cy="4118829"/>
+          </a:xfrm>
+          <a:prstGeom prst="rect">
+            <a:avLst/>
+          </a:prstGeom>
+          <a:gradFill flip="none" rotWithShape="1">
+            <a:gsLst>
+              <a:gs pos="0">
+                <a:schemeClr val="bg2">
+                  <a:alpha val="0"/>
+                </a:schemeClr>
+              </a:gs>
+              <a:gs pos="100000">
+                <a:schemeClr val="bg2"/>
+              </a:gs>
+            </a:gsLst>
+            <a:lin ang="5400000" scaled="0"/>
+            <a:tileRect/>
+          </a:gradFill>
+          <a:ln>
+            <a:noFill/>
+          </a:ln>
+        </p:spPr>
+        <p:style>
+          <a:lnRef idx="2">
+            <a:schemeClr val="accent1">
+              <a:shade val="50000"/>
+            </a:schemeClr>
+          </a:lnRef>
+          <a:fillRef idx="1">
+            <a:schemeClr val="accent1"/>
+          </a:fillRef>
+          <a:effectRef idx="0">
+            <a:schemeClr val="accent1"/>
+          </a:effectRef>
+          <a:fontRef idx="minor">
+            <a:schemeClr val="lt1"/>
+          </a:fontRef>
+        </p:style>
+        <p:txBody>
+          <a:bodyPr/>
+          <a:lstStyle/>
+          <a:p>
+            <a:endParaRPr lang="en-US"/>
+          </a:p>
+        </p:txBody>
+      </p:sp>
+      <p:pic>
+        <p:nvPicPr>
+          <p:cNvPr id="11" name="Picture 10">
+            <a:extLst>
+              <a:ext uri="{FF2B5EF4-FFF2-40B4-BE49-F238E27FC236}">
+                <a16:creationId xmlns:a16="http://schemas.microsoft.com/office/drawing/2014/main" id="{5B451061-F85B-40DB-92DA-1FD61C70C3F0}"/>
+              </a:ext>
+              <a:ext uri="{C183D7F6-B498-43B3-948B-1728B52AA6E4}">
+                <adec:decorative xmlns:adec="http://schemas.microsoft.com/office/drawing/2017/decorative" val="1"/>
+              </a:ext>
+            </a:extLst>
+          </p:cNvPr>
+          <p:cNvPicPr>
+            <a:picLocks noGrp="1" noRot="1" noChangeAspect="1" noMove="1" noResize="1" noEditPoints="1" noAdjustHandles="1" noChangeArrowheads="1" noChangeShapeType="1" noCrop="1"/>
+          </p:cNvPicPr>
+          <p:nvPr>
+            <p:extLst>
+              <p:ext uri="{386F3935-93C4-4BCD-93E2-E3B085C9AB24}">
+                <p16:designElem xmlns:p16="http://schemas.microsoft.com/office/powerpoint/2015/main" val="1"/>
+              </p:ext>
+            </p:extLst>
+          </p:nvPr>
+        </p:nvPicPr>
+        <p:blipFill rotWithShape="1">
+          <a:blip r:embed="rId2"/>
+          <a:srcRect t="2769" b="-2769"/>
+          <a:stretch/>
+        </p:blipFill>
+        <p:spPr>
+          <a:xfrm>
+            <a:off x="0" y="6135624"/>
+            <a:ext cx="12192000" cy="742950"/>
+          </a:xfrm>
+          <a:prstGeom prst="rect">
+            <a:avLst/>
+          </a:prstGeom>
+        </p:spPr>
+      </p:pic>
+      <p:cxnSp>
+        <p:nvCxnSpPr>
+          <p:cNvPr id="13" name="Straight Connector 12">
+            <a:extLst>
+              <a:ext uri="{FF2B5EF4-FFF2-40B4-BE49-F238E27FC236}">
+                <a16:creationId xmlns:a16="http://schemas.microsoft.com/office/drawing/2014/main" id="{D1F836F1-51D4-4090-8E0D-97877F036097}"/>
+              </a:ext>
+              <a:ext uri="{C183D7F6-B498-43B3-948B-1728B52AA6E4}">
+                <adec:decorative xmlns:adec="http://schemas.microsoft.com/office/drawing/2017/decorative" val="1"/>
+              </a:ext>
+            </a:extLst>
+          </p:cNvPr>
+          <p:cNvCxnSpPr>
+            <a:cxnSpLocks noGrp="1" noRot="1" noChangeAspect="1" noMove="1" noResize="1" noEditPoints="1" noAdjustHandles="1" noChangeArrowheads="1" noChangeShapeType="1"/>
+          </p:cNvCxnSpPr>
+          <p:nvPr>
+            <p:extLst>
+              <p:ext uri="{386F3935-93C4-4BCD-93E2-E3B085C9AB24}">
+                <p16:designElem xmlns:p16="http://schemas.microsoft.com/office/powerpoint/2015/main" val="1"/>
+              </p:ext>
+            </p:extLst>
+          </p:nvPr>
+        </p:nvCxnSpPr>
+        <p:spPr>
+          <a:xfrm>
+            <a:off x="0" y="6141705"/>
+            <a:ext cx="12192000" cy="0"/>
+          </a:xfrm>
+          <a:prstGeom prst="line">
+            <a:avLst/>
+          </a:prstGeom>
+          <a:ln w="12700">
+            <a:solidFill>
+              <a:srgbClr val="000001">
+                <a:alpha val="20000"/>
+              </a:srgbClr>
+            </a:solidFill>
+          </a:ln>
+        </p:spPr>
+        <p:style>
+          <a:lnRef idx="1">
+            <a:schemeClr val="accent1"/>
+          </a:lnRef>
+          <a:fillRef idx="0">
+            <a:schemeClr val="accent1"/>
+          </a:fillRef>
+          <a:effectRef idx="0">
+            <a:schemeClr val="accent1"/>
+          </a:effectRef>
+          <a:fontRef idx="minor">
+            <a:schemeClr val="tx1"/>
+          </a:fontRef>
+        </p:style>
+      </p:cxnSp>
+      <p:cxnSp>
+        <p:nvCxnSpPr>
+          <p:cNvPr id="15" name="Straight Connector 14">
+            <a:extLst>
+              <a:ext uri="{FF2B5EF4-FFF2-40B4-BE49-F238E27FC236}">
+                <a16:creationId xmlns:a16="http://schemas.microsoft.com/office/drawing/2014/main" id="{CDE33292-50BA-4AED-A315-7A6ADB4B100C}"/>
+              </a:ext>
+              <a:ext uri="{C183D7F6-B498-43B3-948B-1728B52AA6E4}">
+                <adec:decorative xmlns:adec="http://schemas.microsoft.com/office/drawing/2017/decorative" val="1"/>
+              </a:ext>
+            </a:extLst>
+          </p:cNvPr>
+          <p:cNvCxnSpPr>
+            <a:cxnSpLocks noGrp="1" noRot="1" noChangeAspect="1" noMove="1" noResize="1" noEditPoints="1" noAdjustHandles="1" noChangeArrowheads="1" noChangeShapeType="1"/>
+          </p:cNvCxnSpPr>
+          <p:nvPr>
+            <p:extLst>
+              <p:ext uri="{386F3935-93C4-4BCD-93E2-E3B085C9AB24}">
+                <p16:designElem xmlns:p16="http://schemas.microsoft.com/office/powerpoint/2015/main" val="1"/>
+              </p:ext>
+            </p:extLst>
+          </p:nvPr>
+        </p:nvCxnSpPr>
+        <p:spPr>
+          <a:xfrm>
+            <a:off x="2334637" y="798973"/>
+            <a:ext cx="0" cy="2544756"/>
+          </a:xfrm>
+          <a:prstGeom prst="line">
+            <a:avLst/>
+          </a:prstGeom>
+          <a:ln w="38100" cmpd="sng">
+            <a:solidFill>
+              <a:schemeClr val="accent1"/>
+            </a:solidFill>
+            <a:prstDash val="solid"/>
+            <a:tailEnd type="none"/>
+          </a:ln>
+        </p:spPr>
+        <p:style>
+          <a:lnRef idx="3">
+            <a:schemeClr val="accent1"/>
+          </a:lnRef>
+          <a:fillRef idx="0">
+            <a:schemeClr val="accent1"/>
+          </a:fillRef>
+          <a:effectRef idx="2">
+            <a:schemeClr val="accent1"/>
+          </a:effectRef>
+          <a:fontRef idx="minor">
+            <a:schemeClr val="tx1"/>
+          </a:fontRef>
+        </p:style>
+      </p:cxnSp>
+      <p:sp useBgFill="1">
+        <p:nvSpPr>
+          <p:cNvPr id="17" name="Rectangle 16">
+            <a:extLst>
+              <a:ext uri="{FF2B5EF4-FFF2-40B4-BE49-F238E27FC236}">
+                <a16:creationId xmlns:a16="http://schemas.microsoft.com/office/drawing/2014/main" id="{58A4B56A-28BF-494A-B9A0-7212483E8353}"/>
+              </a:ext>
+              <a:ext uri="{C183D7F6-B498-43B3-948B-1728B52AA6E4}">
+                <adec:decorative xmlns:adec="http://schemas.microsoft.com/office/drawing/2017/decorative" val="1"/>
+              </a:ext>
+            </a:extLst>
+          </p:cNvPr>
+          <p:cNvSpPr>
+            <a:spLocks noGrp="1" noRot="1" noChangeAspect="1" noMove="1" noResize="1" noEditPoints="1" noAdjustHandles="1" noChangeArrowheads="1" noChangeShapeType="1" noTextEdit="1"/>
+          </p:cNvSpPr>
+          <p:nvPr>
+            <p:extLst>
+              <p:ext uri="{386F3935-93C4-4BCD-93E2-E3B085C9AB24}">
+                <p16:designElem xmlns:p16="http://schemas.microsoft.com/office/powerpoint/2015/main" val="1"/>
+              </p:ext>
+            </p:extLst>
+          </p:nvPr>
+        </p:nvSpPr>
+        <p:spPr>
+          <a:xfrm>
+            <a:off x="2" y="0"/>
+            <a:ext cx="12191695" cy="6858000"/>
+          </a:xfrm>
+          <a:prstGeom prst="rect">
+            <a:avLst/>
+          </a:prstGeom>
+          <a:ln>
+            <a:noFill/>
+          </a:ln>
+        </p:spPr>
+        <p:style>
+          <a:lnRef idx="2">
+            <a:schemeClr val="accent1">
+              <a:shade val="50000"/>
+            </a:schemeClr>
+          </a:lnRef>
+          <a:fillRef idx="1">
+            <a:schemeClr val="accent1"/>
+          </a:fillRef>
+          <a:effectRef idx="0">
+            <a:schemeClr val="accent1"/>
+          </a:effectRef>
+          <a:fontRef idx="minor">
+            <a:schemeClr val="lt1"/>
+          </a:fontRef>
+        </p:style>
+        <p:txBody>
+          <a:bodyPr rtlCol="0" anchor="ctr"/>
+          <a:lstStyle/>
+          <a:p>
+            <a:pPr algn="ctr"/>
+            <a:endParaRPr lang="en-US"/>
+          </a:p>
+        </p:txBody>
+      </p:sp>
+      <p:sp>
+        <p:nvSpPr>
+          <p:cNvPr id="19" name="Rectangle 18">
+            <a:extLst>
+              <a:ext uri="{FF2B5EF4-FFF2-40B4-BE49-F238E27FC236}">
+                <a16:creationId xmlns:a16="http://schemas.microsoft.com/office/drawing/2014/main" id="{6A5EE248-87D5-4C83-A97D-C1754B546DA7}"/>
+              </a:ext>
+              <a:ext uri="{C183D7F6-B498-43B3-948B-1728B52AA6E4}">
+                <adec:decorative xmlns:adec="http://schemas.microsoft.com/office/drawing/2017/decorative" val="1"/>
+              </a:ext>
+            </a:extLst>
+          </p:cNvPr>
+          <p:cNvSpPr>
+            <a:spLocks noGrp="1" noRot="1" noChangeAspect="1" noMove="1" noResize="1" noEditPoints="1" noAdjustHandles="1" noChangeArrowheads="1" noChangeShapeType="1" noTextEdit="1"/>
+          </p:cNvSpPr>
+          <p:nvPr>
+            <p:extLst>
+              <p:ext uri="{386F3935-93C4-4BCD-93E2-E3B085C9AB24}">
+                <p16:designElem xmlns:p16="http://schemas.microsoft.com/office/powerpoint/2015/main" val="1"/>
+              </p:ext>
+            </p:extLst>
+          </p:nvPr>
+        </p:nvSpPr>
+        <p:spPr>
+          <a:xfrm>
+            <a:off x="0" y="2015732"/>
+            <a:ext cx="12192000" cy="4118829"/>
+          </a:xfrm>
+          <a:prstGeom prst="rect">
+            <a:avLst/>
+          </a:prstGeom>
+          <a:gradFill flip="none" rotWithShape="1">
+            <a:gsLst>
+              <a:gs pos="0">
+                <a:schemeClr val="bg2">
+                  <a:alpha val="0"/>
+                </a:schemeClr>
+              </a:gs>
+              <a:gs pos="100000">
+                <a:schemeClr val="bg2"/>
+              </a:gs>
+            </a:gsLst>
+            <a:lin ang="5400000" scaled="0"/>
+            <a:tileRect/>
+          </a:gradFill>
+          <a:ln>
+            <a:noFill/>
+          </a:ln>
+        </p:spPr>
+        <p:style>
+          <a:lnRef idx="2">
+            <a:schemeClr val="accent1">
+              <a:shade val="50000"/>
+            </a:schemeClr>
+          </a:lnRef>
+          <a:fillRef idx="1">
+            <a:schemeClr val="accent1"/>
+          </a:fillRef>
+          <a:effectRef idx="0">
+            <a:schemeClr val="accent1"/>
+          </a:effectRef>
+          <a:fontRef idx="minor">
+            <a:schemeClr val="lt1"/>
+          </a:fontRef>
+        </p:style>
+        <p:txBody>
+          <a:bodyPr rtlCol="0" anchor="ctr"/>
+          <a:lstStyle/>
+          <a:p>
+            <a:pPr lvl="0" algn="ctr"/>
+            <a:endParaRPr lang="en-US"/>
+          </a:p>
+        </p:txBody>
+      </p:sp>
+      <p:sp>
+        <p:nvSpPr>
           <p:cNvPr id="2" name="Title 1">
             <a:extLst>
               <a:ext uri="{FF2B5EF4-FFF2-40B4-BE49-F238E27FC236}">
@@ -10272,24 +11696,85 @@
             <p:ph type="title"/>
           </p:nvPr>
         </p:nvSpPr>
-        <p:spPr/>
+        <p:spPr>
+          <a:xfrm>
+            <a:off x="1541822" y="962902"/>
+            <a:ext cx="4087178" cy="2380828"/>
+          </a:xfrm>
+        </p:spPr>
         <p:txBody>
-          <a:bodyPr/>
+          <a:bodyPr vert="horz" lIns="91440" tIns="45720" rIns="91440" bIns="0" rtlCol="0" anchor="b">
+            <a:normAutofit/>
+          </a:bodyPr>
           <a:lstStyle/>
           <a:p>
             <a:r>
-              <a:rPr lang="en-US" dirty="0"/>
+              <a:rPr lang="en-US" sz="3700"/>
               <a:t>Model classification report-recall, precision, f1-score</a:t>
             </a:r>
           </a:p>
         </p:txBody>
       </p:sp>
+      <p:cxnSp>
+        <p:nvCxnSpPr>
+          <p:cNvPr id="21" name="Straight Connector 20">
+            <a:extLst>
+              <a:ext uri="{FF2B5EF4-FFF2-40B4-BE49-F238E27FC236}">
+                <a16:creationId xmlns:a16="http://schemas.microsoft.com/office/drawing/2014/main" id="{5D73BF24-D1F3-4181-8C60-4EA9D4CED503}"/>
+              </a:ext>
+              <a:ext uri="{C183D7F6-B498-43B3-948B-1728B52AA6E4}">
+                <adec:decorative xmlns:adec="http://schemas.microsoft.com/office/drawing/2017/decorative" val="1"/>
+              </a:ext>
+            </a:extLst>
+          </p:cNvPr>
+          <p:cNvCxnSpPr>
+            <a:cxnSpLocks noGrp="1" noRot="1" noChangeAspect="1" noMove="1" noResize="1" noEditPoints="1" noAdjustHandles="1" noChangeArrowheads="1" noChangeShapeType="1"/>
+          </p:cNvCxnSpPr>
+          <p:nvPr>
+            <p:extLst>
+              <p:ext uri="{386F3935-93C4-4BCD-93E2-E3B085C9AB24}">
+                <p16:designElem xmlns:p16="http://schemas.microsoft.com/office/powerpoint/2015/main" val="1"/>
+              </p:ext>
+            </p:extLst>
+          </p:nvPr>
+        </p:nvCxnSpPr>
+        <p:spPr>
+          <a:xfrm>
+            <a:off x="1375829" y="798973"/>
+            <a:ext cx="0" cy="2544756"/>
+          </a:xfrm>
+          <a:prstGeom prst="line">
+            <a:avLst/>
+          </a:prstGeom>
+          <a:ln w="38100" cmpd="sng">
+            <a:solidFill>
+              <a:schemeClr val="accent1"/>
+            </a:solidFill>
+            <a:prstDash val="solid"/>
+            <a:tailEnd type="none"/>
+          </a:ln>
+        </p:spPr>
+        <p:style>
+          <a:lnRef idx="3">
+            <a:schemeClr val="accent1"/>
+          </a:lnRef>
+          <a:fillRef idx="0">
+            <a:schemeClr val="accent1"/>
+          </a:fillRef>
+          <a:effectRef idx="2">
+            <a:schemeClr val="accent1"/>
+          </a:effectRef>
+          <a:fontRef idx="minor">
+            <a:schemeClr val="tx1"/>
+          </a:fontRef>
+        </p:style>
+      </p:cxnSp>
       <p:pic>
         <p:nvPicPr>
-          <p:cNvPr id="5" name="Picture 4">
+          <p:cNvPr id="4" name="Picture 3">
             <a:extLst>
               <a:ext uri="{FF2B5EF4-FFF2-40B4-BE49-F238E27FC236}">
-                <a16:creationId xmlns:a16="http://schemas.microsoft.com/office/drawing/2014/main" id="{2108A2F8-B31B-C730-D072-DCA3B7834D02}"/>
+                <a16:creationId xmlns:a16="http://schemas.microsoft.com/office/drawing/2014/main" id="{8086011E-4C6E-814B-189C-262ACBB62761}"/>
               </a:ext>
             </a:extLst>
           </p:cNvPr>
@@ -10299,21 +11784,113 @@
           <p:nvPr/>
         </p:nvPicPr>
         <p:blipFill>
-          <a:blip r:embed="rId2"/>
+          <a:blip r:embed="rId3"/>
           <a:stretch>
             <a:fillRect/>
           </a:stretch>
         </p:blipFill>
         <p:spPr>
           <a:xfrm>
-            <a:off x="2632364" y="1662545"/>
-            <a:ext cx="5809671" cy="4304146"/>
+            <a:off x="6096000" y="262188"/>
+            <a:ext cx="4488585" cy="5204157"/>
           </a:xfrm>
           <a:prstGeom prst="rect">
             <a:avLst/>
           </a:prstGeom>
         </p:spPr>
       </p:pic>
+      <p:pic>
+        <p:nvPicPr>
+          <p:cNvPr id="23" name="Picture 22">
+            <a:extLst>
+              <a:ext uri="{FF2B5EF4-FFF2-40B4-BE49-F238E27FC236}">
+                <a16:creationId xmlns:a16="http://schemas.microsoft.com/office/drawing/2014/main" id="{1A52E10F-3348-4997-8FD3-E6389D562141}"/>
+              </a:ext>
+              <a:ext uri="{C183D7F6-B498-43B3-948B-1728B52AA6E4}">
+                <adec:decorative xmlns:adec="http://schemas.microsoft.com/office/drawing/2017/decorative" val="1"/>
+              </a:ext>
+            </a:extLst>
+          </p:cNvPr>
+          <p:cNvPicPr>
+            <a:picLocks noGrp="1" noRot="1" noChangeAspect="1" noMove="1" noResize="1" noEditPoints="1" noAdjustHandles="1" noChangeArrowheads="1" noChangeShapeType="1" noCrop="1"/>
+          </p:cNvPicPr>
+          <p:nvPr>
+            <p:extLst>
+              <p:ext uri="{386F3935-93C4-4BCD-93E2-E3B085C9AB24}">
+                <p16:designElem xmlns:p16="http://schemas.microsoft.com/office/powerpoint/2015/main" val="1"/>
+              </p:ext>
+            </p:extLst>
+          </p:nvPr>
+        </p:nvPicPr>
+        <p:blipFill rotWithShape="1">
+          <a:blip r:embed="rId2"/>
+          <a:srcRect t="2769" b="-2769"/>
+          <a:stretch/>
+        </p:blipFill>
+        <p:spPr>
+          <a:xfrm>
+            <a:off x="0" y="6135624"/>
+            <a:ext cx="12192000" cy="742950"/>
+          </a:xfrm>
+          <a:prstGeom prst="rect">
+            <a:avLst/>
+          </a:prstGeom>
+        </p:spPr>
+      </p:pic>
+      <p:cxnSp>
+        <p:nvCxnSpPr>
+          <p:cNvPr id="25" name="Straight Connector 24">
+            <a:extLst>
+              <a:ext uri="{FF2B5EF4-FFF2-40B4-BE49-F238E27FC236}">
+                <a16:creationId xmlns:a16="http://schemas.microsoft.com/office/drawing/2014/main" id="{BD381074-0101-41BB-98A9-EE3DC457CB03}"/>
+              </a:ext>
+              <a:ext uri="{C183D7F6-B498-43B3-948B-1728B52AA6E4}">
+                <adec:decorative xmlns:adec="http://schemas.microsoft.com/office/drawing/2017/decorative" val="1"/>
+              </a:ext>
+            </a:extLst>
+          </p:cNvPr>
+          <p:cNvCxnSpPr>
+            <a:cxnSpLocks noGrp="1" noRot="1" noChangeAspect="1" noMove="1" noResize="1" noEditPoints="1" noAdjustHandles="1" noChangeArrowheads="1" noChangeShapeType="1"/>
+          </p:cNvCxnSpPr>
+          <p:nvPr>
+            <p:extLst>
+              <p:ext uri="{386F3935-93C4-4BCD-93E2-E3B085C9AB24}">
+                <p16:designElem xmlns:p16="http://schemas.microsoft.com/office/powerpoint/2015/main" val="1"/>
+              </p:ext>
+            </p:extLst>
+          </p:nvPr>
+        </p:nvCxnSpPr>
+        <p:spPr>
+          <a:xfrm>
+            <a:off x="0" y="6141705"/>
+            <a:ext cx="12192000" cy="0"/>
+          </a:xfrm>
+          <a:prstGeom prst="line">
+            <a:avLst/>
+          </a:prstGeom>
+          <a:ln w="12700">
+            <a:solidFill>
+              <a:srgbClr val="000001">
+                <a:alpha val="20000"/>
+              </a:srgbClr>
+            </a:solidFill>
+          </a:ln>
+        </p:spPr>
+        <p:style>
+          <a:lnRef idx="1">
+            <a:schemeClr val="accent1"/>
+          </a:lnRef>
+          <a:fillRef idx="0">
+            <a:schemeClr val="accent1"/>
+          </a:fillRef>
+          <a:effectRef idx="0">
+            <a:schemeClr val="accent1"/>
+          </a:effectRef>
+          <a:fontRef idx="minor">
+            <a:schemeClr val="tx1"/>
+          </a:fontRef>
+        </p:style>
+      </p:cxnSp>
     </p:spTree>
     <p:extLst>
       <p:ext uri="{BB962C8B-B14F-4D97-AF65-F5344CB8AC3E}">
@@ -10474,10 +12051,10 @@
       </p:sp>
       <p:pic>
         <p:nvPicPr>
-          <p:cNvPr id="9" name="Picture 8">
+          <p:cNvPr id="4" name="Picture 3">
             <a:extLst>
               <a:ext uri="{FF2B5EF4-FFF2-40B4-BE49-F238E27FC236}">
-                <a16:creationId xmlns:a16="http://schemas.microsoft.com/office/drawing/2014/main" id="{86E351EA-A4EC-6597-C991-EA16A42317AC}"/>
+                <a16:creationId xmlns:a16="http://schemas.microsoft.com/office/drawing/2014/main" id="{E5342ACF-87C0-3A5A-3102-66F5A0C49F81}"/>
               </a:ext>
             </a:extLst>
           </p:cNvPr>
@@ -10494,8 +12071,8 @@
         </p:blipFill>
         <p:spPr>
           <a:xfrm>
-            <a:off x="2392218" y="1306001"/>
-            <a:ext cx="7013719" cy="4375661"/>
+            <a:off x="2786062" y="1176337"/>
+            <a:ext cx="6619875" cy="4505325"/>
           </a:xfrm>
           <a:prstGeom prst="rect">
             <a:avLst/>
@@ -10579,6 +12156,11 @@
           </p:cNvGraphicFramePr>
           <p:nvPr>
             <p:ph idx="1"/>
+            <p:extLst>
+              <p:ext uri="{D42A27DB-BD31-4B8C-83A1-F6EECF244321}">
+                <p14:modId xmlns:p14="http://schemas.microsoft.com/office/powerpoint/2010/main" val="1712795077"/>
+              </p:ext>
+            </p:extLst>
           </p:nvPr>
         </p:nvGraphicFramePr>
         <p:xfrm>
@@ -11140,9 +12722,25 @@
   <p:cSld>
     <p:bg>
       <p:bgPr>
-        <a:solidFill>
-          <a:schemeClr val="bg1"/>
-        </a:solidFill>
+        <a:gradFill rotWithShape="1">
+          <a:gsLst>
+            <a:gs pos="0">
+              <a:schemeClr val="bg2">
+                <a:tint val="94000"/>
+                <a:satMod val="80000"/>
+                <a:lumMod val="106000"/>
+              </a:schemeClr>
+            </a:gs>
+            <a:gs pos="100000">
+              <a:schemeClr val="bg2">
+                <a:shade val="80000"/>
+              </a:schemeClr>
+            </a:gs>
+          </a:gsLst>
+          <a:path path="circle">
+            <a:fillToRect l="43000" r="43000" b="100000"/>
+          </a:path>
+        </a:gradFill>
         <a:effectLst/>
       </p:bgPr>
     </p:bg>
@@ -11160,38 +12758,850 @@
           <a:chExt cx="0" cy="0"/>
         </a:xfrm>
       </p:grpSpPr>
+      <p:sp>
+        <p:nvSpPr>
+          <p:cNvPr id="15" name="Rectangle 14">
+            <a:extLst>
+              <a:ext uri="{FF2B5EF4-FFF2-40B4-BE49-F238E27FC236}">
+                <a16:creationId xmlns:a16="http://schemas.microsoft.com/office/drawing/2014/main" id="{DB56CED6-ACD4-43B1-BE53-1B579E8C6EFB}"/>
+              </a:ext>
+              <a:ext uri="{C183D7F6-B498-43B3-948B-1728B52AA6E4}">
+                <adec:decorative xmlns:adec="http://schemas.microsoft.com/office/drawing/2017/decorative" val="1"/>
+              </a:ext>
+            </a:extLst>
+          </p:cNvPr>
+          <p:cNvSpPr>
+            <a:spLocks noGrp="1" noRot="1" noChangeAspect="1" noMove="1" noResize="1" noEditPoints="1" noAdjustHandles="1" noChangeArrowheads="1" noChangeShapeType="1" noTextEdit="1"/>
+          </p:cNvSpPr>
+          <p:nvPr>
+            <p:extLst>
+              <p:ext uri="{386F3935-93C4-4BCD-93E2-E3B085C9AB24}">
+                <p16:designElem xmlns:p16="http://schemas.microsoft.com/office/powerpoint/2015/main" val="1"/>
+              </p:ext>
+            </p:extLst>
+          </p:nvPr>
+        </p:nvSpPr>
+        <p:spPr>
+          <a:xfrm>
+            <a:off x="0" y="2015732"/>
+            <a:ext cx="12192000" cy="4118829"/>
+          </a:xfrm>
+          <a:prstGeom prst="rect">
+            <a:avLst/>
+          </a:prstGeom>
+          <a:gradFill flip="none" rotWithShape="1">
+            <a:gsLst>
+              <a:gs pos="0">
+                <a:schemeClr val="bg2">
+                  <a:alpha val="0"/>
+                </a:schemeClr>
+              </a:gs>
+              <a:gs pos="100000">
+                <a:schemeClr val="bg2"/>
+              </a:gs>
+            </a:gsLst>
+            <a:lin ang="5400000" scaled="0"/>
+            <a:tileRect/>
+          </a:gradFill>
+          <a:ln>
+            <a:noFill/>
+          </a:ln>
+        </p:spPr>
+        <p:style>
+          <a:lnRef idx="2">
+            <a:schemeClr val="accent1">
+              <a:shade val="50000"/>
+            </a:schemeClr>
+          </a:lnRef>
+          <a:fillRef idx="1">
+            <a:schemeClr val="accent1"/>
+          </a:fillRef>
+          <a:effectRef idx="0">
+            <a:schemeClr val="accent1"/>
+          </a:effectRef>
+          <a:fontRef idx="minor">
+            <a:schemeClr val="lt1"/>
+          </a:fontRef>
+        </p:style>
+        <p:txBody>
+          <a:bodyPr/>
+          <a:lstStyle/>
+          <a:p>
+            <a:endParaRPr lang="en-US"/>
+          </a:p>
+        </p:txBody>
+      </p:sp>
       <p:pic>
         <p:nvPicPr>
-          <p:cNvPr id="5" name="Content Placeholder 4">
+          <p:cNvPr id="17" name="Picture 16">
             <a:extLst>
               <a:ext uri="{FF2B5EF4-FFF2-40B4-BE49-F238E27FC236}">
-                <a16:creationId xmlns:a16="http://schemas.microsoft.com/office/drawing/2014/main" id="{5374BC63-BC92-D24F-7954-570D7666EB8F}"/>
+                <a16:creationId xmlns:a16="http://schemas.microsoft.com/office/drawing/2014/main" id="{5B451061-F85B-40DB-92DA-1FD61C70C3F0}"/>
+              </a:ext>
+              <a:ext uri="{C183D7F6-B498-43B3-948B-1728B52AA6E4}">
+                <adec:decorative xmlns:adec="http://schemas.microsoft.com/office/drawing/2017/decorative" val="1"/>
               </a:ext>
             </a:extLst>
           </p:cNvPr>
           <p:cNvPicPr>
-            <a:picLocks noGrp="1" noChangeAspect="1"/>
+            <a:picLocks noGrp="1" noRot="1" noChangeAspect="1" noMove="1" noResize="1" noEditPoints="1" noAdjustHandles="1" noChangeArrowheads="1" noChangeShapeType="1" noCrop="1"/>
           </p:cNvPicPr>
           <p:nvPr>
-            <p:ph idx="1"/>
+            <p:extLst>
+              <p:ext uri="{386F3935-93C4-4BCD-93E2-E3B085C9AB24}">
+                <p16:designElem xmlns:p16="http://schemas.microsoft.com/office/powerpoint/2015/main" val="1"/>
+              </p:ext>
+            </p:extLst>
           </p:nvPr>
         </p:nvPicPr>
+        <p:blipFill rotWithShape="1">
+          <a:blip r:embed="rId2"/>
+          <a:srcRect t="2769" b="-2769"/>
+          <a:stretch/>
+        </p:blipFill>
+        <p:spPr>
+          <a:xfrm>
+            <a:off x="0" y="6135624"/>
+            <a:ext cx="12192000" cy="742950"/>
+          </a:xfrm>
+          <a:prstGeom prst="rect">
+            <a:avLst/>
+          </a:prstGeom>
+        </p:spPr>
+      </p:pic>
+      <p:cxnSp>
+        <p:nvCxnSpPr>
+          <p:cNvPr id="19" name="Straight Connector 18">
+            <a:extLst>
+              <a:ext uri="{FF2B5EF4-FFF2-40B4-BE49-F238E27FC236}">
+                <a16:creationId xmlns:a16="http://schemas.microsoft.com/office/drawing/2014/main" id="{D1F836F1-51D4-4090-8E0D-97877F036097}"/>
+              </a:ext>
+              <a:ext uri="{C183D7F6-B498-43B3-948B-1728B52AA6E4}">
+                <adec:decorative xmlns:adec="http://schemas.microsoft.com/office/drawing/2017/decorative" val="1"/>
+              </a:ext>
+            </a:extLst>
+          </p:cNvPr>
+          <p:cNvCxnSpPr>
+            <a:cxnSpLocks noGrp="1" noRot="1" noChangeAspect="1" noMove="1" noResize="1" noEditPoints="1" noAdjustHandles="1" noChangeArrowheads="1" noChangeShapeType="1"/>
+          </p:cNvCxnSpPr>
+          <p:nvPr>
+            <p:extLst>
+              <p:ext uri="{386F3935-93C4-4BCD-93E2-E3B085C9AB24}">
+                <p16:designElem xmlns:p16="http://schemas.microsoft.com/office/powerpoint/2015/main" val="1"/>
+              </p:ext>
+            </p:extLst>
+          </p:nvPr>
+        </p:nvCxnSpPr>
+        <p:spPr>
+          <a:xfrm>
+            <a:off x="0" y="6141705"/>
+            <a:ext cx="12192000" cy="0"/>
+          </a:xfrm>
+          <a:prstGeom prst="line">
+            <a:avLst/>
+          </a:prstGeom>
+          <a:ln w="12700">
+            <a:solidFill>
+              <a:srgbClr val="000001">
+                <a:alpha val="20000"/>
+              </a:srgbClr>
+            </a:solidFill>
+          </a:ln>
+        </p:spPr>
+        <p:style>
+          <a:lnRef idx="1">
+            <a:schemeClr val="accent1"/>
+          </a:lnRef>
+          <a:fillRef idx="0">
+            <a:schemeClr val="accent1"/>
+          </a:fillRef>
+          <a:effectRef idx="0">
+            <a:schemeClr val="accent1"/>
+          </a:effectRef>
+          <a:fontRef idx="minor">
+            <a:schemeClr val="tx1"/>
+          </a:fontRef>
+        </p:style>
+      </p:cxnSp>
+      <p:cxnSp>
+        <p:nvCxnSpPr>
+          <p:cNvPr id="21" name="Straight Connector 20">
+            <a:extLst>
+              <a:ext uri="{FF2B5EF4-FFF2-40B4-BE49-F238E27FC236}">
+                <a16:creationId xmlns:a16="http://schemas.microsoft.com/office/drawing/2014/main" id="{CDE33292-50BA-4AED-A315-7A6ADB4B100C}"/>
+              </a:ext>
+              <a:ext uri="{C183D7F6-B498-43B3-948B-1728B52AA6E4}">
+                <adec:decorative xmlns:adec="http://schemas.microsoft.com/office/drawing/2017/decorative" val="1"/>
+              </a:ext>
+            </a:extLst>
+          </p:cNvPr>
+          <p:cNvCxnSpPr>
+            <a:cxnSpLocks noGrp="1" noRot="1" noChangeAspect="1" noMove="1" noResize="1" noEditPoints="1" noAdjustHandles="1" noChangeArrowheads="1" noChangeShapeType="1"/>
+          </p:cNvCxnSpPr>
+          <p:nvPr>
+            <p:extLst>
+              <p:ext uri="{386F3935-93C4-4BCD-93E2-E3B085C9AB24}">
+                <p16:designElem xmlns:p16="http://schemas.microsoft.com/office/powerpoint/2015/main" val="1"/>
+              </p:ext>
+            </p:extLst>
+          </p:nvPr>
+        </p:nvCxnSpPr>
+        <p:spPr>
+          <a:xfrm>
+            <a:off x="2334637" y="798973"/>
+            <a:ext cx="0" cy="2544756"/>
+          </a:xfrm>
+          <a:prstGeom prst="line">
+            <a:avLst/>
+          </a:prstGeom>
+          <a:ln w="38100" cmpd="sng">
+            <a:solidFill>
+              <a:schemeClr val="accent1"/>
+            </a:solidFill>
+            <a:prstDash val="solid"/>
+            <a:tailEnd type="none"/>
+          </a:ln>
+        </p:spPr>
+        <p:style>
+          <a:lnRef idx="3">
+            <a:schemeClr val="accent1"/>
+          </a:lnRef>
+          <a:fillRef idx="0">
+            <a:schemeClr val="accent1"/>
+          </a:fillRef>
+          <a:effectRef idx="2">
+            <a:schemeClr val="accent1"/>
+          </a:effectRef>
+          <a:fontRef idx="minor">
+            <a:schemeClr val="tx1"/>
+          </a:fontRef>
+        </p:style>
+      </p:cxnSp>
+      <p:sp useBgFill="1">
+        <p:nvSpPr>
+          <p:cNvPr id="23" name="Rectangle 22">
+            <a:extLst>
+              <a:ext uri="{FF2B5EF4-FFF2-40B4-BE49-F238E27FC236}">
+                <a16:creationId xmlns:a16="http://schemas.microsoft.com/office/drawing/2014/main" id="{FE93A4E5-9844-4C94-BE97-92EDCA2EB00A}"/>
+              </a:ext>
+              <a:ext uri="{C183D7F6-B498-43B3-948B-1728B52AA6E4}">
+                <adec:decorative xmlns:adec="http://schemas.microsoft.com/office/drawing/2017/decorative" val="1"/>
+              </a:ext>
+            </a:extLst>
+          </p:cNvPr>
+          <p:cNvSpPr>
+            <a:spLocks noGrp="1" noRot="1" noChangeAspect="1" noMove="1" noResize="1" noEditPoints="1" noAdjustHandles="1" noChangeArrowheads="1" noChangeShapeType="1" noTextEdit="1"/>
+          </p:cNvSpPr>
+          <p:nvPr>
+            <p:extLst>
+              <p:ext uri="{386F3935-93C4-4BCD-93E2-E3B085C9AB24}">
+                <p16:designElem xmlns:p16="http://schemas.microsoft.com/office/powerpoint/2015/main" val="1"/>
+              </p:ext>
+            </p:extLst>
+          </p:nvPr>
+        </p:nvSpPr>
+        <p:spPr>
+          <a:xfrm>
+            <a:off x="2" y="0"/>
+            <a:ext cx="12191695" cy="6858000"/>
+          </a:xfrm>
+          <a:prstGeom prst="rect">
+            <a:avLst/>
+          </a:prstGeom>
+          <a:ln>
+            <a:noFill/>
+          </a:ln>
+        </p:spPr>
+        <p:style>
+          <a:lnRef idx="2">
+            <a:schemeClr val="accent1">
+              <a:shade val="50000"/>
+            </a:schemeClr>
+          </a:lnRef>
+          <a:fillRef idx="1">
+            <a:schemeClr val="accent1"/>
+          </a:fillRef>
+          <a:effectRef idx="0">
+            <a:schemeClr val="accent1"/>
+          </a:effectRef>
+          <a:fontRef idx="minor">
+            <a:schemeClr val="lt1"/>
+          </a:fontRef>
+        </p:style>
+        <p:txBody>
+          <a:bodyPr rtlCol="0" anchor="ctr"/>
+          <a:lstStyle/>
+          <a:p>
+            <a:pPr algn="ctr"/>
+            <a:endParaRPr lang="en-US"/>
+          </a:p>
+        </p:txBody>
+      </p:sp>
+      <p:sp>
+        <p:nvSpPr>
+          <p:cNvPr id="25" name="Rectangle 24">
+            <a:extLst>
+              <a:ext uri="{FF2B5EF4-FFF2-40B4-BE49-F238E27FC236}">
+                <a16:creationId xmlns:a16="http://schemas.microsoft.com/office/drawing/2014/main" id="{652113E9-B822-4FC0-9815-D9FD422C4C58}"/>
+              </a:ext>
+              <a:ext uri="{C183D7F6-B498-43B3-948B-1728B52AA6E4}">
+                <adec:decorative xmlns:adec="http://schemas.microsoft.com/office/drawing/2017/decorative" val="1"/>
+              </a:ext>
+            </a:extLst>
+          </p:cNvPr>
+          <p:cNvSpPr>
+            <a:spLocks noGrp="1" noRot="1" noChangeAspect="1" noMove="1" noResize="1" noEditPoints="1" noAdjustHandles="1" noChangeArrowheads="1" noChangeShapeType="1" noTextEdit="1"/>
+          </p:cNvSpPr>
+          <p:nvPr>
+            <p:extLst>
+              <p:ext uri="{386F3935-93C4-4BCD-93E2-E3B085C9AB24}">
+                <p16:designElem xmlns:p16="http://schemas.microsoft.com/office/powerpoint/2015/main" val="1"/>
+              </p:ext>
+            </p:extLst>
+          </p:nvPr>
+        </p:nvSpPr>
+        <p:spPr>
+          <a:xfrm>
+            <a:off x="0" y="2015732"/>
+            <a:ext cx="12192000" cy="4118829"/>
+          </a:xfrm>
+          <a:prstGeom prst="rect">
+            <a:avLst/>
+          </a:prstGeom>
+          <a:gradFill flip="none" rotWithShape="1">
+            <a:gsLst>
+              <a:gs pos="0">
+                <a:schemeClr val="bg2">
+                  <a:alpha val="0"/>
+                </a:schemeClr>
+              </a:gs>
+              <a:gs pos="100000">
+                <a:schemeClr val="bg2"/>
+              </a:gs>
+            </a:gsLst>
+            <a:lin ang="5400000" scaled="0"/>
+            <a:tileRect/>
+          </a:gradFill>
+          <a:ln>
+            <a:noFill/>
+          </a:ln>
+        </p:spPr>
+        <p:style>
+          <a:lnRef idx="2">
+            <a:schemeClr val="accent1">
+              <a:shade val="50000"/>
+            </a:schemeClr>
+          </a:lnRef>
+          <a:fillRef idx="1">
+            <a:schemeClr val="accent1"/>
+          </a:fillRef>
+          <a:effectRef idx="0">
+            <a:schemeClr val="accent1"/>
+          </a:effectRef>
+          <a:fontRef idx="minor">
+            <a:schemeClr val="lt1"/>
+          </a:fontRef>
+        </p:style>
+        <p:txBody>
+          <a:bodyPr rtlCol="0" anchor="ctr"/>
+          <a:lstStyle/>
+          <a:p>
+            <a:pPr lvl="0" algn="ctr"/>
+            <a:endParaRPr lang="en-US"/>
+          </a:p>
+        </p:txBody>
+      </p:sp>
+      <p:sp>
+        <p:nvSpPr>
+          <p:cNvPr id="7" name="TextBox 6">
+            <a:extLst>
+              <a:ext uri="{FF2B5EF4-FFF2-40B4-BE49-F238E27FC236}">
+                <a16:creationId xmlns:a16="http://schemas.microsoft.com/office/drawing/2014/main" id="{41C210C4-3E99-70ED-7EAC-2B4CA06867B2}"/>
+              </a:ext>
+            </a:extLst>
+          </p:cNvPr>
+          <p:cNvSpPr txBox="1"/>
+          <p:nvPr/>
+        </p:nvSpPr>
+        <p:spPr>
+          <a:xfrm>
+            <a:off x="659301" y="1474969"/>
+            <a:ext cx="2823919" cy="1868760"/>
+          </a:xfrm>
+          <a:prstGeom prst="rect">
+            <a:avLst/>
+          </a:prstGeom>
+        </p:spPr>
+        <p:txBody>
+          <a:bodyPr vert="horz" lIns="91440" tIns="45720" rIns="91440" bIns="0" rtlCol="0" anchor="b">
+            <a:normAutofit/>
+          </a:bodyPr>
+          <a:lstStyle/>
+          <a:p>
+            <a:pPr defTabSz="914400">
+              <a:lnSpc>
+                <a:spcPct val="90000"/>
+              </a:lnSpc>
+              <a:spcBef>
+                <a:spcPct val="0"/>
+              </a:spcBef>
+              <a:spcAft>
+                <a:spcPts val="600"/>
+              </a:spcAft>
+            </a:pPr>
+            <a:r>
+              <a:rPr lang="en-US" sz="3600">
+                <a:latin typeface="+mj-lt"/>
+                <a:ea typeface="+mj-ea"/>
+                <a:cs typeface="+mj-cs"/>
+              </a:rPr>
+              <a:t>Insulin and BMI chart</a:t>
+            </a:r>
+          </a:p>
+        </p:txBody>
+      </p:sp>
+      <p:cxnSp>
+        <p:nvCxnSpPr>
+          <p:cNvPr id="27" name="Straight Connector 26">
+            <a:extLst>
+              <a:ext uri="{FF2B5EF4-FFF2-40B4-BE49-F238E27FC236}">
+                <a16:creationId xmlns:a16="http://schemas.microsoft.com/office/drawing/2014/main" id="{54CC25F9-2E48-48AB-8BC0-F5F264549FBE}"/>
+              </a:ext>
+              <a:ext uri="{C183D7F6-B498-43B3-948B-1728B52AA6E4}">
+                <adec:decorative xmlns:adec="http://schemas.microsoft.com/office/drawing/2017/decorative" val="1"/>
+              </a:ext>
+            </a:extLst>
+          </p:cNvPr>
+          <p:cNvCxnSpPr>
+            <a:cxnSpLocks noGrp="1" noRot="1" noChangeAspect="1" noMove="1" noResize="1" noEditPoints="1" noAdjustHandles="1" noChangeArrowheads="1" noChangeShapeType="1"/>
+          </p:cNvCxnSpPr>
+          <p:nvPr>
+            <p:extLst>
+              <p:ext uri="{386F3935-93C4-4BCD-93E2-E3B085C9AB24}">
+                <p16:designElem xmlns:p16="http://schemas.microsoft.com/office/powerpoint/2015/main" val="1"/>
+              </p:ext>
+            </p:extLst>
+          </p:nvPr>
+        </p:nvCxnSpPr>
+        <p:spPr>
+          <a:xfrm>
+            <a:off x="490988" y="807259"/>
+            <a:ext cx="0" cy="2544756"/>
+          </a:xfrm>
+          <a:prstGeom prst="line">
+            <a:avLst/>
+          </a:prstGeom>
+          <a:ln w="38100" cmpd="sng">
+            <a:solidFill>
+              <a:schemeClr val="accent1"/>
+            </a:solidFill>
+            <a:prstDash val="solid"/>
+            <a:tailEnd type="none"/>
+          </a:ln>
+        </p:spPr>
+        <p:style>
+          <a:lnRef idx="3">
+            <a:schemeClr val="accent1"/>
+          </a:lnRef>
+          <a:fillRef idx="0">
+            <a:schemeClr val="accent1"/>
+          </a:fillRef>
+          <a:effectRef idx="2">
+            <a:schemeClr val="accent1"/>
+          </a:effectRef>
+          <a:fontRef idx="minor">
+            <a:schemeClr val="tx1"/>
+          </a:fontRef>
+        </p:style>
+      </p:cxnSp>
+      <p:grpSp>
+        <p:nvGrpSpPr>
+          <p:cNvPr id="29" name="Group 28">
+            <a:extLst>
+              <a:ext uri="{FF2B5EF4-FFF2-40B4-BE49-F238E27FC236}">
+                <a16:creationId xmlns:a16="http://schemas.microsoft.com/office/drawing/2014/main" id="{28665850-0FEB-436B-AD92-E1873CA4C046}"/>
+              </a:ext>
+              <a:ext uri="{C183D7F6-B498-43B3-948B-1728B52AA6E4}">
+                <adec:decorative xmlns:adec="http://schemas.microsoft.com/office/drawing/2017/decorative" val="1"/>
+              </a:ext>
+            </a:extLst>
+          </p:cNvPr>
+          <p:cNvGrpSpPr>
+            <a:grpSpLocks noGrp="1" noUngrp="1" noRot="1" noChangeAspect="1" noMove="1" noResize="1"/>
+          </p:cNvGrpSpPr>
+          <p:nvPr>
+            <p:extLst>
+              <p:ext uri="{386F3935-93C4-4BCD-93E2-E3B085C9AB24}">
+                <p16:designElem xmlns:p16="http://schemas.microsoft.com/office/powerpoint/2015/main" val="1"/>
+              </p:ext>
+            </p:extLst>
+          </p:nvPr>
+        </p:nvGrpSpPr>
+        <p:grpSpPr>
+          <a:xfrm>
+            <a:off x="3979389" y="482171"/>
+            <a:ext cx="7560115" cy="5149101"/>
+            <a:chOff x="3979389" y="482171"/>
+            <a:chExt cx="7560115" cy="5149101"/>
+          </a:xfrm>
+        </p:grpSpPr>
+        <p:sp>
+          <p:nvSpPr>
+            <p:cNvPr id="30" name="Rectangle 29">
+              <a:extLst>
+                <a:ext uri="{FF2B5EF4-FFF2-40B4-BE49-F238E27FC236}">
+                  <a16:creationId xmlns:a16="http://schemas.microsoft.com/office/drawing/2014/main" id="{29497226-2365-4B3B-9781-1EA8B98DB110}"/>
+                </a:ext>
+                <a:ext uri="{C183D7F6-B498-43B3-948B-1728B52AA6E4}">
+                  <adec:decorative xmlns:adec="http://schemas.microsoft.com/office/drawing/2017/decorative" val="1"/>
+                </a:ext>
+              </a:extLst>
+            </p:cNvPr>
+            <p:cNvSpPr/>
+            <p:nvPr>
+              <p:extLst>
+                <p:ext uri="{386F3935-93C4-4BCD-93E2-E3B085C9AB24}">
+                  <p16:designElem xmlns:p16="http://schemas.microsoft.com/office/powerpoint/2015/main" val="1"/>
+                </p:ext>
+              </p:extLst>
+            </p:nvPr>
+          </p:nvSpPr>
+          <p:spPr>
+            <a:xfrm>
+              <a:off x="3979389" y="482171"/>
+              <a:ext cx="7560115" cy="5149101"/>
+            </a:xfrm>
+            <a:prstGeom prst="rect">
+              <a:avLst/>
+            </a:prstGeom>
+            <a:gradFill>
+              <a:gsLst>
+                <a:gs pos="0">
+                  <a:schemeClr val="bg2">
+                    <a:lumMod val="10000"/>
+                  </a:schemeClr>
+                </a:gs>
+                <a:gs pos="100000">
+                  <a:schemeClr val="bg2">
+                    <a:lumMod val="10000"/>
+                  </a:schemeClr>
+                </a:gs>
+              </a:gsLst>
+            </a:gradFill>
+            <a:ln w="76200" cmpd="sng">
+              <a:noFill/>
+              <a:miter lim="800000"/>
+            </a:ln>
+            <a:effectLst>
+              <a:outerShdw blurRad="127000" dist="228600" dir="4740000" sx="98000" sy="98000" algn="tl" rotWithShape="0">
+                <a:srgbClr val="000000">
+                  <a:alpha val="34000"/>
+                </a:srgbClr>
+              </a:outerShdw>
+            </a:effectLst>
+            <a:scene3d>
+              <a:camera prst="orthographicFront"/>
+              <a:lightRig rig="threePt" dir="t"/>
+            </a:scene3d>
+            <a:sp3d prstMaterial="matte">
+              <a:bevelT w="133350" h="50800" prst="divot"/>
+            </a:sp3d>
+          </p:spPr>
+          <p:style>
+            <a:lnRef idx="1">
+              <a:schemeClr val="accent1"/>
+            </a:lnRef>
+            <a:fillRef idx="3">
+              <a:schemeClr val="accent1"/>
+            </a:fillRef>
+            <a:effectRef idx="2">
+              <a:schemeClr val="accent1"/>
+            </a:effectRef>
+            <a:fontRef idx="minor">
+              <a:schemeClr val="lt1"/>
+            </a:fontRef>
+          </p:style>
+          <p:txBody>
+            <a:bodyPr rtlCol="0" anchor="ctr"/>
+            <a:lstStyle/>
+            <a:p>
+              <a:pPr algn="ctr"/>
+              <a:endParaRPr lang="en-US"/>
+            </a:p>
+          </p:txBody>
+        </p:sp>
+        <p:sp>
+          <p:nvSpPr>
+            <p:cNvPr id="31" name="Rectangle 30">
+              <a:extLst>
+                <a:ext uri="{FF2B5EF4-FFF2-40B4-BE49-F238E27FC236}">
+                  <a16:creationId xmlns:a16="http://schemas.microsoft.com/office/drawing/2014/main" id="{5863181C-F135-428D-88EE-BDA1BF33E054}"/>
+                </a:ext>
+                <a:ext uri="{C183D7F6-B498-43B3-948B-1728B52AA6E4}">
+                  <adec:decorative xmlns:adec="http://schemas.microsoft.com/office/drawing/2017/decorative" val="1"/>
+                </a:ext>
+              </a:extLst>
+            </p:cNvPr>
+            <p:cNvSpPr/>
+            <p:nvPr>
+              <p:extLst>
+                <p:ext uri="{386F3935-93C4-4BCD-93E2-E3B085C9AB24}">
+                  <p16:designElem xmlns:p16="http://schemas.microsoft.com/office/powerpoint/2015/main" val="1"/>
+                </p:ext>
+              </p:extLst>
+            </p:nvPr>
+          </p:nvSpPr>
+          <p:spPr>
+            <a:xfrm>
+              <a:off x="4292448" y="812507"/>
+              <a:ext cx="6928279" cy="4466452"/>
+            </a:xfrm>
+            <a:prstGeom prst="rect">
+              <a:avLst/>
+            </a:prstGeom>
+            <a:gradFill>
+              <a:gsLst>
+                <a:gs pos="0">
+                  <a:srgbClr val="DADADA"/>
+                </a:gs>
+                <a:gs pos="100000">
+                  <a:srgbClr val="FFFFFE"/>
+                </a:gs>
+              </a:gsLst>
+              <a:lin ang="16200000" scaled="0"/>
+            </a:gradFill>
+            <a:ln w="50800" cmpd="sng">
+              <a:solidFill>
+                <a:srgbClr val="191919"/>
+              </a:solidFill>
+              <a:miter lim="800000"/>
+            </a:ln>
+            <a:effectLst>
+              <a:innerShdw blurRad="63500" dist="88900" dir="14100000">
+                <a:srgbClr val="000000">
+                  <a:alpha val="30000"/>
+                </a:srgbClr>
+              </a:innerShdw>
+            </a:effectLst>
+            <a:scene3d>
+              <a:camera prst="orthographicFront"/>
+              <a:lightRig rig="threePt" dir="t"/>
+            </a:scene3d>
+            <a:sp3d>
+              <a:bevelT prst="relaxedInset"/>
+            </a:sp3d>
+          </p:spPr>
+          <p:style>
+            <a:lnRef idx="1">
+              <a:schemeClr val="accent1"/>
+            </a:lnRef>
+            <a:fillRef idx="3">
+              <a:schemeClr val="accent1"/>
+            </a:fillRef>
+            <a:effectRef idx="2">
+              <a:schemeClr val="accent1"/>
+            </a:effectRef>
+            <a:fontRef idx="minor">
+              <a:schemeClr val="lt1"/>
+            </a:fontRef>
+          </p:style>
+          <p:txBody>
+            <a:bodyPr rtlCol="0" anchor="ctr"/>
+            <a:lstStyle/>
+            <a:p>
+              <a:pPr algn="ctr"/>
+              <a:endParaRPr lang="en-US"/>
+            </a:p>
+          </p:txBody>
+        </p:sp>
+      </p:grpSp>
+      <p:sp>
+        <p:nvSpPr>
+          <p:cNvPr id="33" name="Rectangle 32">
+            <a:extLst>
+              <a:ext uri="{FF2B5EF4-FFF2-40B4-BE49-F238E27FC236}">
+                <a16:creationId xmlns:a16="http://schemas.microsoft.com/office/drawing/2014/main" id="{FFBBF4E2-8D2F-43D2-865D-87F0B3ED06B8}"/>
+              </a:ext>
+              <a:ext uri="{C183D7F6-B498-43B3-948B-1728B52AA6E4}">
+                <adec:decorative xmlns:adec="http://schemas.microsoft.com/office/drawing/2017/decorative" val="1"/>
+              </a:ext>
+            </a:extLst>
+          </p:cNvPr>
+          <p:cNvSpPr>
+            <a:spLocks noGrp="1" noRot="1" noChangeAspect="1" noMove="1" noResize="1" noEditPoints="1" noAdjustHandles="1" noChangeArrowheads="1" noChangeShapeType="1" noTextEdit="1"/>
+          </p:cNvSpPr>
+          <p:nvPr>
+            <p:extLst>
+              <p:ext uri="{386F3935-93C4-4BCD-93E2-E3B085C9AB24}">
+                <p16:designElem xmlns:p16="http://schemas.microsoft.com/office/powerpoint/2015/main" val="1"/>
+              </p:ext>
+            </p:extLst>
+          </p:nvPr>
+        </p:nvSpPr>
+        <p:spPr>
+          <a:xfrm>
+            <a:off x="4455871" y="977099"/>
+            <a:ext cx="6621291" cy="4136205"/>
+          </a:xfrm>
+          <a:prstGeom prst="rect">
+            <a:avLst/>
+          </a:prstGeom>
+          <a:solidFill>
+            <a:srgbClr val="FFFFFE"/>
+          </a:solidFill>
+          <a:ln w="6350">
+            <a:solidFill>
+              <a:schemeClr val="bg2"/>
+            </a:solidFill>
+          </a:ln>
+        </p:spPr>
+        <p:style>
+          <a:lnRef idx="2">
+            <a:schemeClr val="accent1">
+              <a:shade val="50000"/>
+            </a:schemeClr>
+          </a:lnRef>
+          <a:fillRef idx="1">
+            <a:schemeClr val="accent1"/>
+          </a:fillRef>
+          <a:effectRef idx="0">
+            <a:schemeClr val="accent1"/>
+          </a:effectRef>
+          <a:fontRef idx="minor">
+            <a:schemeClr val="lt1"/>
+          </a:fontRef>
+        </p:style>
+        <p:txBody>
+          <a:bodyPr rtlCol="0" anchor="ctr"/>
+          <a:lstStyle/>
+          <a:p>
+            <a:pPr algn="ctr"/>
+            <a:endParaRPr lang="en-US"/>
+          </a:p>
+        </p:txBody>
+      </p:sp>
+      <p:pic>
+        <p:nvPicPr>
+          <p:cNvPr id="10" name="Picture 9">
+            <a:extLst>
+              <a:ext uri="{FF2B5EF4-FFF2-40B4-BE49-F238E27FC236}">
+                <a16:creationId xmlns:a16="http://schemas.microsoft.com/office/drawing/2014/main" id="{5AB5D112-C54B-E07A-501F-BB4EEEC16767}"/>
+              </a:ext>
+            </a:extLst>
+          </p:cNvPr>
+          <p:cNvPicPr>
+            <a:picLocks noChangeAspect="1"/>
+          </p:cNvPicPr>
+          <p:nvPr/>
+        </p:nvPicPr>
         <p:blipFill>
-          <a:blip r:embed="rId2"/>
+          <a:blip r:embed="rId3"/>
           <a:stretch>
             <a:fillRect/>
           </a:stretch>
         </p:blipFill>
         <p:spPr>
           <a:xfrm>
-            <a:off x="1380661" y="255278"/>
-            <a:ext cx="8222978" cy="5571067"/>
+            <a:off x="4751140" y="1116345"/>
+            <a:ext cx="6017387" cy="3866172"/>
           </a:xfrm>
           <a:prstGeom prst="rect">
             <a:avLst/>
           </a:prstGeom>
         </p:spPr>
       </p:pic>
+      <p:pic>
+        <p:nvPicPr>
+          <p:cNvPr id="35" name="Picture 34">
+            <a:extLst>
+              <a:ext uri="{FF2B5EF4-FFF2-40B4-BE49-F238E27FC236}">
+                <a16:creationId xmlns:a16="http://schemas.microsoft.com/office/drawing/2014/main" id="{8EF1841E-483F-48D2-BEE9-419DB846F052}"/>
+              </a:ext>
+              <a:ext uri="{C183D7F6-B498-43B3-948B-1728B52AA6E4}">
+                <adec:decorative xmlns:adec="http://schemas.microsoft.com/office/drawing/2017/decorative" val="1"/>
+              </a:ext>
+            </a:extLst>
+          </p:cNvPr>
+          <p:cNvPicPr>
+            <a:picLocks noGrp="1" noRot="1" noChangeAspect="1" noMove="1" noResize="1" noEditPoints="1" noAdjustHandles="1" noChangeArrowheads="1" noChangeShapeType="1" noCrop="1"/>
+          </p:cNvPicPr>
+          <p:nvPr>
+            <p:extLst>
+              <p:ext uri="{386F3935-93C4-4BCD-93E2-E3B085C9AB24}">
+                <p16:designElem xmlns:p16="http://schemas.microsoft.com/office/powerpoint/2015/main" val="1"/>
+              </p:ext>
+            </p:extLst>
+          </p:nvPr>
+        </p:nvPicPr>
+        <p:blipFill rotWithShape="1">
+          <a:blip r:embed="rId2"/>
+          <a:srcRect t="2769" b="-2769"/>
+          <a:stretch/>
+        </p:blipFill>
+        <p:spPr>
+          <a:xfrm>
+            <a:off x="0" y="6135624"/>
+            <a:ext cx="12192000" cy="742950"/>
+          </a:xfrm>
+          <a:prstGeom prst="rect">
+            <a:avLst/>
+          </a:prstGeom>
+        </p:spPr>
+      </p:pic>
+      <p:cxnSp>
+        <p:nvCxnSpPr>
+          <p:cNvPr id="37" name="Straight Connector 36">
+            <a:extLst>
+              <a:ext uri="{FF2B5EF4-FFF2-40B4-BE49-F238E27FC236}">
+                <a16:creationId xmlns:a16="http://schemas.microsoft.com/office/drawing/2014/main" id="{D59C9410-83E0-4382-9205-407BA785C3DE}"/>
+              </a:ext>
+              <a:ext uri="{C183D7F6-B498-43B3-948B-1728B52AA6E4}">
+                <adec:decorative xmlns:adec="http://schemas.microsoft.com/office/drawing/2017/decorative" val="1"/>
+              </a:ext>
+            </a:extLst>
+          </p:cNvPr>
+          <p:cNvCxnSpPr>
+            <a:cxnSpLocks noGrp="1" noRot="1" noChangeAspect="1" noMove="1" noResize="1" noEditPoints="1" noAdjustHandles="1" noChangeArrowheads="1" noChangeShapeType="1"/>
+          </p:cNvCxnSpPr>
+          <p:nvPr>
+            <p:extLst>
+              <p:ext uri="{386F3935-93C4-4BCD-93E2-E3B085C9AB24}">
+                <p16:designElem xmlns:p16="http://schemas.microsoft.com/office/powerpoint/2015/main" val="1"/>
+              </p:ext>
+            </p:extLst>
+          </p:nvPr>
+        </p:nvCxnSpPr>
+        <p:spPr>
+          <a:xfrm>
+            <a:off x="0" y="6141705"/>
+            <a:ext cx="12192000" cy="0"/>
+          </a:xfrm>
+          <a:prstGeom prst="line">
+            <a:avLst/>
+          </a:prstGeom>
+          <a:ln w="12700">
+            <a:solidFill>
+              <a:srgbClr val="000001">
+                <a:alpha val="20000"/>
+              </a:srgbClr>
+            </a:solidFill>
+          </a:ln>
+        </p:spPr>
+        <p:style>
+          <a:lnRef idx="1">
+            <a:schemeClr val="accent1"/>
+          </a:lnRef>
+          <a:fillRef idx="0">
+            <a:schemeClr val="accent1"/>
+          </a:fillRef>
+          <a:effectRef idx="0">
+            <a:schemeClr val="accent1"/>
+          </a:effectRef>
+          <a:fontRef idx="minor">
+            <a:schemeClr val="tx1"/>
+          </a:fontRef>
+        </p:style>
+      </p:cxnSp>
     </p:spTree>
     <p:extLst>
       <p:ext uri="{BB962C8B-B14F-4D97-AF65-F5344CB8AC3E}">
@@ -11208,6 +13618,30 @@
 <file path=ppt/slides/slide6.xml><?xml version="1.0" encoding="utf-8"?>
 <p:sld xmlns:a="http://schemas.openxmlformats.org/drawingml/2006/main" xmlns:r="http://schemas.openxmlformats.org/officeDocument/2006/relationships" xmlns:p="http://schemas.openxmlformats.org/presentationml/2006/main">
   <p:cSld>
+    <p:bg>
+      <p:bgPr>
+        <a:gradFill rotWithShape="1">
+          <a:gsLst>
+            <a:gs pos="0">
+              <a:schemeClr val="bg2">
+                <a:tint val="94000"/>
+                <a:satMod val="80000"/>
+                <a:lumMod val="106000"/>
+              </a:schemeClr>
+            </a:gs>
+            <a:gs pos="100000">
+              <a:schemeClr val="bg2">
+                <a:shade val="80000"/>
+              </a:schemeClr>
+            </a:gs>
+          </a:gsLst>
+          <a:path path="circle">
+            <a:fillToRect l="43000" r="43000" b="100000"/>
+          </a:path>
+        </a:gradFill>
+        <a:effectLst/>
+      </p:bgPr>
+    </p:bg>
     <p:spTree>
       <p:nvGrpSpPr>
         <p:cNvPr id="1" name=""/>
@@ -11224,6 +13658,359 @@
       </p:grpSpPr>
       <p:sp>
         <p:nvSpPr>
+          <p:cNvPr id="11" name="Rectangle 10">
+            <a:extLst>
+              <a:ext uri="{FF2B5EF4-FFF2-40B4-BE49-F238E27FC236}">
+                <a16:creationId xmlns:a16="http://schemas.microsoft.com/office/drawing/2014/main" id="{1034510A-DB30-456D-9F45-F70101243FCB}"/>
+              </a:ext>
+              <a:ext uri="{C183D7F6-B498-43B3-948B-1728B52AA6E4}">
+                <adec:decorative xmlns:adec="http://schemas.microsoft.com/office/drawing/2017/decorative" val="1"/>
+              </a:ext>
+            </a:extLst>
+          </p:cNvPr>
+          <p:cNvSpPr>
+            <a:spLocks noGrp="1" noRot="1" noChangeAspect="1" noMove="1" noResize="1" noEditPoints="1" noAdjustHandles="1" noChangeArrowheads="1" noChangeShapeType="1" noTextEdit="1"/>
+          </p:cNvSpPr>
+          <p:nvPr>
+            <p:extLst>
+              <p:ext uri="{386F3935-93C4-4BCD-93E2-E3B085C9AB24}">
+                <p16:designElem xmlns:p16="http://schemas.microsoft.com/office/powerpoint/2015/main" val="1"/>
+              </p:ext>
+            </p:extLst>
+          </p:nvPr>
+        </p:nvSpPr>
+        <p:spPr>
+          <a:xfrm>
+            <a:off x="0" y="2015732"/>
+            <a:ext cx="12192000" cy="4118829"/>
+          </a:xfrm>
+          <a:prstGeom prst="rect">
+            <a:avLst/>
+          </a:prstGeom>
+          <a:gradFill flip="none" rotWithShape="1">
+            <a:gsLst>
+              <a:gs pos="0">
+                <a:schemeClr val="bg2">
+                  <a:alpha val="0"/>
+                </a:schemeClr>
+              </a:gs>
+              <a:gs pos="100000">
+                <a:schemeClr val="bg2"/>
+              </a:gs>
+            </a:gsLst>
+            <a:lin ang="5400000" scaled="0"/>
+            <a:tileRect/>
+          </a:gradFill>
+          <a:ln>
+            <a:noFill/>
+          </a:ln>
+        </p:spPr>
+        <p:style>
+          <a:lnRef idx="2">
+            <a:schemeClr val="accent1">
+              <a:shade val="50000"/>
+            </a:schemeClr>
+          </a:lnRef>
+          <a:fillRef idx="1">
+            <a:schemeClr val="accent1"/>
+          </a:fillRef>
+          <a:effectRef idx="0">
+            <a:schemeClr val="accent1"/>
+          </a:effectRef>
+          <a:fontRef idx="minor">
+            <a:schemeClr val="lt1"/>
+          </a:fontRef>
+        </p:style>
+        <p:txBody>
+          <a:bodyPr/>
+          <a:lstStyle/>
+          <a:p>
+            <a:endParaRPr lang="en-US"/>
+          </a:p>
+        </p:txBody>
+      </p:sp>
+      <p:pic>
+        <p:nvPicPr>
+          <p:cNvPr id="13" name="Picture 12">
+            <a:extLst>
+              <a:ext uri="{FF2B5EF4-FFF2-40B4-BE49-F238E27FC236}">
+                <a16:creationId xmlns:a16="http://schemas.microsoft.com/office/drawing/2014/main" id="{D9E3E4AB-D495-4E09-86D0-3C3F1CD33C2A}"/>
+              </a:ext>
+              <a:ext uri="{C183D7F6-B498-43B3-948B-1728B52AA6E4}">
+                <adec:decorative xmlns:adec="http://schemas.microsoft.com/office/drawing/2017/decorative" val="1"/>
+              </a:ext>
+            </a:extLst>
+          </p:cNvPr>
+          <p:cNvPicPr>
+            <a:picLocks noGrp="1" noRot="1" noChangeAspect="1" noMove="1" noResize="1" noEditPoints="1" noAdjustHandles="1" noChangeArrowheads="1" noChangeShapeType="1" noCrop="1"/>
+          </p:cNvPicPr>
+          <p:nvPr>
+            <p:extLst>
+              <p:ext uri="{386F3935-93C4-4BCD-93E2-E3B085C9AB24}">
+                <p16:designElem xmlns:p16="http://schemas.microsoft.com/office/powerpoint/2015/main" val="1"/>
+              </p:ext>
+            </p:extLst>
+          </p:nvPr>
+        </p:nvPicPr>
+        <p:blipFill rotWithShape="1">
+          <a:blip r:embed="rId2"/>
+          <a:srcRect t="2769" b="-2769"/>
+          <a:stretch/>
+        </p:blipFill>
+        <p:spPr>
+          <a:xfrm>
+            <a:off x="0" y="6135624"/>
+            <a:ext cx="12192000" cy="742950"/>
+          </a:xfrm>
+          <a:prstGeom prst="rect">
+            <a:avLst/>
+          </a:prstGeom>
+        </p:spPr>
+      </p:pic>
+      <p:cxnSp>
+        <p:nvCxnSpPr>
+          <p:cNvPr id="15" name="Straight Connector 14">
+            <a:extLst>
+              <a:ext uri="{FF2B5EF4-FFF2-40B4-BE49-F238E27FC236}">
+                <a16:creationId xmlns:a16="http://schemas.microsoft.com/office/drawing/2014/main" id="{59D48945-BEE9-473E-9443-A1CE317E2D69}"/>
+              </a:ext>
+              <a:ext uri="{C183D7F6-B498-43B3-948B-1728B52AA6E4}">
+                <adec:decorative xmlns:adec="http://schemas.microsoft.com/office/drawing/2017/decorative" val="1"/>
+              </a:ext>
+            </a:extLst>
+          </p:cNvPr>
+          <p:cNvCxnSpPr>
+            <a:cxnSpLocks noGrp="1" noRot="1" noChangeAspect="1" noMove="1" noResize="1" noEditPoints="1" noAdjustHandles="1" noChangeArrowheads="1" noChangeShapeType="1"/>
+          </p:cNvCxnSpPr>
+          <p:nvPr>
+            <p:extLst>
+              <p:ext uri="{386F3935-93C4-4BCD-93E2-E3B085C9AB24}">
+                <p16:designElem xmlns:p16="http://schemas.microsoft.com/office/powerpoint/2015/main" val="1"/>
+              </p:ext>
+            </p:extLst>
+          </p:nvPr>
+        </p:nvCxnSpPr>
+        <p:spPr>
+          <a:xfrm>
+            <a:off x="0" y="6141705"/>
+            <a:ext cx="12192000" cy="0"/>
+          </a:xfrm>
+          <a:prstGeom prst="line">
+            <a:avLst/>
+          </a:prstGeom>
+          <a:ln w="12700">
+            <a:solidFill>
+              <a:srgbClr val="000001">
+                <a:alpha val="20000"/>
+              </a:srgbClr>
+            </a:solidFill>
+          </a:ln>
+        </p:spPr>
+        <p:style>
+          <a:lnRef idx="1">
+            <a:schemeClr val="accent1"/>
+          </a:lnRef>
+          <a:fillRef idx="0">
+            <a:schemeClr val="accent1"/>
+          </a:fillRef>
+          <a:effectRef idx="0">
+            <a:schemeClr val="accent1"/>
+          </a:effectRef>
+          <a:fontRef idx="minor">
+            <a:schemeClr val="tx1"/>
+          </a:fontRef>
+        </p:style>
+      </p:cxnSp>
+      <p:cxnSp>
+        <p:nvCxnSpPr>
+          <p:cNvPr id="17" name="Straight Connector 16">
+            <a:extLst>
+              <a:ext uri="{FF2B5EF4-FFF2-40B4-BE49-F238E27FC236}">
+                <a16:creationId xmlns:a16="http://schemas.microsoft.com/office/drawing/2014/main" id="{2DD6752A-2411-44BF-8C92-DF55B95F3ACA}"/>
+              </a:ext>
+              <a:ext uri="{C183D7F6-B498-43B3-948B-1728B52AA6E4}">
+                <adec:decorative xmlns:adec="http://schemas.microsoft.com/office/drawing/2017/decorative" val="1"/>
+              </a:ext>
+            </a:extLst>
+          </p:cNvPr>
+          <p:cNvCxnSpPr>
+            <a:cxnSpLocks noGrp="1" noRot="1" noChangeAspect="1" noMove="1" noResize="1" noEditPoints="1" noAdjustHandles="1" noChangeArrowheads="1" noChangeShapeType="1"/>
+          </p:cNvCxnSpPr>
+          <p:nvPr>
+            <p:extLst>
+              <p:ext uri="{386F3935-93C4-4BCD-93E2-E3B085C9AB24}">
+                <p16:designElem xmlns:p16="http://schemas.microsoft.com/office/powerpoint/2015/main" val="1"/>
+              </p:ext>
+            </p:extLst>
+          </p:nvPr>
+        </p:nvCxnSpPr>
+        <p:spPr>
+          <a:xfrm>
+            <a:off x="2334637" y="798973"/>
+            <a:ext cx="0" cy="2544756"/>
+          </a:xfrm>
+          <a:prstGeom prst="line">
+            <a:avLst/>
+          </a:prstGeom>
+          <a:ln w="38100" cmpd="sng">
+            <a:solidFill>
+              <a:schemeClr val="accent1"/>
+            </a:solidFill>
+            <a:prstDash val="solid"/>
+            <a:tailEnd type="none"/>
+          </a:ln>
+        </p:spPr>
+        <p:style>
+          <a:lnRef idx="3">
+            <a:schemeClr val="accent1"/>
+          </a:lnRef>
+          <a:fillRef idx="0">
+            <a:schemeClr val="accent1"/>
+          </a:fillRef>
+          <a:effectRef idx="2">
+            <a:schemeClr val="accent1"/>
+          </a:effectRef>
+          <a:fontRef idx="minor">
+            <a:schemeClr val="tx1"/>
+          </a:fontRef>
+        </p:style>
+      </p:cxnSp>
+      <p:sp useBgFill="1">
+        <p:nvSpPr>
+          <p:cNvPr id="19" name="Rectangle 18">
+            <a:extLst>
+              <a:ext uri="{FF2B5EF4-FFF2-40B4-BE49-F238E27FC236}">
+                <a16:creationId xmlns:a16="http://schemas.microsoft.com/office/drawing/2014/main" id="{B73AC2FE-07C1-46A1-BB32-2364A2ED7879}"/>
+              </a:ext>
+              <a:ext uri="{C183D7F6-B498-43B3-948B-1728B52AA6E4}">
+                <adec:decorative xmlns:adec="http://schemas.microsoft.com/office/drawing/2017/decorative" val="1"/>
+              </a:ext>
+            </a:extLst>
+          </p:cNvPr>
+          <p:cNvSpPr>
+            <a:spLocks noGrp="1" noRot="1" noChangeAspect="1" noMove="1" noResize="1" noEditPoints="1" noAdjustHandles="1" noChangeArrowheads="1" noChangeShapeType="1" noTextEdit="1"/>
+          </p:cNvSpPr>
+          <p:nvPr>
+            <p:extLst>
+              <p:ext uri="{386F3935-93C4-4BCD-93E2-E3B085C9AB24}">
+                <p16:designElem xmlns:p16="http://schemas.microsoft.com/office/powerpoint/2015/main" val="1"/>
+              </p:ext>
+            </p:extLst>
+          </p:nvPr>
+        </p:nvSpPr>
+        <p:spPr>
+          <a:xfrm>
+            <a:off x="2" y="0"/>
+            <a:ext cx="12191695" cy="6858000"/>
+          </a:xfrm>
+          <a:prstGeom prst="rect">
+            <a:avLst/>
+          </a:prstGeom>
+          <a:ln>
+            <a:noFill/>
+          </a:ln>
+        </p:spPr>
+        <p:style>
+          <a:lnRef idx="2">
+            <a:schemeClr val="accent1">
+              <a:shade val="50000"/>
+            </a:schemeClr>
+          </a:lnRef>
+          <a:fillRef idx="1">
+            <a:schemeClr val="accent1"/>
+          </a:fillRef>
+          <a:effectRef idx="0">
+            <a:schemeClr val="accent1"/>
+          </a:effectRef>
+          <a:fontRef idx="minor">
+            <a:schemeClr val="lt1"/>
+          </a:fontRef>
+        </p:style>
+        <p:txBody>
+          <a:bodyPr rtlCol="0" anchor="ctr"/>
+          <a:lstStyle/>
+          <a:p>
+            <a:pPr algn="ctr"/>
+            <a:endParaRPr lang="en-US"/>
+          </a:p>
+        </p:txBody>
+      </p:sp>
+      <p:sp>
+        <p:nvSpPr>
+          <p:cNvPr id="21" name="Rectangle 20">
+            <a:extLst>
+              <a:ext uri="{FF2B5EF4-FFF2-40B4-BE49-F238E27FC236}">
+                <a16:creationId xmlns:a16="http://schemas.microsoft.com/office/drawing/2014/main" id="{C9520B73-57CF-4733-8E69-379E600E8B53}"/>
+              </a:ext>
+              <a:ext uri="{C183D7F6-B498-43B3-948B-1728B52AA6E4}">
+                <adec:decorative xmlns:adec="http://schemas.microsoft.com/office/drawing/2017/decorative" val="1"/>
+              </a:ext>
+            </a:extLst>
+          </p:cNvPr>
+          <p:cNvSpPr>
+            <a:spLocks noGrp="1" noRot="1" noChangeAspect="1" noMove="1" noResize="1" noEditPoints="1" noAdjustHandles="1" noChangeArrowheads="1" noChangeShapeType="1" noTextEdit="1"/>
+          </p:cNvSpPr>
+          <p:nvPr>
+            <p:extLst>
+              <p:ext uri="{386F3935-93C4-4BCD-93E2-E3B085C9AB24}">
+                <p16:designElem xmlns:p16="http://schemas.microsoft.com/office/powerpoint/2015/main" val="1"/>
+              </p:ext>
+            </p:extLst>
+          </p:nvPr>
+        </p:nvSpPr>
+        <p:spPr>
+          <a:xfrm>
+            <a:off x="0" y="2015732"/>
+            <a:ext cx="12192000" cy="4118829"/>
+          </a:xfrm>
+          <a:prstGeom prst="rect">
+            <a:avLst/>
+          </a:prstGeom>
+          <a:gradFill flip="none" rotWithShape="1">
+            <a:gsLst>
+              <a:gs pos="0">
+                <a:schemeClr val="bg2">
+                  <a:alpha val="0"/>
+                </a:schemeClr>
+              </a:gs>
+              <a:gs pos="100000">
+                <a:schemeClr val="bg2"/>
+              </a:gs>
+            </a:gsLst>
+            <a:lin ang="5400000" scaled="0"/>
+            <a:tileRect/>
+          </a:gradFill>
+          <a:ln>
+            <a:noFill/>
+          </a:ln>
+        </p:spPr>
+        <p:style>
+          <a:lnRef idx="2">
+            <a:schemeClr val="accent1">
+              <a:shade val="50000"/>
+            </a:schemeClr>
+          </a:lnRef>
+          <a:fillRef idx="1">
+            <a:schemeClr val="accent1"/>
+          </a:fillRef>
+          <a:effectRef idx="0">
+            <a:schemeClr val="accent1"/>
+          </a:effectRef>
+          <a:fontRef idx="minor">
+            <a:schemeClr val="lt1"/>
+          </a:fontRef>
+        </p:style>
+        <p:txBody>
+          <a:bodyPr rtlCol="0" anchor="ctr"/>
+          <a:lstStyle/>
+          <a:p>
+            <a:pPr lvl="0" algn="ctr"/>
+            <a:endParaRPr lang="en-US"/>
+          </a:p>
+        </p:txBody>
+      </p:sp>
+      <p:sp>
+        <p:nvSpPr>
           <p:cNvPr id="2" name="Title 1">
             <a:extLst>
               <a:ext uri="{FF2B5EF4-FFF2-40B4-BE49-F238E27FC236}">
@@ -11240,52 +14027,399 @@
         </p:nvSpPr>
         <p:spPr>
           <a:xfrm>
-            <a:off x="838200" y="365126"/>
-            <a:ext cx="9660147" cy="376746"/>
+            <a:off x="659301" y="1474969"/>
+            <a:ext cx="2823919" cy="1868760"/>
           </a:xfrm>
         </p:spPr>
         <p:txBody>
-          <a:bodyPr>
-            <a:normAutofit fontScale="90000"/>
+          <a:bodyPr vert="horz" lIns="91440" tIns="45720" rIns="91440" bIns="0" rtlCol="0" anchor="b">
+            <a:normAutofit/>
           </a:bodyPr>
           <a:lstStyle/>
           <a:p>
             <a:r>
-              <a:rPr lang="en-US" dirty="0"/>
+              <a:rPr lang="en-US" sz="3600"/>
               <a:t>Blood Pressure and glucose</a:t>
             </a:r>
           </a:p>
         </p:txBody>
       </p:sp>
+      <p:cxnSp>
+        <p:nvCxnSpPr>
+          <p:cNvPr id="23" name="Straight Connector 22">
+            <a:extLst>
+              <a:ext uri="{FF2B5EF4-FFF2-40B4-BE49-F238E27FC236}">
+                <a16:creationId xmlns:a16="http://schemas.microsoft.com/office/drawing/2014/main" id="{6B51175B-2BEE-4C31-A61D-53448C067FC7}"/>
+              </a:ext>
+              <a:ext uri="{C183D7F6-B498-43B3-948B-1728B52AA6E4}">
+                <adec:decorative xmlns:adec="http://schemas.microsoft.com/office/drawing/2017/decorative" val="1"/>
+              </a:ext>
+            </a:extLst>
+          </p:cNvPr>
+          <p:cNvCxnSpPr>
+            <a:cxnSpLocks noGrp="1" noRot="1" noChangeAspect="1" noMove="1" noResize="1" noEditPoints="1" noAdjustHandles="1" noChangeArrowheads="1" noChangeShapeType="1"/>
+          </p:cNvCxnSpPr>
+          <p:nvPr>
+            <p:extLst>
+              <p:ext uri="{386F3935-93C4-4BCD-93E2-E3B085C9AB24}">
+                <p16:designElem xmlns:p16="http://schemas.microsoft.com/office/powerpoint/2015/main" val="1"/>
+              </p:ext>
+            </p:extLst>
+          </p:nvPr>
+        </p:nvCxnSpPr>
+        <p:spPr>
+          <a:xfrm>
+            <a:off x="490988" y="807259"/>
+            <a:ext cx="0" cy="2544756"/>
+          </a:xfrm>
+          <a:prstGeom prst="line">
+            <a:avLst/>
+          </a:prstGeom>
+          <a:ln w="38100" cmpd="sng">
+            <a:solidFill>
+              <a:schemeClr val="accent1"/>
+            </a:solidFill>
+            <a:prstDash val="solid"/>
+            <a:tailEnd type="none"/>
+          </a:ln>
+        </p:spPr>
+        <p:style>
+          <a:lnRef idx="3">
+            <a:schemeClr val="accent1"/>
+          </a:lnRef>
+          <a:fillRef idx="0">
+            <a:schemeClr val="accent1"/>
+          </a:fillRef>
+          <a:effectRef idx="2">
+            <a:schemeClr val="accent1"/>
+          </a:effectRef>
+          <a:fontRef idx="minor">
+            <a:schemeClr val="tx1"/>
+          </a:fontRef>
+        </p:style>
+      </p:cxnSp>
+      <p:grpSp>
+        <p:nvGrpSpPr>
+          <p:cNvPr id="25" name="Group 24">
+            <a:extLst>
+              <a:ext uri="{FF2B5EF4-FFF2-40B4-BE49-F238E27FC236}">
+                <a16:creationId xmlns:a16="http://schemas.microsoft.com/office/drawing/2014/main" id="{43CD49F1-982C-4FBE-AF42-13E6BABE844A}"/>
+              </a:ext>
+              <a:ext uri="{C183D7F6-B498-43B3-948B-1728B52AA6E4}">
+                <adec:decorative xmlns:adec="http://schemas.microsoft.com/office/drawing/2017/decorative" val="1"/>
+              </a:ext>
+            </a:extLst>
+          </p:cNvPr>
+          <p:cNvGrpSpPr>
+            <a:grpSpLocks noGrp="1" noUngrp="1" noRot="1" noChangeAspect="1" noMove="1" noResize="1"/>
+          </p:cNvGrpSpPr>
+          <p:nvPr>
+            <p:extLst>
+              <p:ext uri="{386F3935-93C4-4BCD-93E2-E3B085C9AB24}">
+                <p16:designElem xmlns:p16="http://schemas.microsoft.com/office/powerpoint/2015/main" val="1"/>
+              </p:ext>
+            </p:extLst>
+          </p:nvPr>
+        </p:nvGrpSpPr>
+        <p:grpSpPr>
+          <a:xfrm>
+            <a:off x="3979389" y="482171"/>
+            <a:ext cx="7560115" cy="5149101"/>
+            <a:chOff x="3979389" y="482171"/>
+            <a:chExt cx="7560115" cy="5149101"/>
+          </a:xfrm>
+        </p:grpSpPr>
+        <p:sp>
+          <p:nvSpPr>
+            <p:cNvPr id="26" name="Rectangle 25">
+              <a:extLst>
+                <a:ext uri="{FF2B5EF4-FFF2-40B4-BE49-F238E27FC236}">
+                  <a16:creationId xmlns:a16="http://schemas.microsoft.com/office/drawing/2014/main" id="{C00DF66B-601A-4C57-AC68-A80B294EAA2D}"/>
+                </a:ext>
+                <a:ext uri="{C183D7F6-B498-43B3-948B-1728B52AA6E4}">
+                  <adec:decorative xmlns:adec="http://schemas.microsoft.com/office/drawing/2017/decorative" val="1"/>
+                </a:ext>
+              </a:extLst>
+            </p:cNvPr>
+            <p:cNvSpPr/>
+            <p:nvPr>
+              <p:extLst>
+                <p:ext uri="{386F3935-93C4-4BCD-93E2-E3B085C9AB24}">
+                  <p16:designElem xmlns:p16="http://schemas.microsoft.com/office/powerpoint/2015/main" val="1"/>
+                </p:ext>
+              </p:extLst>
+            </p:nvPr>
+          </p:nvSpPr>
+          <p:spPr>
+            <a:xfrm>
+              <a:off x="3979389" y="482171"/>
+              <a:ext cx="7560115" cy="5149101"/>
+            </a:xfrm>
+            <a:prstGeom prst="rect">
+              <a:avLst/>
+            </a:prstGeom>
+            <a:gradFill>
+              <a:gsLst>
+                <a:gs pos="0">
+                  <a:schemeClr val="bg2">
+                    <a:lumMod val="10000"/>
+                  </a:schemeClr>
+                </a:gs>
+                <a:gs pos="100000">
+                  <a:schemeClr val="bg2">
+                    <a:lumMod val="10000"/>
+                  </a:schemeClr>
+                </a:gs>
+              </a:gsLst>
+            </a:gradFill>
+            <a:ln w="76200" cmpd="sng">
+              <a:noFill/>
+              <a:miter lim="800000"/>
+            </a:ln>
+            <a:effectLst>
+              <a:outerShdw blurRad="127000" dist="228600" dir="4740000" sx="98000" sy="98000" algn="tl" rotWithShape="0">
+                <a:srgbClr val="000000">
+                  <a:alpha val="34000"/>
+                </a:srgbClr>
+              </a:outerShdw>
+            </a:effectLst>
+            <a:scene3d>
+              <a:camera prst="orthographicFront"/>
+              <a:lightRig rig="threePt" dir="t"/>
+            </a:scene3d>
+            <a:sp3d prstMaterial="matte">
+              <a:bevelT w="133350" h="50800" prst="divot"/>
+            </a:sp3d>
+          </p:spPr>
+          <p:style>
+            <a:lnRef idx="1">
+              <a:schemeClr val="accent1"/>
+            </a:lnRef>
+            <a:fillRef idx="3">
+              <a:schemeClr val="accent1"/>
+            </a:fillRef>
+            <a:effectRef idx="2">
+              <a:schemeClr val="accent1"/>
+            </a:effectRef>
+            <a:fontRef idx="minor">
+              <a:schemeClr val="lt1"/>
+            </a:fontRef>
+          </p:style>
+          <p:txBody>
+            <a:bodyPr rtlCol="0" anchor="ctr"/>
+            <a:lstStyle/>
+            <a:p>
+              <a:pPr algn="ctr"/>
+              <a:endParaRPr lang="en-US"/>
+            </a:p>
+          </p:txBody>
+        </p:sp>
+        <p:sp>
+          <p:nvSpPr>
+            <p:cNvPr id="27" name="Rectangle 26">
+              <a:extLst>
+                <a:ext uri="{FF2B5EF4-FFF2-40B4-BE49-F238E27FC236}">
+                  <a16:creationId xmlns:a16="http://schemas.microsoft.com/office/drawing/2014/main" id="{2A2E9392-7805-4CAB-8B44-675786FBCAA3}"/>
+                </a:ext>
+                <a:ext uri="{C183D7F6-B498-43B3-948B-1728B52AA6E4}">
+                  <adec:decorative xmlns:adec="http://schemas.microsoft.com/office/drawing/2017/decorative" val="1"/>
+                </a:ext>
+              </a:extLst>
+            </p:cNvPr>
+            <p:cNvSpPr/>
+            <p:nvPr>
+              <p:extLst>
+                <p:ext uri="{386F3935-93C4-4BCD-93E2-E3B085C9AB24}">
+                  <p16:designElem xmlns:p16="http://schemas.microsoft.com/office/powerpoint/2015/main" val="1"/>
+                </p:ext>
+              </p:extLst>
+            </p:nvPr>
+          </p:nvSpPr>
+          <p:spPr>
+            <a:xfrm>
+              <a:off x="4292448" y="812507"/>
+              <a:ext cx="6928279" cy="4466452"/>
+            </a:xfrm>
+            <a:prstGeom prst="rect">
+              <a:avLst/>
+            </a:prstGeom>
+            <a:gradFill>
+              <a:gsLst>
+                <a:gs pos="0">
+                  <a:srgbClr val="DADADA"/>
+                </a:gs>
+                <a:gs pos="100000">
+                  <a:srgbClr val="FFFFFE"/>
+                </a:gs>
+              </a:gsLst>
+              <a:lin ang="16200000" scaled="0"/>
+            </a:gradFill>
+            <a:ln w="50800" cmpd="sng">
+              <a:solidFill>
+                <a:srgbClr val="191919"/>
+              </a:solidFill>
+              <a:miter lim="800000"/>
+            </a:ln>
+            <a:effectLst>
+              <a:innerShdw blurRad="63500" dist="88900" dir="14100000">
+                <a:srgbClr val="000000">
+                  <a:alpha val="30000"/>
+                </a:srgbClr>
+              </a:innerShdw>
+            </a:effectLst>
+            <a:scene3d>
+              <a:camera prst="orthographicFront"/>
+              <a:lightRig rig="threePt" dir="t"/>
+            </a:scene3d>
+            <a:sp3d>
+              <a:bevelT prst="relaxedInset"/>
+            </a:sp3d>
+          </p:spPr>
+          <p:style>
+            <a:lnRef idx="1">
+              <a:schemeClr val="accent1"/>
+            </a:lnRef>
+            <a:fillRef idx="3">
+              <a:schemeClr val="accent1"/>
+            </a:fillRef>
+            <a:effectRef idx="2">
+              <a:schemeClr val="accent1"/>
+            </a:effectRef>
+            <a:fontRef idx="minor">
+              <a:schemeClr val="lt1"/>
+            </a:fontRef>
+          </p:style>
+          <p:txBody>
+            <a:bodyPr rtlCol="0" anchor="ctr"/>
+            <a:lstStyle/>
+            <a:p>
+              <a:pPr algn="ctr"/>
+              <a:endParaRPr lang="en-US"/>
+            </a:p>
+          </p:txBody>
+        </p:sp>
+      </p:grpSp>
       <p:pic>
         <p:nvPicPr>
-          <p:cNvPr id="5" name="Content Placeholder 4">
+          <p:cNvPr id="6" name="Picture 5">
             <a:extLst>
               <a:ext uri="{FF2B5EF4-FFF2-40B4-BE49-F238E27FC236}">
-                <a16:creationId xmlns:a16="http://schemas.microsoft.com/office/drawing/2014/main" id="{319D0C7A-22A3-3CAF-BB89-85B403C116BB}"/>
+                <a16:creationId xmlns:a16="http://schemas.microsoft.com/office/drawing/2014/main" id="{E8EB5CDC-E88A-307D-A2BC-24D5684A31B6}"/>
               </a:ext>
             </a:extLst>
           </p:cNvPr>
           <p:cNvPicPr>
-            <a:picLocks noGrp="1" noChangeAspect="1"/>
+            <a:picLocks noChangeAspect="1"/>
           </p:cNvPicPr>
-          <p:nvPr>
-            <p:ph idx="1"/>
-          </p:nvPr>
+          <p:nvPr/>
         </p:nvPicPr>
-        <p:blipFill>
-          <a:blip r:embed="rId2"/>
-          <a:stretch>
-            <a:fillRect/>
-          </a:stretch>
+        <p:blipFill rotWithShape="1">
+          <a:blip r:embed="rId3"/>
+          <a:srcRect r="-2" b="4964"/>
+          <a:stretch/>
         </p:blipFill>
         <p:spPr>
           <a:xfrm>
-            <a:off x="1311805" y="875886"/>
-            <a:ext cx="7388563" cy="4777726"/>
+            <a:off x="4618374" y="1116345"/>
+            <a:ext cx="6282919" cy="3866172"/>
           </a:xfrm>
+          <a:prstGeom prst="rect">
+            <a:avLst/>
+          </a:prstGeom>
         </p:spPr>
       </p:pic>
+      <p:pic>
+        <p:nvPicPr>
+          <p:cNvPr id="29" name="Picture 28">
+            <a:extLst>
+              <a:ext uri="{FF2B5EF4-FFF2-40B4-BE49-F238E27FC236}">
+                <a16:creationId xmlns:a16="http://schemas.microsoft.com/office/drawing/2014/main" id="{960E8265-B467-4C88-B9B5-9350EB092DA2}"/>
+              </a:ext>
+              <a:ext uri="{C183D7F6-B498-43B3-948B-1728B52AA6E4}">
+                <adec:decorative xmlns:adec="http://schemas.microsoft.com/office/drawing/2017/decorative" val="1"/>
+              </a:ext>
+            </a:extLst>
+          </p:cNvPr>
+          <p:cNvPicPr>
+            <a:picLocks noGrp="1" noRot="1" noChangeAspect="1" noMove="1" noResize="1" noEditPoints="1" noAdjustHandles="1" noChangeArrowheads="1" noChangeShapeType="1" noCrop="1"/>
+          </p:cNvPicPr>
+          <p:nvPr>
+            <p:extLst>
+              <p:ext uri="{386F3935-93C4-4BCD-93E2-E3B085C9AB24}">
+                <p16:designElem xmlns:p16="http://schemas.microsoft.com/office/powerpoint/2015/main" val="1"/>
+              </p:ext>
+            </p:extLst>
+          </p:nvPr>
+        </p:nvPicPr>
+        <p:blipFill rotWithShape="1">
+          <a:blip r:embed="rId2"/>
+          <a:srcRect t="2769" b="-2769"/>
+          <a:stretch/>
+        </p:blipFill>
+        <p:spPr>
+          <a:xfrm>
+            <a:off x="0" y="6135624"/>
+            <a:ext cx="12192000" cy="742950"/>
+          </a:xfrm>
+          <a:prstGeom prst="rect">
+            <a:avLst/>
+          </a:prstGeom>
+        </p:spPr>
+      </p:pic>
+      <p:cxnSp>
+        <p:nvCxnSpPr>
+          <p:cNvPr id="31" name="Straight Connector 30">
+            <a:extLst>
+              <a:ext uri="{FF2B5EF4-FFF2-40B4-BE49-F238E27FC236}">
+                <a16:creationId xmlns:a16="http://schemas.microsoft.com/office/drawing/2014/main" id="{DD4A6FD5-17DF-46E5-9EDA-2AAC70F24DF8}"/>
+              </a:ext>
+              <a:ext uri="{C183D7F6-B498-43B3-948B-1728B52AA6E4}">
+                <adec:decorative xmlns:adec="http://schemas.microsoft.com/office/drawing/2017/decorative" val="1"/>
+              </a:ext>
+            </a:extLst>
+          </p:cNvPr>
+          <p:cNvCxnSpPr>
+            <a:cxnSpLocks noGrp="1" noRot="1" noChangeAspect="1" noMove="1" noResize="1" noEditPoints="1" noAdjustHandles="1" noChangeArrowheads="1" noChangeShapeType="1"/>
+          </p:cNvCxnSpPr>
+          <p:nvPr>
+            <p:extLst>
+              <p:ext uri="{386F3935-93C4-4BCD-93E2-E3B085C9AB24}">
+                <p16:designElem xmlns:p16="http://schemas.microsoft.com/office/powerpoint/2015/main" val="1"/>
+              </p:ext>
+            </p:extLst>
+          </p:nvPr>
+        </p:nvCxnSpPr>
+        <p:spPr>
+          <a:xfrm>
+            <a:off x="0" y="6141705"/>
+            <a:ext cx="12192000" cy="0"/>
+          </a:xfrm>
+          <a:prstGeom prst="line">
+            <a:avLst/>
+          </a:prstGeom>
+          <a:ln w="12700">
+            <a:solidFill>
+              <a:srgbClr val="000001">
+                <a:alpha val="20000"/>
+              </a:srgbClr>
+            </a:solidFill>
+          </a:ln>
+        </p:spPr>
+        <p:style>
+          <a:lnRef idx="1">
+            <a:schemeClr val="accent1"/>
+          </a:lnRef>
+          <a:fillRef idx="0">
+            <a:schemeClr val="accent1"/>
+          </a:fillRef>
+          <a:effectRef idx="0">
+            <a:schemeClr val="accent1"/>
+          </a:effectRef>
+          <a:fontRef idx="minor">
+            <a:schemeClr val="tx1"/>
+          </a:fontRef>
+        </p:style>
+      </p:cxnSp>
     </p:spTree>
     <p:extLst>
       <p:ext uri="{BB962C8B-B14F-4D97-AF65-F5344CB8AC3E}">
@@ -11296,12 +14430,128 @@
   <p:clrMapOvr>
     <a:masterClrMapping/>
   </p:clrMapOvr>
+  <p:timing>
+    <p:tnLst>
+      <p:par>
+        <p:cTn id="1" dur="indefinite" restart="never" nodeType="tmRoot">
+          <p:childTnLst>
+            <p:seq concurrent="1" nextAc="seek">
+              <p:cTn id="2" dur="indefinite" nodeType="mainSeq">
+                <p:childTnLst>
+                  <p:par>
+                    <p:cTn id="3" fill="hold">
+                      <p:stCondLst>
+                        <p:cond delay="indefinite"/>
+                        <p:cond evt="onBegin" delay="0">
+                          <p:tn val="2"/>
+                        </p:cond>
+                      </p:stCondLst>
+                      <p:childTnLst>
+                        <p:par>
+                          <p:cTn id="4" fill="hold">
+                            <p:stCondLst>
+                              <p:cond delay="0"/>
+                            </p:stCondLst>
+                            <p:childTnLst>
+                              <p:par>
+                                <p:cTn id="5" presetID="10" presetClass="entr" presetSubtype="0" fill="hold" grpId="0" nodeType="withEffect">
+                                  <p:stCondLst>
+                                    <p:cond delay="1000"/>
+                                  </p:stCondLst>
+                                  <p:iterate>
+                                    <p:tmPct val="10000"/>
+                                  </p:iterate>
+                                  <p:childTnLst>
+                                    <p:set>
+                                      <p:cBhvr>
+                                        <p:cTn id="6" dur="1" fill="hold">
+                                          <p:stCondLst>
+                                            <p:cond delay="0"/>
+                                          </p:stCondLst>
+                                        </p:cTn>
+                                        <p:tgtEl>
+                                          <p:spTgt spid="2"/>
+                                        </p:tgtEl>
+                                        <p:attrNameLst>
+                                          <p:attrName>style.visibility</p:attrName>
+                                        </p:attrNameLst>
+                                      </p:cBhvr>
+                                      <p:to>
+                                        <p:strVal val="visible"/>
+                                      </p:to>
+                                    </p:set>
+                                    <p:animEffect transition="in" filter="fade">
+                                      <p:cBhvr>
+                                        <p:cTn id="7" dur="700"/>
+                                        <p:tgtEl>
+                                          <p:spTgt spid="2"/>
+                                        </p:tgtEl>
+                                      </p:cBhvr>
+                                    </p:animEffect>
+                                  </p:childTnLst>
+                                </p:cTn>
+                              </p:par>
+                            </p:childTnLst>
+                          </p:cTn>
+                        </p:par>
+                      </p:childTnLst>
+                    </p:cTn>
+                  </p:par>
+                </p:childTnLst>
+              </p:cTn>
+              <p:prevCondLst>
+                <p:cond evt="onPrev" delay="0">
+                  <p:tgtEl>
+                    <p:sldTgt/>
+                  </p:tgtEl>
+                </p:cond>
+              </p:prevCondLst>
+              <p:nextCondLst>
+                <p:cond evt="onNext" delay="0">
+                  <p:tgtEl>
+                    <p:sldTgt/>
+                  </p:tgtEl>
+                </p:cond>
+              </p:nextCondLst>
+            </p:seq>
+          </p:childTnLst>
+        </p:cTn>
+      </p:par>
+    </p:tnLst>
+    <p:bldLst>
+      <p:bldP spid="2" grpId="0"/>
+    </p:bldLst>
+  </p:timing>
 </p:sld>
 </file>
 
 <file path=ppt/slides/slide7.xml><?xml version="1.0" encoding="utf-8"?>
 <p:sld xmlns:a="http://schemas.openxmlformats.org/drawingml/2006/main" xmlns:r="http://schemas.openxmlformats.org/officeDocument/2006/relationships" xmlns:p="http://schemas.openxmlformats.org/presentationml/2006/main">
   <p:cSld>
+    <p:bg>
+      <p:bgPr>
+        <a:gradFill rotWithShape="1">
+          <a:gsLst>
+            <a:gs pos="0">
+              <a:schemeClr val="bg2">
+                <a:tint val="94000"/>
+                <a:satMod val="80000"/>
+                <a:lumMod val="106000"/>
+              </a:schemeClr>
+            </a:gs>
+            <a:gs pos="100000">
+              <a:schemeClr val="bg2">
+                <a:shade val="80000"/>
+              </a:schemeClr>
+            </a:gs>
+          </a:gsLst>
+          <a:path path="circle">
+            <a:fillToRect l="43000" r="43000" b="100000"/>
+          </a:path>
+        </a:gradFill>
+        <a:effectLst/>
+      </p:bgPr>
+    </p:bg>
     <p:spTree>
       <p:nvGrpSpPr>
         <p:cNvPr id="1" name=""/>
@@ -11318,6 +14568,359 @@
       </p:grpSpPr>
       <p:sp>
         <p:nvSpPr>
+          <p:cNvPr id="39" name="Rectangle 38">
+            <a:extLst>
+              <a:ext uri="{FF2B5EF4-FFF2-40B4-BE49-F238E27FC236}">
+                <a16:creationId xmlns:a16="http://schemas.microsoft.com/office/drawing/2014/main" id="{1034510A-DB30-456D-9F45-F70101243FCB}"/>
+              </a:ext>
+              <a:ext uri="{C183D7F6-B498-43B3-948B-1728B52AA6E4}">
+                <adec:decorative xmlns:adec="http://schemas.microsoft.com/office/drawing/2017/decorative" val="1"/>
+              </a:ext>
+            </a:extLst>
+          </p:cNvPr>
+          <p:cNvSpPr>
+            <a:spLocks noGrp="1" noRot="1" noChangeAspect="1" noMove="1" noResize="1" noEditPoints="1" noAdjustHandles="1" noChangeArrowheads="1" noChangeShapeType="1" noTextEdit="1"/>
+          </p:cNvSpPr>
+          <p:nvPr>
+            <p:extLst>
+              <p:ext uri="{386F3935-93C4-4BCD-93E2-E3B085C9AB24}">
+                <p16:designElem xmlns:p16="http://schemas.microsoft.com/office/powerpoint/2015/main" val="1"/>
+              </p:ext>
+            </p:extLst>
+          </p:nvPr>
+        </p:nvSpPr>
+        <p:spPr>
+          <a:xfrm>
+            <a:off x="0" y="2015732"/>
+            <a:ext cx="12192000" cy="4118829"/>
+          </a:xfrm>
+          <a:prstGeom prst="rect">
+            <a:avLst/>
+          </a:prstGeom>
+          <a:gradFill flip="none" rotWithShape="1">
+            <a:gsLst>
+              <a:gs pos="0">
+                <a:schemeClr val="bg2">
+                  <a:alpha val="0"/>
+                </a:schemeClr>
+              </a:gs>
+              <a:gs pos="100000">
+                <a:schemeClr val="bg2"/>
+              </a:gs>
+            </a:gsLst>
+            <a:lin ang="5400000" scaled="0"/>
+            <a:tileRect/>
+          </a:gradFill>
+          <a:ln>
+            <a:noFill/>
+          </a:ln>
+        </p:spPr>
+        <p:style>
+          <a:lnRef idx="2">
+            <a:schemeClr val="accent1">
+              <a:shade val="50000"/>
+            </a:schemeClr>
+          </a:lnRef>
+          <a:fillRef idx="1">
+            <a:schemeClr val="accent1"/>
+          </a:fillRef>
+          <a:effectRef idx="0">
+            <a:schemeClr val="accent1"/>
+          </a:effectRef>
+          <a:fontRef idx="minor">
+            <a:schemeClr val="lt1"/>
+          </a:fontRef>
+        </p:style>
+        <p:txBody>
+          <a:bodyPr/>
+          <a:lstStyle/>
+          <a:p>
+            <a:endParaRPr lang="en-US"/>
+          </a:p>
+        </p:txBody>
+      </p:sp>
+      <p:pic>
+        <p:nvPicPr>
+          <p:cNvPr id="41" name="Picture 40">
+            <a:extLst>
+              <a:ext uri="{FF2B5EF4-FFF2-40B4-BE49-F238E27FC236}">
+                <a16:creationId xmlns:a16="http://schemas.microsoft.com/office/drawing/2014/main" id="{D9E3E4AB-D495-4E09-86D0-3C3F1CD33C2A}"/>
+              </a:ext>
+              <a:ext uri="{C183D7F6-B498-43B3-948B-1728B52AA6E4}">
+                <adec:decorative xmlns:adec="http://schemas.microsoft.com/office/drawing/2017/decorative" val="1"/>
+              </a:ext>
+            </a:extLst>
+          </p:cNvPr>
+          <p:cNvPicPr>
+            <a:picLocks noGrp="1" noRot="1" noChangeAspect="1" noMove="1" noResize="1" noEditPoints="1" noAdjustHandles="1" noChangeArrowheads="1" noChangeShapeType="1" noCrop="1"/>
+          </p:cNvPicPr>
+          <p:nvPr>
+            <p:extLst>
+              <p:ext uri="{386F3935-93C4-4BCD-93E2-E3B085C9AB24}">
+                <p16:designElem xmlns:p16="http://schemas.microsoft.com/office/powerpoint/2015/main" val="1"/>
+              </p:ext>
+            </p:extLst>
+          </p:nvPr>
+        </p:nvPicPr>
+        <p:blipFill rotWithShape="1">
+          <a:blip r:embed="rId2"/>
+          <a:srcRect t="2769" b="-2769"/>
+          <a:stretch/>
+        </p:blipFill>
+        <p:spPr>
+          <a:xfrm>
+            <a:off x="0" y="6135624"/>
+            <a:ext cx="12192000" cy="742950"/>
+          </a:xfrm>
+          <a:prstGeom prst="rect">
+            <a:avLst/>
+          </a:prstGeom>
+        </p:spPr>
+      </p:pic>
+      <p:cxnSp>
+        <p:nvCxnSpPr>
+          <p:cNvPr id="43" name="Straight Connector 42">
+            <a:extLst>
+              <a:ext uri="{FF2B5EF4-FFF2-40B4-BE49-F238E27FC236}">
+                <a16:creationId xmlns:a16="http://schemas.microsoft.com/office/drawing/2014/main" id="{59D48945-BEE9-473E-9443-A1CE317E2D69}"/>
+              </a:ext>
+              <a:ext uri="{C183D7F6-B498-43B3-948B-1728B52AA6E4}">
+                <adec:decorative xmlns:adec="http://schemas.microsoft.com/office/drawing/2017/decorative" val="1"/>
+              </a:ext>
+            </a:extLst>
+          </p:cNvPr>
+          <p:cNvCxnSpPr>
+            <a:cxnSpLocks noGrp="1" noRot="1" noChangeAspect="1" noMove="1" noResize="1" noEditPoints="1" noAdjustHandles="1" noChangeArrowheads="1" noChangeShapeType="1"/>
+          </p:cNvCxnSpPr>
+          <p:nvPr>
+            <p:extLst>
+              <p:ext uri="{386F3935-93C4-4BCD-93E2-E3B085C9AB24}">
+                <p16:designElem xmlns:p16="http://schemas.microsoft.com/office/powerpoint/2015/main" val="1"/>
+              </p:ext>
+            </p:extLst>
+          </p:nvPr>
+        </p:nvCxnSpPr>
+        <p:spPr>
+          <a:xfrm>
+            <a:off x="0" y="6141705"/>
+            <a:ext cx="12192000" cy="0"/>
+          </a:xfrm>
+          <a:prstGeom prst="line">
+            <a:avLst/>
+          </a:prstGeom>
+          <a:ln w="12700">
+            <a:solidFill>
+              <a:srgbClr val="000001">
+                <a:alpha val="20000"/>
+              </a:srgbClr>
+            </a:solidFill>
+          </a:ln>
+        </p:spPr>
+        <p:style>
+          <a:lnRef idx="1">
+            <a:schemeClr val="accent1"/>
+          </a:lnRef>
+          <a:fillRef idx="0">
+            <a:schemeClr val="accent1"/>
+          </a:fillRef>
+          <a:effectRef idx="0">
+            <a:schemeClr val="accent1"/>
+          </a:effectRef>
+          <a:fontRef idx="minor">
+            <a:schemeClr val="tx1"/>
+          </a:fontRef>
+        </p:style>
+      </p:cxnSp>
+      <p:cxnSp>
+        <p:nvCxnSpPr>
+          <p:cNvPr id="45" name="Straight Connector 44">
+            <a:extLst>
+              <a:ext uri="{FF2B5EF4-FFF2-40B4-BE49-F238E27FC236}">
+                <a16:creationId xmlns:a16="http://schemas.microsoft.com/office/drawing/2014/main" id="{2DD6752A-2411-44BF-8C92-DF55B95F3ACA}"/>
+              </a:ext>
+              <a:ext uri="{C183D7F6-B498-43B3-948B-1728B52AA6E4}">
+                <adec:decorative xmlns:adec="http://schemas.microsoft.com/office/drawing/2017/decorative" val="1"/>
+              </a:ext>
+            </a:extLst>
+          </p:cNvPr>
+          <p:cNvCxnSpPr>
+            <a:cxnSpLocks noGrp="1" noRot="1" noChangeAspect="1" noMove="1" noResize="1" noEditPoints="1" noAdjustHandles="1" noChangeArrowheads="1" noChangeShapeType="1"/>
+          </p:cNvCxnSpPr>
+          <p:nvPr>
+            <p:extLst>
+              <p:ext uri="{386F3935-93C4-4BCD-93E2-E3B085C9AB24}">
+                <p16:designElem xmlns:p16="http://schemas.microsoft.com/office/powerpoint/2015/main" val="1"/>
+              </p:ext>
+            </p:extLst>
+          </p:nvPr>
+        </p:nvCxnSpPr>
+        <p:spPr>
+          <a:xfrm>
+            <a:off x="2334637" y="798973"/>
+            <a:ext cx="0" cy="2544756"/>
+          </a:xfrm>
+          <a:prstGeom prst="line">
+            <a:avLst/>
+          </a:prstGeom>
+          <a:ln w="38100" cmpd="sng">
+            <a:solidFill>
+              <a:schemeClr val="accent1"/>
+            </a:solidFill>
+            <a:prstDash val="solid"/>
+            <a:tailEnd type="none"/>
+          </a:ln>
+        </p:spPr>
+        <p:style>
+          <a:lnRef idx="3">
+            <a:schemeClr val="accent1"/>
+          </a:lnRef>
+          <a:fillRef idx="0">
+            <a:schemeClr val="accent1"/>
+          </a:fillRef>
+          <a:effectRef idx="2">
+            <a:schemeClr val="accent1"/>
+          </a:effectRef>
+          <a:fontRef idx="minor">
+            <a:schemeClr val="tx1"/>
+          </a:fontRef>
+        </p:style>
+      </p:cxnSp>
+      <p:sp useBgFill="1">
+        <p:nvSpPr>
+          <p:cNvPr id="47" name="Rectangle 46">
+            <a:extLst>
+              <a:ext uri="{FF2B5EF4-FFF2-40B4-BE49-F238E27FC236}">
+                <a16:creationId xmlns:a16="http://schemas.microsoft.com/office/drawing/2014/main" id="{B73AC2FE-07C1-46A1-BB32-2364A2ED7879}"/>
+              </a:ext>
+              <a:ext uri="{C183D7F6-B498-43B3-948B-1728B52AA6E4}">
+                <adec:decorative xmlns:adec="http://schemas.microsoft.com/office/drawing/2017/decorative" val="1"/>
+              </a:ext>
+            </a:extLst>
+          </p:cNvPr>
+          <p:cNvSpPr>
+            <a:spLocks noGrp="1" noRot="1" noChangeAspect="1" noMove="1" noResize="1" noEditPoints="1" noAdjustHandles="1" noChangeArrowheads="1" noChangeShapeType="1" noTextEdit="1"/>
+          </p:cNvSpPr>
+          <p:nvPr>
+            <p:extLst>
+              <p:ext uri="{386F3935-93C4-4BCD-93E2-E3B085C9AB24}">
+                <p16:designElem xmlns:p16="http://schemas.microsoft.com/office/powerpoint/2015/main" val="1"/>
+              </p:ext>
+            </p:extLst>
+          </p:nvPr>
+        </p:nvSpPr>
+        <p:spPr>
+          <a:xfrm>
+            <a:off x="2" y="0"/>
+            <a:ext cx="12191695" cy="6858000"/>
+          </a:xfrm>
+          <a:prstGeom prst="rect">
+            <a:avLst/>
+          </a:prstGeom>
+          <a:ln>
+            <a:noFill/>
+          </a:ln>
+        </p:spPr>
+        <p:style>
+          <a:lnRef idx="2">
+            <a:schemeClr val="accent1">
+              <a:shade val="50000"/>
+            </a:schemeClr>
+          </a:lnRef>
+          <a:fillRef idx="1">
+            <a:schemeClr val="accent1"/>
+          </a:fillRef>
+          <a:effectRef idx="0">
+            <a:schemeClr val="accent1"/>
+          </a:effectRef>
+          <a:fontRef idx="minor">
+            <a:schemeClr val="lt1"/>
+          </a:fontRef>
+        </p:style>
+        <p:txBody>
+          <a:bodyPr rtlCol="0" anchor="ctr"/>
+          <a:lstStyle/>
+          <a:p>
+            <a:pPr algn="ctr"/>
+            <a:endParaRPr lang="en-US"/>
+          </a:p>
+        </p:txBody>
+      </p:sp>
+      <p:sp>
+        <p:nvSpPr>
+          <p:cNvPr id="49" name="Rectangle 48">
+            <a:extLst>
+              <a:ext uri="{FF2B5EF4-FFF2-40B4-BE49-F238E27FC236}">
+                <a16:creationId xmlns:a16="http://schemas.microsoft.com/office/drawing/2014/main" id="{C9520B73-57CF-4733-8E69-379E600E8B53}"/>
+              </a:ext>
+              <a:ext uri="{C183D7F6-B498-43B3-948B-1728B52AA6E4}">
+                <adec:decorative xmlns:adec="http://schemas.microsoft.com/office/drawing/2017/decorative" val="1"/>
+              </a:ext>
+            </a:extLst>
+          </p:cNvPr>
+          <p:cNvSpPr>
+            <a:spLocks noGrp="1" noRot="1" noChangeAspect="1" noMove="1" noResize="1" noEditPoints="1" noAdjustHandles="1" noChangeArrowheads="1" noChangeShapeType="1" noTextEdit="1"/>
+          </p:cNvSpPr>
+          <p:nvPr>
+            <p:extLst>
+              <p:ext uri="{386F3935-93C4-4BCD-93E2-E3B085C9AB24}">
+                <p16:designElem xmlns:p16="http://schemas.microsoft.com/office/powerpoint/2015/main" val="1"/>
+              </p:ext>
+            </p:extLst>
+          </p:nvPr>
+        </p:nvSpPr>
+        <p:spPr>
+          <a:xfrm>
+            <a:off x="0" y="2015732"/>
+            <a:ext cx="12192000" cy="4118829"/>
+          </a:xfrm>
+          <a:prstGeom prst="rect">
+            <a:avLst/>
+          </a:prstGeom>
+          <a:gradFill flip="none" rotWithShape="1">
+            <a:gsLst>
+              <a:gs pos="0">
+                <a:schemeClr val="bg2">
+                  <a:alpha val="0"/>
+                </a:schemeClr>
+              </a:gs>
+              <a:gs pos="100000">
+                <a:schemeClr val="bg2"/>
+              </a:gs>
+            </a:gsLst>
+            <a:lin ang="5400000" scaled="0"/>
+            <a:tileRect/>
+          </a:gradFill>
+          <a:ln>
+            <a:noFill/>
+          </a:ln>
+        </p:spPr>
+        <p:style>
+          <a:lnRef idx="2">
+            <a:schemeClr val="accent1">
+              <a:shade val="50000"/>
+            </a:schemeClr>
+          </a:lnRef>
+          <a:fillRef idx="1">
+            <a:schemeClr val="accent1"/>
+          </a:fillRef>
+          <a:effectRef idx="0">
+            <a:schemeClr val="accent1"/>
+          </a:effectRef>
+          <a:fontRef idx="minor">
+            <a:schemeClr val="lt1"/>
+          </a:fontRef>
+        </p:style>
+        <p:txBody>
+          <a:bodyPr rtlCol="0" anchor="ctr"/>
+          <a:lstStyle/>
+          <a:p>
+            <a:pPr lvl="0" algn="ctr"/>
+            <a:endParaRPr lang="en-US"/>
+          </a:p>
+        </p:txBody>
+      </p:sp>
+      <p:sp>
+        <p:nvSpPr>
           <p:cNvPr id="2" name="Title 1">
             <a:extLst>
               <a:ext uri="{FF2B5EF4-FFF2-40B4-BE49-F238E27FC236}">
@@ -11334,52 +14937,399 @@
         </p:nvSpPr>
         <p:spPr>
           <a:xfrm>
-            <a:off x="838200" y="365125"/>
-            <a:ext cx="4795982" cy="503093"/>
+            <a:off x="659301" y="1474969"/>
+            <a:ext cx="2823919" cy="1868760"/>
           </a:xfrm>
         </p:spPr>
         <p:txBody>
-          <a:bodyPr>
-            <a:normAutofit fontScale="90000"/>
+          <a:bodyPr vert="horz" lIns="91440" tIns="45720" rIns="91440" bIns="0" rtlCol="0" anchor="b">
+            <a:normAutofit/>
           </a:bodyPr>
           <a:lstStyle/>
           <a:p>
             <a:r>
-              <a:rPr lang="en-US" dirty="0"/>
+              <a:rPr lang="en-US" sz="3600"/>
               <a:t>Correlation Matrix</a:t>
             </a:r>
           </a:p>
         </p:txBody>
       </p:sp>
+      <p:cxnSp>
+        <p:nvCxnSpPr>
+          <p:cNvPr id="51" name="Straight Connector 50">
+            <a:extLst>
+              <a:ext uri="{FF2B5EF4-FFF2-40B4-BE49-F238E27FC236}">
+                <a16:creationId xmlns:a16="http://schemas.microsoft.com/office/drawing/2014/main" id="{6B51175B-2BEE-4C31-A61D-53448C067FC7}"/>
+              </a:ext>
+              <a:ext uri="{C183D7F6-B498-43B3-948B-1728B52AA6E4}">
+                <adec:decorative xmlns:adec="http://schemas.microsoft.com/office/drawing/2017/decorative" val="1"/>
+              </a:ext>
+            </a:extLst>
+          </p:cNvPr>
+          <p:cNvCxnSpPr>
+            <a:cxnSpLocks noGrp="1" noRot="1" noChangeAspect="1" noMove="1" noResize="1" noEditPoints="1" noAdjustHandles="1" noChangeArrowheads="1" noChangeShapeType="1"/>
+          </p:cNvCxnSpPr>
+          <p:nvPr>
+            <p:extLst>
+              <p:ext uri="{386F3935-93C4-4BCD-93E2-E3B085C9AB24}">
+                <p16:designElem xmlns:p16="http://schemas.microsoft.com/office/powerpoint/2015/main" val="1"/>
+              </p:ext>
+            </p:extLst>
+          </p:nvPr>
+        </p:nvCxnSpPr>
+        <p:spPr>
+          <a:xfrm>
+            <a:off x="490988" y="807259"/>
+            <a:ext cx="0" cy="2544756"/>
+          </a:xfrm>
+          <a:prstGeom prst="line">
+            <a:avLst/>
+          </a:prstGeom>
+          <a:ln w="38100" cmpd="sng">
+            <a:solidFill>
+              <a:schemeClr val="accent1"/>
+            </a:solidFill>
+            <a:prstDash val="solid"/>
+            <a:tailEnd type="none"/>
+          </a:ln>
+        </p:spPr>
+        <p:style>
+          <a:lnRef idx="3">
+            <a:schemeClr val="accent1"/>
+          </a:lnRef>
+          <a:fillRef idx="0">
+            <a:schemeClr val="accent1"/>
+          </a:fillRef>
+          <a:effectRef idx="2">
+            <a:schemeClr val="accent1"/>
+          </a:effectRef>
+          <a:fontRef idx="minor">
+            <a:schemeClr val="tx1"/>
+          </a:fontRef>
+        </p:style>
+      </p:cxnSp>
+      <p:grpSp>
+        <p:nvGrpSpPr>
+          <p:cNvPr id="53" name="Group 52">
+            <a:extLst>
+              <a:ext uri="{FF2B5EF4-FFF2-40B4-BE49-F238E27FC236}">
+                <a16:creationId xmlns:a16="http://schemas.microsoft.com/office/drawing/2014/main" id="{43CD49F1-982C-4FBE-AF42-13E6BABE844A}"/>
+              </a:ext>
+              <a:ext uri="{C183D7F6-B498-43B3-948B-1728B52AA6E4}">
+                <adec:decorative xmlns:adec="http://schemas.microsoft.com/office/drawing/2017/decorative" val="1"/>
+              </a:ext>
+            </a:extLst>
+          </p:cNvPr>
+          <p:cNvGrpSpPr>
+            <a:grpSpLocks noGrp="1" noUngrp="1" noRot="1" noChangeAspect="1" noMove="1" noResize="1"/>
+          </p:cNvGrpSpPr>
+          <p:nvPr>
+            <p:extLst>
+              <p:ext uri="{386F3935-93C4-4BCD-93E2-E3B085C9AB24}">
+                <p16:designElem xmlns:p16="http://schemas.microsoft.com/office/powerpoint/2015/main" val="1"/>
+              </p:ext>
+            </p:extLst>
+          </p:nvPr>
+        </p:nvGrpSpPr>
+        <p:grpSpPr>
+          <a:xfrm>
+            <a:off x="3979389" y="482171"/>
+            <a:ext cx="7560115" cy="5149101"/>
+            <a:chOff x="3979389" y="482171"/>
+            <a:chExt cx="7560115" cy="5149101"/>
+          </a:xfrm>
+        </p:grpSpPr>
+        <p:sp>
+          <p:nvSpPr>
+            <p:cNvPr id="54" name="Rectangle 53">
+              <a:extLst>
+                <a:ext uri="{FF2B5EF4-FFF2-40B4-BE49-F238E27FC236}">
+                  <a16:creationId xmlns:a16="http://schemas.microsoft.com/office/drawing/2014/main" id="{C00DF66B-601A-4C57-AC68-A80B294EAA2D}"/>
+                </a:ext>
+                <a:ext uri="{C183D7F6-B498-43B3-948B-1728B52AA6E4}">
+                  <adec:decorative xmlns:adec="http://schemas.microsoft.com/office/drawing/2017/decorative" val="1"/>
+                </a:ext>
+              </a:extLst>
+            </p:cNvPr>
+            <p:cNvSpPr/>
+            <p:nvPr>
+              <p:extLst>
+                <p:ext uri="{386F3935-93C4-4BCD-93E2-E3B085C9AB24}">
+                  <p16:designElem xmlns:p16="http://schemas.microsoft.com/office/powerpoint/2015/main" val="1"/>
+                </p:ext>
+              </p:extLst>
+            </p:nvPr>
+          </p:nvSpPr>
+          <p:spPr>
+            <a:xfrm>
+              <a:off x="3979389" y="482171"/>
+              <a:ext cx="7560115" cy="5149101"/>
+            </a:xfrm>
+            <a:prstGeom prst="rect">
+              <a:avLst/>
+            </a:prstGeom>
+            <a:gradFill>
+              <a:gsLst>
+                <a:gs pos="0">
+                  <a:schemeClr val="bg2">
+                    <a:lumMod val="10000"/>
+                  </a:schemeClr>
+                </a:gs>
+                <a:gs pos="100000">
+                  <a:schemeClr val="bg2">
+                    <a:lumMod val="10000"/>
+                  </a:schemeClr>
+                </a:gs>
+              </a:gsLst>
+            </a:gradFill>
+            <a:ln w="76200" cmpd="sng">
+              <a:noFill/>
+              <a:miter lim="800000"/>
+            </a:ln>
+            <a:effectLst>
+              <a:outerShdw blurRad="127000" dist="228600" dir="4740000" sx="98000" sy="98000" algn="tl" rotWithShape="0">
+                <a:srgbClr val="000000">
+                  <a:alpha val="34000"/>
+                </a:srgbClr>
+              </a:outerShdw>
+            </a:effectLst>
+            <a:scene3d>
+              <a:camera prst="orthographicFront"/>
+              <a:lightRig rig="threePt" dir="t"/>
+            </a:scene3d>
+            <a:sp3d prstMaterial="matte">
+              <a:bevelT w="133350" h="50800" prst="divot"/>
+            </a:sp3d>
+          </p:spPr>
+          <p:style>
+            <a:lnRef idx="1">
+              <a:schemeClr val="accent1"/>
+            </a:lnRef>
+            <a:fillRef idx="3">
+              <a:schemeClr val="accent1"/>
+            </a:fillRef>
+            <a:effectRef idx="2">
+              <a:schemeClr val="accent1"/>
+            </a:effectRef>
+            <a:fontRef idx="minor">
+              <a:schemeClr val="lt1"/>
+            </a:fontRef>
+          </p:style>
+          <p:txBody>
+            <a:bodyPr rtlCol="0" anchor="ctr"/>
+            <a:lstStyle/>
+            <a:p>
+              <a:pPr algn="ctr"/>
+              <a:endParaRPr lang="en-US"/>
+            </a:p>
+          </p:txBody>
+        </p:sp>
+        <p:sp>
+          <p:nvSpPr>
+            <p:cNvPr id="55" name="Rectangle 54">
+              <a:extLst>
+                <a:ext uri="{FF2B5EF4-FFF2-40B4-BE49-F238E27FC236}">
+                  <a16:creationId xmlns:a16="http://schemas.microsoft.com/office/drawing/2014/main" id="{2A2E9392-7805-4CAB-8B44-675786FBCAA3}"/>
+                </a:ext>
+                <a:ext uri="{C183D7F6-B498-43B3-948B-1728B52AA6E4}">
+                  <adec:decorative xmlns:adec="http://schemas.microsoft.com/office/drawing/2017/decorative" val="1"/>
+                </a:ext>
+              </a:extLst>
+            </p:cNvPr>
+            <p:cNvSpPr/>
+            <p:nvPr>
+              <p:extLst>
+                <p:ext uri="{386F3935-93C4-4BCD-93E2-E3B085C9AB24}">
+                  <p16:designElem xmlns:p16="http://schemas.microsoft.com/office/powerpoint/2015/main" val="1"/>
+                </p:ext>
+              </p:extLst>
+            </p:nvPr>
+          </p:nvSpPr>
+          <p:spPr>
+            <a:xfrm>
+              <a:off x="4292448" y="812507"/>
+              <a:ext cx="6928279" cy="4466452"/>
+            </a:xfrm>
+            <a:prstGeom prst="rect">
+              <a:avLst/>
+            </a:prstGeom>
+            <a:gradFill>
+              <a:gsLst>
+                <a:gs pos="0">
+                  <a:srgbClr val="DADADA"/>
+                </a:gs>
+                <a:gs pos="100000">
+                  <a:srgbClr val="FFFFFE"/>
+                </a:gs>
+              </a:gsLst>
+              <a:lin ang="16200000" scaled="0"/>
+            </a:gradFill>
+            <a:ln w="50800" cmpd="sng">
+              <a:solidFill>
+                <a:srgbClr val="191919"/>
+              </a:solidFill>
+              <a:miter lim="800000"/>
+            </a:ln>
+            <a:effectLst>
+              <a:innerShdw blurRad="63500" dist="88900" dir="14100000">
+                <a:srgbClr val="000000">
+                  <a:alpha val="30000"/>
+                </a:srgbClr>
+              </a:innerShdw>
+            </a:effectLst>
+            <a:scene3d>
+              <a:camera prst="orthographicFront"/>
+              <a:lightRig rig="threePt" dir="t"/>
+            </a:scene3d>
+            <a:sp3d>
+              <a:bevelT prst="relaxedInset"/>
+            </a:sp3d>
+          </p:spPr>
+          <p:style>
+            <a:lnRef idx="1">
+              <a:schemeClr val="accent1"/>
+            </a:lnRef>
+            <a:fillRef idx="3">
+              <a:schemeClr val="accent1"/>
+            </a:fillRef>
+            <a:effectRef idx="2">
+              <a:schemeClr val="accent1"/>
+            </a:effectRef>
+            <a:fontRef idx="minor">
+              <a:schemeClr val="lt1"/>
+            </a:fontRef>
+          </p:style>
+          <p:txBody>
+            <a:bodyPr rtlCol="0" anchor="ctr"/>
+            <a:lstStyle/>
+            <a:p>
+              <a:pPr algn="ctr"/>
+              <a:endParaRPr lang="en-US"/>
+            </a:p>
+          </p:txBody>
+        </p:sp>
+      </p:grpSp>
       <p:pic>
         <p:nvPicPr>
-          <p:cNvPr id="5" name="Content Placeholder 4">
+          <p:cNvPr id="9" name="Picture 8">
             <a:extLst>
               <a:ext uri="{FF2B5EF4-FFF2-40B4-BE49-F238E27FC236}">
-                <a16:creationId xmlns:a16="http://schemas.microsoft.com/office/drawing/2014/main" id="{35BAA949-86BA-A9D9-ED04-E844023FF5B0}"/>
+                <a16:creationId xmlns:a16="http://schemas.microsoft.com/office/drawing/2014/main" id="{17AA9376-1B20-1DD5-81CA-D5AFDE211108}"/>
               </a:ext>
             </a:extLst>
           </p:cNvPr>
           <p:cNvPicPr>
-            <a:picLocks noGrp="1" noChangeAspect="1"/>
+            <a:picLocks noChangeAspect="1"/>
           </p:cNvPicPr>
-          <p:nvPr>
-            <p:ph idx="1"/>
-          </p:nvPr>
+          <p:nvPr/>
         </p:nvPicPr>
-        <p:blipFill>
-          <a:blip r:embed="rId2"/>
-          <a:stretch>
-            <a:fillRect/>
-          </a:stretch>
+        <p:blipFill rotWithShape="1">
+          <a:blip r:embed="rId3"/>
+          <a:srcRect r="-2" b="19032"/>
+          <a:stretch/>
         </p:blipFill>
         <p:spPr>
           <a:xfrm>
-            <a:off x="1293963" y="868218"/>
-            <a:ext cx="7306574" cy="4907385"/>
+            <a:off x="4618374" y="1116345"/>
+            <a:ext cx="6282919" cy="3866172"/>
           </a:xfrm>
+          <a:prstGeom prst="rect">
+            <a:avLst/>
+          </a:prstGeom>
         </p:spPr>
       </p:pic>
+      <p:pic>
+        <p:nvPicPr>
+          <p:cNvPr id="57" name="Picture 56">
+            <a:extLst>
+              <a:ext uri="{FF2B5EF4-FFF2-40B4-BE49-F238E27FC236}">
+                <a16:creationId xmlns:a16="http://schemas.microsoft.com/office/drawing/2014/main" id="{960E8265-B467-4C88-B9B5-9350EB092DA2}"/>
+              </a:ext>
+              <a:ext uri="{C183D7F6-B498-43B3-948B-1728B52AA6E4}">
+                <adec:decorative xmlns:adec="http://schemas.microsoft.com/office/drawing/2017/decorative" val="1"/>
+              </a:ext>
+            </a:extLst>
+          </p:cNvPr>
+          <p:cNvPicPr>
+            <a:picLocks noGrp="1" noRot="1" noChangeAspect="1" noMove="1" noResize="1" noEditPoints="1" noAdjustHandles="1" noChangeArrowheads="1" noChangeShapeType="1" noCrop="1"/>
+          </p:cNvPicPr>
+          <p:nvPr>
+            <p:extLst>
+              <p:ext uri="{386F3935-93C4-4BCD-93E2-E3B085C9AB24}">
+                <p16:designElem xmlns:p16="http://schemas.microsoft.com/office/powerpoint/2015/main" val="1"/>
+              </p:ext>
+            </p:extLst>
+          </p:nvPr>
+        </p:nvPicPr>
+        <p:blipFill rotWithShape="1">
+          <a:blip r:embed="rId2"/>
+          <a:srcRect t="2769" b="-2769"/>
+          <a:stretch/>
+        </p:blipFill>
+        <p:spPr>
+          <a:xfrm>
+            <a:off x="0" y="6135624"/>
+            <a:ext cx="12192000" cy="742950"/>
+          </a:xfrm>
+          <a:prstGeom prst="rect">
+            <a:avLst/>
+          </a:prstGeom>
+        </p:spPr>
+      </p:pic>
+      <p:cxnSp>
+        <p:nvCxnSpPr>
+          <p:cNvPr id="59" name="Straight Connector 58">
+            <a:extLst>
+              <a:ext uri="{FF2B5EF4-FFF2-40B4-BE49-F238E27FC236}">
+                <a16:creationId xmlns:a16="http://schemas.microsoft.com/office/drawing/2014/main" id="{DD4A6FD5-17DF-46E5-9EDA-2AAC70F24DF8}"/>
+              </a:ext>
+              <a:ext uri="{C183D7F6-B498-43B3-948B-1728B52AA6E4}">
+                <adec:decorative xmlns:adec="http://schemas.microsoft.com/office/drawing/2017/decorative" val="1"/>
+              </a:ext>
+            </a:extLst>
+          </p:cNvPr>
+          <p:cNvCxnSpPr>
+            <a:cxnSpLocks noGrp="1" noRot="1" noChangeAspect="1" noMove="1" noResize="1" noEditPoints="1" noAdjustHandles="1" noChangeArrowheads="1" noChangeShapeType="1"/>
+          </p:cNvCxnSpPr>
+          <p:nvPr>
+            <p:extLst>
+              <p:ext uri="{386F3935-93C4-4BCD-93E2-E3B085C9AB24}">
+                <p16:designElem xmlns:p16="http://schemas.microsoft.com/office/powerpoint/2015/main" val="1"/>
+              </p:ext>
+            </p:extLst>
+          </p:nvPr>
+        </p:nvCxnSpPr>
+        <p:spPr>
+          <a:xfrm>
+            <a:off x="0" y="6141705"/>
+            <a:ext cx="12192000" cy="0"/>
+          </a:xfrm>
+          <a:prstGeom prst="line">
+            <a:avLst/>
+          </a:prstGeom>
+          <a:ln w="12700">
+            <a:solidFill>
+              <a:srgbClr val="000001">
+                <a:alpha val="20000"/>
+              </a:srgbClr>
+            </a:solidFill>
+          </a:ln>
+        </p:spPr>
+        <p:style>
+          <a:lnRef idx="1">
+            <a:schemeClr val="accent1"/>
+          </a:lnRef>
+          <a:fillRef idx="0">
+            <a:schemeClr val="accent1"/>
+          </a:fillRef>
+          <a:effectRef idx="0">
+            <a:schemeClr val="accent1"/>
+          </a:effectRef>
+          <a:fontRef idx="minor">
+            <a:schemeClr val="tx1"/>
+          </a:fontRef>
+        </p:style>
+      </p:cxnSp>
     </p:spTree>
     <p:extLst>
       <p:ext uri="{BB962C8B-B14F-4D97-AF65-F5344CB8AC3E}">
@@ -11390,6 +15340,98 @@
   <p:clrMapOvr>
     <a:masterClrMapping/>
   </p:clrMapOvr>
+  <p:timing>
+    <p:tnLst>
+      <p:par>
+        <p:cTn id="1" dur="indefinite" restart="never" nodeType="tmRoot">
+          <p:childTnLst>
+            <p:seq concurrent="1" nextAc="seek">
+              <p:cTn id="2" dur="indefinite" nodeType="mainSeq">
+                <p:childTnLst>
+                  <p:par>
+                    <p:cTn id="3" fill="hold">
+                      <p:stCondLst>
+                        <p:cond delay="indefinite"/>
+                        <p:cond evt="onBegin" delay="0">
+                          <p:tn val="2"/>
+                        </p:cond>
+                      </p:stCondLst>
+                      <p:childTnLst>
+                        <p:par>
+                          <p:cTn id="4" fill="hold">
+                            <p:stCondLst>
+                              <p:cond delay="0"/>
+                            </p:stCondLst>
+                            <p:childTnLst>
+                              <p:par>
+                                <p:cTn id="5" presetID="10" presetClass="entr" presetSubtype="0" fill="hold" grpId="0" nodeType="withEffect">
+                                  <p:stCondLst>
+                                    <p:cond delay="1000"/>
+                                  </p:stCondLst>
+                                  <p:iterate>
+                                    <p:tmPct val="10000"/>
+                                  </p:iterate>
+                                  <p:childTnLst>
+                                    <p:set>
+                                      <p:cBhvr>
+                                        <p:cTn id="6" dur="1" fill="hold">
+                                          <p:stCondLst>
+                                            <p:cond delay="0"/>
+                                          </p:stCondLst>
+                                        </p:cTn>
+                                        <p:tgtEl>
+                                          <p:spTgt spid="2"/>
+                                        </p:tgtEl>
+                                        <p:attrNameLst>
+                                          <p:attrName>style.visibility</p:attrName>
+                                        </p:attrNameLst>
+                                      </p:cBhvr>
+                                      <p:to>
+                                        <p:strVal val="visible"/>
+                                      </p:to>
+                                    </p:set>
+                                    <p:animEffect transition="in" filter="fade">
+                                      <p:cBhvr>
+                                        <p:cTn id="7" dur="700"/>
+                                        <p:tgtEl>
+                                          <p:spTgt spid="2"/>
+                                        </p:tgtEl>
+                                      </p:cBhvr>
+                                    </p:animEffect>
+                                  </p:childTnLst>
+                                </p:cTn>
+                              </p:par>
+                            </p:childTnLst>
+                          </p:cTn>
+                        </p:par>
+                      </p:childTnLst>
+                    </p:cTn>
+                  </p:par>
+                </p:childTnLst>
+              </p:cTn>
+              <p:prevCondLst>
+                <p:cond evt="onPrev" delay="0">
+                  <p:tgtEl>
+                    <p:sldTgt/>
+                  </p:tgtEl>
+                </p:cond>
+              </p:prevCondLst>
+              <p:nextCondLst>
+                <p:cond evt="onNext" delay="0">
+                  <p:tgtEl>
+                    <p:sldTgt/>
+                  </p:tgtEl>
+                </p:cond>
+              </p:nextCondLst>
+            </p:seq>
+          </p:childTnLst>
+        </p:cTn>
+      </p:par>
+    </p:tnLst>
+    <p:bldLst>
+      <p:bldP spid="2" grpId="0"/>
+    </p:bldLst>
+  </p:timing>
 </p:sld>
 </file>
 
@@ -11851,6 +15893,30 @@
 <file path=ppt/slides/slide9.xml><?xml version="1.0" encoding="utf-8"?>
 <p:sld xmlns:a="http://schemas.openxmlformats.org/drawingml/2006/main" xmlns:r="http://schemas.openxmlformats.org/officeDocument/2006/relationships" xmlns:p="http://schemas.openxmlformats.org/presentationml/2006/main">
   <p:cSld>
+    <p:bg>
+      <p:bgPr>
+        <a:gradFill rotWithShape="1">
+          <a:gsLst>
+            <a:gs pos="0">
+              <a:schemeClr val="bg2">
+                <a:tint val="94000"/>
+                <a:satMod val="80000"/>
+                <a:lumMod val="106000"/>
+              </a:schemeClr>
+            </a:gs>
+            <a:gs pos="100000">
+              <a:schemeClr val="bg2">
+                <a:shade val="80000"/>
+              </a:schemeClr>
+            </a:gs>
+          </a:gsLst>
+          <a:path path="circle">
+            <a:fillToRect l="43000" r="43000" b="100000"/>
+          </a:path>
+        </a:gradFill>
+        <a:effectLst/>
+      </p:bgPr>
+    </p:bg>
     <p:spTree>
       <p:nvGrpSpPr>
         <p:cNvPr id="1" name=""/>
@@ -11867,6 +15933,359 @@
       </p:grpSpPr>
       <p:sp>
         <p:nvSpPr>
+          <p:cNvPr id="6" name="Rectangle 8">
+            <a:extLst>
+              <a:ext uri="{FF2B5EF4-FFF2-40B4-BE49-F238E27FC236}">
+                <a16:creationId xmlns:a16="http://schemas.microsoft.com/office/drawing/2014/main" id="{DB56CED6-ACD4-43B1-BE53-1B579E8C6EFB}"/>
+              </a:ext>
+              <a:ext uri="{C183D7F6-B498-43B3-948B-1728B52AA6E4}">
+                <adec:decorative xmlns:adec="http://schemas.microsoft.com/office/drawing/2017/decorative" val="1"/>
+              </a:ext>
+            </a:extLst>
+          </p:cNvPr>
+          <p:cNvSpPr>
+            <a:spLocks noGrp="1" noRot="1" noChangeAspect="1" noMove="1" noResize="1" noEditPoints="1" noAdjustHandles="1" noChangeArrowheads="1" noChangeShapeType="1" noTextEdit="1"/>
+          </p:cNvSpPr>
+          <p:nvPr>
+            <p:extLst>
+              <p:ext uri="{386F3935-93C4-4BCD-93E2-E3B085C9AB24}">
+                <p16:designElem xmlns:p16="http://schemas.microsoft.com/office/powerpoint/2015/main" val="1"/>
+              </p:ext>
+            </p:extLst>
+          </p:nvPr>
+        </p:nvSpPr>
+        <p:spPr>
+          <a:xfrm>
+            <a:off x="0" y="2015732"/>
+            <a:ext cx="12192000" cy="4118829"/>
+          </a:xfrm>
+          <a:prstGeom prst="rect">
+            <a:avLst/>
+          </a:prstGeom>
+          <a:gradFill flip="none" rotWithShape="1">
+            <a:gsLst>
+              <a:gs pos="0">
+                <a:schemeClr val="bg2">
+                  <a:alpha val="0"/>
+                </a:schemeClr>
+              </a:gs>
+              <a:gs pos="100000">
+                <a:schemeClr val="bg2"/>
+              </a:gs>
+            </a:gsLst>
+            <a:lin ang="5400000" scaled="0"/>
+            <a:tileRect/>
+          </a:gradFill>
+          <a:ln>
+            <a:noFill/>
+          </a:ln>
+        </p:spPr>
+        <p:style>
+          <a:lnRef idx="2">
+            <a:schemeClr val="accent1">
+              <a:shade val="50000"/>
+            </a:schemeClr>
+          </a:lnRef>
+          <a:fillRef idx="1">
+            <a:schemeClr val="accent1"/>
+          </a:fillRef>
+          <a:effectRef idx="0">
+            <a:schemeClr val="accent1"/>
+          </a:effectRef>
+          <a:fontRef idx="minor">
+            <a:schemeClr val="lt1"/>
+          </a:fontRef>
+        </p:style>
+        <p:txBody>
+          <a:bodyPr/>
+          <a:lstStyle/>
+          <a:p>
+            <a:endParaRPr lang="en-US"/>
+          </a:p>
+        </p:txBody>
+      </p:sp>
+      <p:pic>
+        <p:nvPicPr>
+          <p:cNvPr id="11" name="Picture 10">
+            <a:extLst>
+              <a:ext uri="{FF2B5EF4-FFF2-40B4-BE49-F238E27FC236}">
+                <a16:creationId xmlns:a16="http://schemas.microsoft.com/office/drawing/2014/main" id="{5B451061-F85B-40DB-92DA-1FD61C70C3F0}"/>
+              </a:ext>
+              <a:ext uri="{C183D7F6-B498-43B3-948B-1728B52AA6E4}">
+                <adec:decorative xmlns:adec="http://schemas.microsoft.com/office/drawing/2017/decorative" val="1"/>
+              </a:ext>
+            </a:extLst>
+          </p:cNvPr>
+          <p:cNvPicPr>
+            <a:picLocks noGrp="1" noRot="1" noChangeAspect="1" noMove="1" noResize="1" noEditPoints="1" noAdjustHandles="1" noChangeArrowheads="1" noChangeShapeType="1" noCrop="1"/>
+          </p:cNvPicPr>
+          <p:nvPr>
+            <p:extLst>
+              <p:ext uri="{386F3935-93C4-4BCD-93E2-E3B085C9AB24}">
+                <p16:designElem xmlns:p16="http://schemas.microsoft.com/office/powerpoint/2015/main" val="1"/>
+              </p:ext>
+            </p:extLst>
+          </p:nvPr>
+        </p:nvPicPr>
+        <p:blipFill rotWithShape="1">
+          <a:blip r:embed="rId2"/>
+          <a:srcRect t="2769" b="-2769"/>
+          <a:stretch/>
+        </p:blipFill>
+        <p:spPr>
+          <a:xfrm>
+            <a:off x="0" y="6135624"/>
+            <a:ext cx="12192000" cy="742950"/>
+          </a:xfrm>
+          <a:prstGeom prst="rect">
+            <a:avLst/>
+          </a:prstGeom>
+        </p:spPr>
+      </p:pic>
+      <p:cxnSp>
+        <p:nvCxnSpPr>
+          <p:cNvPr id="13" name="Straight Connector 12">
+            <a:extLst>
+              <a:ext uri="{FF2B5EF4-FFF2-40B4-BE49-F238E27FC236}">
+                <a16:creationId xmlns:a16="http://schemas.microsoft.com/office/drawing/2014/main" id="{D1F836F1-51D4-4090-8E0D-97877F036097}"/>
+              </a:ext>
+              <a:ext uri="{C183D7F6-B498-43B3-948B-1728B52AA6E4}">
+                <adec:decorative xmlns:adec="http://schemas.microsoft.com/office/drawing/2017/decorative" val="1"/>
+              </a:ext>
+            </a:extLst>
+          </p:cNvPr>
+          <p:cNvCxnSpPr>
+            <a:cxnSpLocks noGrp="1" noRot="1" noChangeAspect="1" noMove="1" noResize="1" noEditPoints="1" noAdjustHandles="1" noChangeArrowheads="1" noChangeShapeType="1"/>
+          </p:cNvCxnSpPr>
+          <p:nvPr>
+            <p:extLst>
+              <p:ext uri="{386F3935-93C4-4BCD-93E2-E3B085C9AB24}">
+                <p16:designElem xmlns:p16="http://schemas.microsoft.com/office/powerpoint/2015/main" val="1"/>
+              </p:ext>
+            </p:extLst>
+          </p:nvPr>
+        </p:nvCxnSpPr>
+        <p:spPr>
+          <a:xfrm>
+            <a:off x="0" y="6141705"/>
+            <a:ext cx="12192000" cy="0"/>
+          </a:xfrm>
+          <a:prstGeom prst="line">
+            <a:avLst/>
+          </a:prstGeom>
+          <a:ln w="12700">
+            <a:solidFill>
+              <a:srgbClr val="000001">
+                <a:alpha val="20000"/>
+              </a:srgbClr>
+            </a:solidFill>
+          </a:ln>
+        </p:spPr>
+        <p:style>
+          <a:lnRef idx="1">
+            <a:schemeClr val="accent1"/>
+          </a:lnRef>
+          <a:fillRef idx="0">
+            <a:schemeClr val="accent1"/>
+          </a:fillRef>
+          <a:effectRef idx="0">
+            <a:schemeClr val="accent1"/>
+          </a:effectRef>
+          <a:fontRef idx="minor">
+            <a:schemeClr val="tx1"/>
+          </a:fontRef>
+        </p:style>
+      </p:cxnSp>
+      <p:cxnSp>
+        <p:nvCxnSpPr>
+          <p:cNvPr id="15" name="Straight Connector 14">
+            <a:extLst>
+              <a:ext uri="{FF2B5EF4-FFF2-40B4-BE49-F238E27FC236}">
+                <a16:creationId xmlns:a16="http://schemas.microsoft.com/office/drawing/2014/main" id="{CDE33292-50BA-4AED-A315-7A6ADB4B100C}"/>
+              </a:ext>
+              <a:ext uri="{C183D7F6-B498-43B3-948B-1728B52AA6E4}">
+                <adec:decorative xmlns:adec="http://schemas.microsoft.com/office/drawing/2017/decorative" val="1"/>
+              </a:ext>
+            </a:extLst>
+          </p:cNvPr>
+          <p:cNvCxnSpPr>
+            <a:cxnSpLocks noGrp="1" noRot="1" noChangeAspect="1" noMove="1" noResize="1" noEditPoints="1" noAdjustHandles="1" noChangeArrowheads="1" noChangeShapeType="1"/>
+          </p:cNvCxnSpPr>
+          <p:nvPr>
+            <p:extLst>
+              <p:ext uri="{386F3935-93C4-4BCD-93E2-E3B085C9AB24}">
+                <p16:designElem xmlns:p16="http://schemas.microsoft.com/office/powerpoint/2015/main" val="1"/>
+              </p:ext>
+            </p:extLst>
+          </p:nvPr>
+        </p:nvCxnSpPr>
+        <p:spPr>
+          <a:xfrm>
+            <a:off x="2334637" y="798973"/>
+            <a:ext cx="0" cy="2544756"/>
+          </a:xfrm>
+          <a:prstGeom prst="line">
+            <a:avLst/>
+          </a:prstGeom>
+          <a:ln w="38100" cmpd="sng">
+            <a:solidFill>
+              <a:schemeClr val="accent1"/>
+            </a:solidFill>
+            <a:prstDash val="solid"/>
+            <a:tailEnd type="none"/>
+          </a:ln>
+        </p:spPr>
+        <p:style>
+          <a:lnRef idx="3">
+            <a:schemeClr val="accent1"/>
+          </a:lnRef>
+          <a:fillRef idx="0">
+            <a:schemeClr val="accent1"/>
+          </a:fillRef>
+          <a:effectRef idx="2">
+            <a:schemeClr val="accent1"/>
+          </a:effectRef>
+          <a:fontRef idx="minor">
+            <a:schemeClr val="tx1"/>
+          </a:fontRef>
+        </p:style>
+      </p:cxnSp>
+      <p:sp useBgFill="1">
+        <p:nvSpPr>
+          <p:cNvPr id="17" name="Rectangle 16">
+            <a:extLst>
+              <a:ext uri="{FF2B5EF4-FFF2-40B4-BE49-F238E27FC236}">
+                <a16:creationId xmlns:a16="http://schemas.microsoft.com/office/drawing/2014/main" id="{FE93A4E5-9844-4C94-BE97-92EDCA2EB00A}"/>
+              </a:ext>
+              <a:ext uri="{C183D7F6-B498-43B3-948B-1728B52AA6E4}">
+                <adec:decorative xmlns:adec="http://schemas.microsoft.com/office/drawing/2017/decorative" val="1"/>
+              </a:ext>
+            </a:extLst>
+          </p:cNvPr>
+          <p:cNvSpPr>
+            <a:spLocks noGrp="1" noRot="1" noChangeAspect="1" noMove="1" noResize="1" noEditPoints="1" noAdjustHandles="1" noChangeArrowheads="1" noChangeShapeType="1" noTextEdit="1"/>
+          </p:cNvSpPr>
+          <p:nvPr>
+            <p:extLst>
+              <p:ext uri="{386F3935-93C4-4BCD-93E2-E3B085C9AB24}">
+                <p16:designElem xmlns:p16="http://schemas.microsoft.com/office/powerpoint/2015/main" val="1"/>
+              </p:ext>
+            </p:extLst>
+          </p:nvPr>
+        </p:nvSpPr>
+        <p:spPr>
+          <a:xfrm>
+            <a:off x="2" y="0"/>
+            <a:ext cx="12191695" cy="6858000"/>
+          </a:xfrm>
+          <a:prstGeom prst="rect">
+            <a:avLst/>
+          </a:prstGeom>
+          <a:ln>
+            <a:noFill/>
+          </a:ln>
+        </p:spPr>
+        <p:style>
+          <a:lnRef idx="2">
+            <a:schemeClr val="accent1">
+              <a:shade val="50000"/>
+            </a:schemeClr>
+          </a:lnRef>
+          <a:fillRef idx="1">
+            <a:schemeClr val="accent1"/>
+          </a:fillRef>
+          <a:effectRef idx="0">
+            <a:schemeClr val="accent1"/>
+          </a:effectRef>
+          <a:fontRef idx="minor">
+            <a:schemeClr val="lt1"/>
+          </a:fontRef>
+        </p:style>
+        <p:txBody>
+          <a:bodyPr rtlCol="0" anchor="ctr"/>
+          <a:lstStyle/>
+          <a:p>
+            <a:pPr algn="ctr"/>
+            <a:endParaRPr lang="en-US"/>
+          </a:p>
+        </p:txBody>
+      </p:sp>
+      <p:sp>
+        <p:nvSpPr>
+          <p:cNvPr id="19" name="Rectangle 18">
+            <a:extLst>
+              <a:ext uri="{FF2B5EF4-FFF2-40B4-BE49-F238E27FC236}">
+                <a16:creationId xmlns:a16="http://schemas.microsoft.com/office/drawing/2014/main" id="{652113E9-B822-4FC0-9815-D9FD422C4C58}"/>
+              </a:ext>
+              <a:ext uri="{C183D7F6-B498-43B3-948B-1728B52AA6E4}">
+                <adec:decorative xmlns:adec="http://schemas.microsoft.com/office/drawing/2017/decorative" val="1"/>
+              </a:ext>
+            </a:extLst>
+          </p:cNvPr>
+          <p:cNvSpPr>
+            <a:spLocks noGrp="1" noRot="1" noChangeAspect="1" noMove="1" noResize="1" noEditPoints="1" noAdjustHandles="1" noChangeArrowheads="1" noChangeShapeType="1" noTextEdit="1"/>
+          </p:cNvSpPr>
+          <p:nvPr>
+            <p:extLst>
+              <p:ext uri="{386F3935-93C4-4BCD-93E2-E3B085C9AB24}">
+                <p16:designElem xmlns:p16="http://schemas.microsoft.com/office/powerpoint/2015/main" val="1"/>
+              </p:ext>
+            </p:extLst>
+          </p:nvPr>
+        </p:nvSpPr>
+        <p:spPr>
+          <a:xfrm>
+            <a:off x="0" y="2015732"/>
+            <a:ext cx="12192000" cy="4118829"/>
+          </a:xfrm>
+          <a:prstGeom prst="rect">
+            <a:avLst/>
+          </a:prstGeom>
+          <a:gradFill flip="none" rotWithShape="1">
+            <a:gsLst>
+              <a:gs pos="0">
+                <a:schemeClr val="bg2">
+                  <a:alpha val="0"/>
+                </a:schemeClr>
+              </a:gs>
+              <a:gs pos="100000">
+                <a:schemeClr val="bg2"/>
+              </a:gs>
+            </a:gsLst>
+            <a:lin ang="5400000" scaled="0"/>
+            <a:tileRect/>
+          </a:gradFill>
+          <a:ln>
+            <a:noFill/>
+          </a:ln>
+        </p:spPr>
+        <p:style>
+          <a:lnRef idx="2">
+            <a:schemeClr val="accent1">
+              <a:shade val="50000"/>
+            </a:schemeClr>
+          </a:lnRef>
+          <a:fillRef idx="1">
+            <a:schemeClr val="accent1"/>
+          </a:fillRef>
+          <a:effectRef idx="0">
+            <a:schemeClr val="accent1"/>
+          </a:effectRef>
+          <a:fontRef idx="minor">
+            <a:schemeClr val="lt1"/>
+          </a:fontRef>
+        </p:style>
+        <p:txBody>
+          <a:bodyPr rtlCol="0" anchor="ctr"/>
+          <a:lstStyle/>
+          <a:p>
+            <a:pPr lvl="0" algn="ctr"/>
+            <a:endParaRPr lang="en-US"/>
+          </a:p>
+        </p:txBody>
+      </p:sp>
+      <p:sp>
+        <p:nvSpPr>
           <p:cNvPr id="2" name="Title 1">
             <a:extLst>
               <a:ext uri="{FF2B5EF4-FFF2-40B4-BE49-F238E27FC236}">
@@ -11883,27 +16302,349 @@
         </p:nvSpPr>
         <p:spPr>
           <a:xfrm>
-            <a:off x="838200" y="365126"/>
-            <a:ext cx="10515600" cy="891020"/>
+            <a:off x="659301" y="1474969"/>
+            <a:ext cx="2823919" cy="1868760"/>
           </a:xfrm>
         </p:spPr>
         <p:txBody>
-          <a:bodyPr/>
+          <a:bodyPr vert="horz" lIns="91440" tIns="45720" rIns="91440" bIns="0" rtlCol="0" anchor="b">
+            <a:normAutofit/>
+          </a:bodyPr>
           <a:lstStyle/>
           <a:p>
             <a:r>
-              <a:rPr lang="en-US" dirty="0"/>
+              <a:rPr lang="en-US" sz="3300"/>
               <a:t>Models performance-Accuracy score metrics</a:t>
             </a:r>
           </a:p>
         </p:txBody>
       </p:sp>
+      <p:cxnSp>
+        <p:nvCxnSpPr>
+          <p:cNvPr id="21" name="Straight Connector 20">
+            <a:extLst>
+              <a:ext uri="{FF2B5EF4-FFF2-40B4-BE49-F238E27FC236}">
+                <a16:creationId xmlns:a16="http://schemas.microsoft.com/office/drawing/2014/main" id="{54CC25F9-2E48-48AB-8BC0-F5F264549FBE}"/>
+              </a:ext>
+              <a:ext uri="{C183D7F6-B498-43B3-948B-1728B52AA6E4}">
+                <adec:decorative xmlns:adec="http://schemas.microsoft.com/office/drawing/2017/decorative" val="1"/>
+              </a:ext>
+            </a:extLst>
+          </p:cNvPr>
+          <p:cNvCxnSpPr>
+            <a:cxnSpLocks noGrp="1" noRot="1" noChangeAspect="1" noMove="1" noResize="1" noEditPoints="1" noAdjustHandles="1" noChangeArrowheads="1" noChangeShapeType="1"/>
+          </p:cNvCxnSpPr>
+          <p:nvPr>
+            <p:extLst>
+              <p:ext uri="{386F3935-93C4-4BCD-93E2-E3B085C9AB24}">
+                <p16:designElem xmlns:p16="http://schemas.microsoft.com/office/powerpoint/2015/main" val="1"/>
+              </p:ext>
+            </p:extLst>
+          </p:nvPr>
+        </p:nvCxnSpPr>
+        <p:spPr>
+          <a:xfrm>
+            <a:off x="490988" y="807259"/>
+            <a:ext cx="0" cy="2544756"/>
+          </a:xfrm>
+          <a:prstGeom prst="line">
+            <a:avLst/>
+          </a:prstGeom>
+          <a:ln w="38100" cmpd="sng">
+            <a:solidFill>
+              <a:schemeClr val="accent1"/>
+            </a:solidFill>
+            <a:prstDash val="solid"/>
+            <a:tailEnd type="none"/>
+          </a:ln>
+        </p:spPr>
+        <p:style>
+          <a:lnRef idx="3">
+            <a:schemeClr val="accent1"/>
+          </a:lnRef>
+          <a:fillRef idx="0">
+            <a:schemeClr val="accent1"/>
+          </a:fillRef>
+          <a:effectRef idx="2">
+            <a:schemeClr val="accent1"/>
+          </a:effectRef>
+          <a:fontRef idx="minor">
+            <a:schemeClr val="tx1"/>
+          </a:fontRef>
+        </p:style>
+      </p:cxnSp>
+      <p:grpSp>
+        <p:nvGrpSpPr>
+          <p:cNvPr id="23" name="Group 22">
+            <a:extLst>
+              <a:ext uri="{FF2B5EF4-FFF2-40B4-BE49-F238E27FC236}">
+                <a16:creationId xmlns:a16="http://schemas.microsoft.com/office/drawing/2014/main" id="{28665850-0FEB-436B-AD92-E1873CA4C046}"/>
+              </a:ext>
+              <a:ext uri="{C183D7F6-B498-43B3-948B-1728B52AA6E4}">
+                <adec:decorative xmlns:adec="http://schemas.microsoft.com/office/drawing/2017/decorative" val="1"/>
+              </a:ext>
+            </a:extLst>
+          </p:cNvPr>
+          <p:cNvGrpSpPr>
+            <a:grpSpLocks noGrp="1" noUngrp="1" noRot="1" noChangeAspect="1" noMove="1" noResize="1"/>
+          </p:cNvGrpSpPr>
+          <p:nvPr>
+            <p:extLst>
+              <p:ext uri="{386F3935-93C4-4BCD-93E2-E3B085C9AB24}">
+                <p16:designElem xmlns:p16="http://schemas.microsoft.com/office/powerpoint/2015/main" val="1"/>
+              </p:ext>
+            </p:extLst>
+          </p:nvPr>
+        </p:nvGrpSpPr>
+        <p:grpSpPr>
+          <a:xfrm>
+            <a:off x="3979389" y="482171"/>
+            <a:ext cx="7560115" cy="5149101"/>
+            <a:chOff x="3979389" y="482171"/>
+            <a:chExt cx="7560115" cy="5149101"/>
+          </a:xfrm>
+        </p:grpSpPr>
+        <p:sp>
+          <p:nvSpPr>
+            <p:cNvPr id="24" name="Rectangle 23">
+              <a:extLst>
+                <a:ext uri="{FF2B5EF4-FFF2-40B4-BE49-F238E27FC236}">
+                  <a16:creationId xmlns:a16="http://schemas.microsoft.com/office/drawing/2014/main" id="{29497226-2365-4B3B-9781-1EA8B98DB110}"/>
+                </a:ext>
+                <a:ext uri="{C183D7F6-B498-43B3-948B-1728B52AA6E4}">
+                  <adec:decorative xmlns:adec="http://schemas.microsoft.com/office/drawing/2017/decorative" val="1"/>
+                </a:ext>
+              </a:extLst>
+            </p:cNvPr>
+            <p:cNvSpPr/>
+            <p:nvPr>
+              <p:extLst>
+                <p:ext uri="{386F3935-93C4-4BCD-93E2-E3B085C9AB24}">
+                  <p16:designElem xmlns:p16="http://schemas.microsoft.com/office/powerpoint/2015/main" val="1"/>
+                </p:ext>
+              </p:extLst>
+            </p:nvPr>
+          </p:nvSpPr>
+          <p:spPr>
+            <a:xfrm>
+              <a:off x="3979389" y="482171"/>
+              <a:ext cx="7560115" cy="5149101"/>
+            </a:xfrm>
+            <a:prstGeom prst="rect">
+              <a:avLst/>
+            </a:prstGeom>
+            <a:gradFill>
+              <a:gsLst>
+                <a:gs pos="0">
+                  <a:schemeClr val="bg2">
+                    <a:lumMod val="10000"/>
+                  </a:schemeClr>
+                </a:gs>
+                <a:gs pos="100000">
+                  <a:schemeClr val="bg2">
+                    <a:lumMod val="10000"/>
+                  </a:schemeClr>
+                </a:gs>
+              </a:gsLst>
+            </a:gradFill>
+            <a:ln w="76200" cmpd="sng">
+              <a:noFill/>
+              <a:miter lim="800000"/>
+            </a:ln>
+            <a:effectLst>
+              <a:outerShdw blurRad="127000" dist="228600" dir="4740000" sx="98000" sy="98000" algn="tl" rotWithShape="0">
+                <a:srgbClr val="000000">
+                  <a:alpha val="34000"/>
+                </a:srgbClr>
+              </a:outerShdw>
+            </a:effectLst>
+            <a:scene3d>
+              <a:camera prst="orthographicFront"/>
+              <a:lightRig rig="threePt" dir="t"/>
+            </a:scene3d>
+            <a:sp3d prstMaterial="matte">
+              <a:bevelT w="133350" h="50800" prst="divot"/>
+            </a:sp3d>
+          </p:spPr>
+          <p:style>
+            <a:lnRef idx="1">
+              <a:schemeClr val="accent1"/>
+            </a:lnRef>
+            <a:fillRef idx="3">
+              <a:schemeClr val="accent1"/>
+            </a:fillRef>
+            <a:effectRef idx="2">
+              <a:schemeClr val="accent1"/>
+            </a:effectRef>
+            <a:fontRef idx="minor">
+              <a:schemeClr val="lt1"/>
+            </a:fontRef>
+          </p:style>
+          <p:txBody>
+            <a:bodyPr rtlCol="0" anchor="ctr"/>
+            <a:lstStyle/>
+            <a:p>
+              <a:pPr algn="ctr"/>
+              <a:endParaRPr lang="en-US"/>
+            </a:p>
+          </p:txBody>
+        </p:sp>
+        <p:sp>
+          <p:nvSpPr>
+            <p:cNvPr id="25" name="Rectangle 24">
+              <a:extLst>
+                <a:ext uri="{FF2B5EF4-FFF2-40B4-BE49-F238E27FC236}">
+                  <a16:creationId xmlns:a16="http://schemas.microsoft.com/office/drawing/2014/main" id="{5863181C-F135-428D-88EE-BDA1BF33E054}"/>
+                </a:ext>
+                <a:ext uri="{C183D7F6-B498-43B3-948B-1728B52AA6E4}">
+                  <adec:decorative xmlns:adec="http://schemas.microsoft.com/office/drawing/2017/decorative" val="1"/>
+                </a:ext>
+              </a:extLst>
+            </p:cNvPr>
+            <p:cNvSpPr/>
+            <p:nvPr>
+              <p:extLst>
+                <p:ext uri="{386F3935-93C4-4BCD-93E2-E3B085C9AB24}">
+                  <p16:designElem xmlns:p16="http://schemas.microsoft.com/office/powerpoint/2015/main" val="1"/>
+                </p:ext>
+              </p:extLst>
+            </p:nvPr>
+          </p:nvSpPr>
+          <p:spPr>
+            <a:xfrm>
+              <a:off x="4292448" y="812507"/>
+              <a:ext cx="6928279" cy="4466452"/>
+            </a:xfrm>
+            <a:prstGeom prst="rect">
+              <a:avLst/>
+            </a:prstGeom>
+            <a:gradFill>
+              <a:gsLst>
+                <a:gs pos="0">
+                  <a:srgbClr val="DADADA"/>
+                </a:gs>
+                <a:gs pos="100000">
+                  <a:srgbClr val="FFFFFE"/>
+                </a:gs>
+              </a:gsLst>
+              <a:lin ang="16200000" scaled="0"/>
+            </a:gradFill>
+            <a:ln w="50800" cmpd="sng">
+              <a:solidFill>
+                <a:srgbClr val="191919"/>
+              </a:solidFill>
+              <a:miter lim="800000"/>
+            </a:ln>
+            <a:effectLst>
+              <a:innerShdw blurRad="63500" dist="88900" dir="14100000">
+                <a:srgbClr val="000000">
+                  <a:alpha val="30000"/>
+                </a:srgbClr>
+              </a:innerShdw>
+            </a:effectLst>
+            <a:scene3d>
+              <a:camera prst="orthographicFront"/>
+              <a:lightRig rig="threePt" dir="t"/>
+            </a:scene3d>
+            <a:sp3d>
+              <a:bevelT prst="relaxedInset"/>
+            </a:sp3d>
+          </p:spPr>
+          <p:style>
+            <a:lnRef idx="1">
+              <a:schemeClr val="accent1"/>
+            </a:lnRef>
+            <a:fillRef idx="3">
+              <a:schemeClr val="accent1"/>
+            </a:fillRef>
+            <a:effectRef idx="2">
+              <a:schemeClr val="accent1"/>
+            </a:effectRef>
+            <a:fontRef idx="minor">
+              <a:schemeClr val="lt1"/>
+            </a:fontRef>
+          </p:style>
+          <p:txBody>
+            <a:bodyPr rtlCol="0" anchor="ctr"/>
+            <a:lstStyle/>
+            <a:p>
+              <a:pPr algn="ctr"/>
+              <a:endParaRPr lang="en-US"/>
+            </a:p>
+          </p:txBody>
+        </p:sp>
+      </p:grpSp>
+      <p:sp>
+        <p:nvSpPr>
+          <p:cNvPr id="27" name="Rectangle 26">
+            <a:extLst>
+              <a:ext uri="{FF2B5EF4-FFF2-40B4-BE49-F238E27FC236}">
+                <a16:creationId xmlns:a16="http://schemas.microsoft.com/office/drawing/2014/main" id="{FFBBF4E2-8D2F-43D2-865D-87F0B3ED06B8}"/>
+              </a:ext>
+              <a:ext uri="{C183D7F6-B498-43B3-948B-1728B52AA6E4}">
+                <adec:decorative xmlns:adec="http://schemas.microsoft.com/office/drawing/2017/decorative" val="1"/>
+              </a:ext>
+            </a:extLst>
+          </p:cNvPr>
+          <p:cNvSpPr>
+            <a:spLocks noGrp="1" noRot="1" noChangeAspect="1" noMove="1" noResize="1" noEditPoints="1" noAdjustHandles="1" noChangeArrowheads="1" noChangeShapeType="1" noTextEdit="1"/>
+          </p:cNvSpPr>
+          <p:nvPr>
+            <p:extLst>
+              <p:ext uri="{386F3935-93C4-4BCD-93E2-E3B085C9AB24}">
+                <p16:designElem xmlns:p16="http://schemas.microsoft.com/office/powerpoint/2015/main" val="1"/>
+              </p:ext>
+            </p:extLst>
+          </p:nvPr>
+        </p:nvSpPr>
+        <p:spPr>
+          <a:xfrm>
+            <a:off x="4455871" y="977099"/>
+            <a:ext cx="6621291" cy="4136205"/>
+          </a:xfrm>
+          <a:prstGeom prst="rect">
+            <a:avLst/>
+          </a:prstGeom>
+          <a:solidFill>
+            <a:srgbClr val="FFFFFE"/>
+          </a:solidFill>
+          <a:ln w="6350">
+            <a:solidFill>
+              <a:schemeClr val="bg2"/>
+            </a:solidFill>
+          </a:ln>
+        </p:spPr>
+        <p:style>
+          <a:lnRef idx="2">
+            <a:schemeClr val="accent1">
+              <a:shade val="50000"/>
+            </a:schemeClr>
+          </a:lnRef>
+          <a:fillRef idx="1">
+            <a:schemeClr val="accent1"/>
+          </a:fillRef>
+          <a:effectRef idx="0">
+            <a:schemeClr val="accent1"/>
+          </a:effectRef>
+          <a:fontRef idx="minor">
+            <a:schemeClr val="lt1"/>
+          </a:fontRef>
+        </p:style>
+        <p:txBody>
+          <a:bodyPr rtlCol="0" anchor="ctr"/>
+          <a:lstStyle/>
+          <a:p>
+            <a:pPr algn="ctr"/>
+            <a:endParaRPr lang="en-US"/>
+          </a:p>
+        </p:txBody>
+      </p:sp>
       <p:pic>
         <p:nvPicPr>
-          <p:cNvPr id="9" name="Picture 8">
+          <p:cNvPr id="4" name="Picture 3">
             <a:extLst>
               <a:ext uri="{FF2B5EF4-FFF2-40B4-BE49-F238E27FC236}">
-                <a16:creationId xmlns:a16="http://schemas.microsoft.com/office/drawing/2014/main" id="{E998229D-D11A-BDCB-E5ED-8C33278860E3}"/>
+                <a16:creationId xmlns:a16="http://schemas.microsoft.com/office/drawing/2014/main" id="{C3E139E5-6FC2-B33F-FCD6-EF997D523F2E}"/>
               </a:ext>
             </a:extLst>
           </p:cNvPr>
@@ -11913,21 +16654,113 @@
           <p:nvPr/>
         </p:nvPicPr>
         <p:blipFill>
-          <a:blip r:embed="rId2"/>
+          <a:blip r:embed="rId3"/>
           <a:stretch>
             <a:fillRect/>
           </a:stretch>
         </p:blipFill>
         <p:spPr>
           <a:xfrm>
-            <a:off x="1309687" y="1256146"/>
-            <a:ext cx="9572625" cy="4664364"/>
+            <a:off x="4618374" y="1156702"/>
+            <a:ext cx="6282919" cy="3785457"/>
           </a:xfrm>
           <a:prstGeom prst="rect">
             <a:avLst/>
           </a:prstGeom>
         </p:spPr>
       </p:pic>
+      <p:pic>
+        <p:nvPicPr>
+          <p:cNvPr id="29" name="Picture 28">
+            <a:extLst>
+              <a:ext uri="{FF2B5EF4-FFF2-40B4-BE49-F238E27FC236}">
+                <a16:creationId xmlns:a16="http://schemas.microsoft.com/office/drawing/2014/main" id="{8EF1841E-483F-48D2-BEE9-419DB846F052}"/>
+              </a:ext>
+              <a:ext uri="{C183D7F6-B498-43B3-948B-1728B52AA6E4}">
+                <adec:decorative xmlns:adec="http://schemas.microsoft.com/office/drawing/2017/decorative" val="1"/>
+              </a:ext>
+            </a:extLst>
+          </p:cNvPr>
+          <p:cNvPicPr>
+            <a:picLocks noGrp="1" noRot="1" noChangeAspect="1" noMove="1" noResize="1" noEditPoints="1" noAdjustHandles="1" noChangeArrowheads="1" noChangeShapeType="1" noCrop="1"/>
+          </p:cNvPicPr>
+          <p:nvPr>
+            <p:extLst>
+              <p:ext uri="{386F3935-93C4-4BCD-93E2-E3B085C9AB24}">
+                <p16:designElem xmlns:p16="http://schemas.microsoft.com/office/powerpoint/2015/main" val="1"/>
+              </p:ext>
+            </p:extLst>
+          </p:nvPr>
+        </p:nvPicPr>
+        <p:blipFill rotWithShape="1">
+          <a:blip r:embed="rId2"/>
+          <a:srcRect t="2769" b="-2769"/>
+          <a:stretch/>
+        </p:blipFill>
+        <p:spPr>
+          <a:xfrm>
+            <a:off x="0" y="6135624"/>
+            <a:ext cx="12192000" cy="742950"/>
+          </a:xfrm>
+          <a:prstGeom prst="rect">
+            <a:avLst/>
+          </a:prstGeom>
+        </p:spPr>
+      </p:pic>
+      <p:cxnSp>
+        <p:nvCxnSpPr>
+          <p:cNvPr id="31" name="Straight Connector 30">
+            <a:extLst>
+              <a:ext uri="{FF2B5EF4-FFF2-40B4-BE49-F238E27FC236}">
+                <a16:creationId xmlns:a16="http://schemas.microsoft.com/office/drawing/2014/main" id="{D59C9410-83E0-4382-9205-407BA785C3DE}"/>
+              </a:ext>
+              <a:ext uri="{C183D7F6-B498-43B3-948B-1728B52AA6E4}">
+                <adec:decorative xmlns:adec="http://schemas.microsoft.com/office/drawing/2017/decorative" val="1"/>
+              </a:ext>
+            </a:extLst>
+          </p:cNvPr>
+          <p:cNvCxnSpPr>
+            <a:cxnSpLocks noGrp="1" noRot="1" noChangeAspect="1" noMove="1" noResize="1" noEditPoints="1" noAdjustHandles="1" noChangeArrowheads="1" noChangeShapeType="1"/>
+          </p:cNvCxnSpPr>
+          <p:nvPr>
+            <p:extLst>
+              <p:ext uri="{386F3935-93C4-4BCD-93E2-E3B085C9AB24}">
+                <p16:designElem xmlns:p16="http://schemas.microsoft.com/office/powerpoint/2015/main" val="1"/>
+              </p:ext>
+            </p:extLst>
+          </p:nvPr>
+        </p:nvCxnSpPr>
+        <p:spPr>
+          <a:xfrm>
+            <a:off x="0" y="6141705"/>
+            <a:ext cx="12192000" cy="0"/>
+          </a:xfrm>
+          <a:prstGeom prst="line">
+            <a:avLst/>
+          </a:prstGeom>
+          <a:ln w="12700">
+            <a:solidFill>
+              <a:srgbClr val="000001">
+                <a:alpha val="20000"/>
+              </a:srgbClr>
+            </a:solidFill>
+          </a:ln>
+        </p:spPr>
+        <p:style>
+          <a:lnRef idx="1">
+            <a:schemeClr val="accent1"/>
+          </a:lnRef>
+          <a:fillRef idx="0">
+            <a:schemeClr val="accent1"/>
+          </a:fillRef>
+          <a:effectRef idx="0">
+            <a:schemeClr val="accent1"/>
+          </a:effectRef>
+          <a:fontRef idx="minor">
+            <a:schemeClr val="tx1"/>
+          </a:fontRef>
+        </p:style>
+      </p:cxnSp>
     </p:spTree>
     <p:extLst>
       <p:ext uri="{BB962C8B-B14F-4D97-AF65-F5344CB8AC3E}">
